--- a/ppt.pptx
+++ b/ppt.pptx
@@ -9,9 +9,10 @@
     <p:sldId id="260" r:id="rId3"/>
     <p:sldId id="262" r:id="rId4"/>
     <p:sldId id="263" r:id="rId5"/>
-    <p:sldId id="258" r:id="rId6"/>
-    <p:sldId id="257" r:id="rId7"/>
-    <p:sldId id="264" r:id="rId8"/>
+    <p:sldId id="265" r:id="rId6"/>
+    <p:sldId id="258" r:id="rId7"/>
+    <p:sldId id="257" r:id="rId8"/>
+    <p:sldId id="264" r:id="rId9"/>
   </p:sldIdLst>
   <p:sldSz cx="12192000" cy="6858000"/>
   <p:notesSz cx="6858000" cy="9144000"/>
@@ -2991,10 +2992,16 @@
           <a:lstStyle/>
           <a:p>
             <a:r>
-              <a:rPr lang="en-US" altLang="zh-TW" dirty="0" err="1" smtClean="0"/>
+              <a:rPr lang="en-US" altLang="zh-TW" dirty="0" err="1" smtClean="0">
+                <a:latin typeface="微軟正黑體" panose="020B0604030504040204" pitchFamily="34" charset="-120"/>
+                <a:ea typeface="微軟正黑體" panose="020B0604030504040204" pitchFamily="34" charset="-120"/>
+              </a:rPr>
               <a:t>Vegetablessssss</a:t>
             </a:r>
-            <a:endParaRPr lang="zh-TW" altLang="en-US" dirty="0"/>
+            <a:endParaRPr lang="zh-TW" altLang="en-US" dirty="0">
+              <a:latin typeface="微軟正黑體" panose="020B0604030504040204" pitchFamily="34" charset="-120"/>
+              <a:ea typeface="微軟正黑體" panose="020B0604030504040204" pitchFamily="34" charset="-120"/>
+            </a:endParaRPr>
           </a:p>
         </p:txBody>
       </p:sp>
@@ -3016,43 +3023,76 @@
           <a:lstStyle/>
           <a:p>
             <a:r>
-              <a:rPr lang="zh-TW" altLang="en-US" dirty="0" smtClean="0"/>
+              <a:rPr lang="zh-TW" altLang="en-US" dirty="0" smtClean="0">
+                <a:latin typeface="微軟正黑體" panose="020B0604030504040204" pitchFamily="34" charset="-120"/>
+                <a:ea typeface="微軟正黑體" panose="020B0604030504040204" pitchFamily="34" charset="-120"/>
+              </a:rPr>
               <a:t>組員</a:t>
             </a:r>
-            <a:endParaRPr lang="en-US" altLang="zh-TW" dirty="0" smtClean="0"/>
-          </a:p>
-          <a:p>
-            <a:r>
-              <a:rPr lang="en-US" altLang="zh-TW" dirty="0" smtClean="0"/>
+            <a:endParaRPr lang="en-US" altLang="zh-TW" dirty="0" smtClean="0">
+              <a:latin typeface="微軟正黑體" panose="020B0604030504040204" pitchFamily="34" charset="-120"/>
+              <a:ea typeface="微軟正黑體" panose="020B0604030504040204" pitchFamily="34" charset="-120"/>
+            </a:endParaRPr>
+          </a:p>
+          <a:p>
+            <a:r>
+              <a:rPr lang="en-US" altLang="zh-TW" dirty="0" smtClean="0">
+                <a:latin typeface="微軟正黑體" panose="020B0604030504040204" pitchFamily="34" charset="-120"/>
+                <a:ea typeface="微軟正黑體" panose="020B0604030504040204" pitchFamily="34" charset="-120"/>
+              </a:rPr>
               <a:t>106590007</a:t>
             </a:r>
             <a:r>
-              <a:rPr lang="zh-TW" altLang="en-US" dirty="0" smtClean="0"/>
+              <a:rPr lang="zh-TW" altLang="en-US" dirty="0" smtClean="0">
+                <a:latin typeface="微軟正黑體" panose="020B0604030504040204" pitchFamily="34" charset="-120"/>
+                <a:ea typeface="微軟正黑體" panose="020B0604030504040204" pitchFamily="34" charset="-120"/>
+              </a:rPr>
               <a:t>賴威錩</a:t>
             </a:r>
-            <a:endParaRPr lang="en-US" altLang="zh-TW" dirty="0" smtClean="0"/>
-          </a:p>
-          <a:p>
-            <a:r>
-              <a:rPr lang="en-US" altLang="zh-TW" dirty="0" smtClean="0"/>
+            <a:endParaRPr lang="en-US" altLang="zh-TW" dirty="0" smtClean="0">
+              <a:latin typeface="微軟正黑體" panose="020B0604030504040204" pitchFamily="34" charset="-120"/>
+              <a:ea typeface="微軟正黑體" panose="020B0604030504040204" pitchFamily="34" charset="-120"/>
+            </a:endParaRPr>
+          </a:p>
+          <a:p>
+            <a:r>
+              <a:rPr lang="en-US" altLang="zh-TW" dirty="0" smtClean="0">
+                <a:latin typeface="微軟正黑體" panose="020B0604030504040204" pitchFamily="34" charset="-120"/>
+                <a:ea typeface="微軟正黑體" panose="020B0604030504040204" pitchFamily="34" charset="-120"/>
+              </a:rPr>
               <a:t>106590009</a:t>
             </a:r>
             <a:r>
-              <a:rPr lang="zh-TW" altLang="en-US" dirty="0" smtClean="0"/>
+              <a:rPr lang="zh-TW" altLang="en-US" dirty="0" smtClean="0">
+                <a:latin typeface="微軟正黑體" panose="020B0604030504040204" pitchFamily="34" charset="-120"/>
+                <a:ea typeface="微軟正黑體" panose="020B0604030504040204" pitchFamily="34" charset="-120"/>
+              </a:rPr>
               <a:t>戴碩廷</a:t>
             </a:r>
-            <a:endParaRPr lang="en-US" altLang="zh-TW" dirty="0" smtClean="0"/>
-          </a:p>
-          <a:p>
-            <a:r>
-              <a:rPr lang="en-US" altLang="zh-TW" dirty="0" smtClean="0"/>
+            <a:endParaRPr lang="en-US" altLang="zh-TW" dirty="0" smtClean="0">
+              <a:latin typeface="微軟正黑體" panose="020B0604030504040204" pitchFamily="34" charset="-120"/>
+              <a:ea typeface="微軟正黑體" panose="020B0604030504040204" pitchFamily="34" charset="-120"/>
+            </a:endParaRPr>
+          </a:p>
+          <a:p>
+            <a:r>
+              <a:rPr lang="en-US" altLang="zh-TW" dirty="0" smtClean="0">
+                <a:latin typeface="微軟正黑體" panose="020B0604030504040204" pitchFamily="34" charset="-120"/>
+                <a:ea typeface="微軟正黑體" panose="020B0604030504040204" pitchFamily="34" charset="-120"/>
+              </a:rPr>
               <a:t>106590025</a:t>
             </a:r>
             <a:r>
-              <a:rPr lang="zh-TW" altLang="en-US" dirty="0" smtClean="0"/>
+              <a:rPr lang="zh-TW" altLang="en-US" dirty="0" smtClean="0">
+                <a:latin typeface="微軟正黑體" panose="020B0604030504040204" pitchFamily="34" charset="-120"/>
+                <a:ea typeface="微軟正黑體" panose="020B0604030504040204" pitchFamily="34" charset="-120"/>
+              </a:rPr>
               <a:t>郭家佑</a:t>
             </a:r>
-            <a:endParaRPr lang="en-US" altLang="zh-TW" dirty="0" smtClean="0"/>
+            <a:endParaRPr lang="en-US" altLang="zh-TW" dirty="0" smtClean="0">
+              <a:latin typeface="微軟正黑體" panose="020B0604030504040204" pitchFamily="34" charset="-120"/>
+              <a:ea typeface="微軟正黑體" panose="020B0604030504040204" pitchFamily="34" charset="-120"/>
+            </a:endParaRPr>
           </a:p>
         </p:txBody>
       </p:sp>
@@ -3109,7 +3149,10 @@
           <a:lstStyle/>
           <a:p>
             <a:r>
-              <a:rPr lang="zh-TW" altLang="en-US" dirty="0"/>
+              <a:rPr lang="zh-TW" altLang="en-US" dirty="0">
+                <a:latin typeface="微軟正黑體" panose="020B0604030504040204" pitchFamily="34" charset="-120"/>
+                <a:ea typeface="微軟正黑體" panose="020B0604030504040204" pitchFamily="34" charset="-120"/>
+              </a:rPr>
               <a:t>頁面</a:t>
             </a:r>
           </a:p>
@@ -3131,24 +3174,42 @@
           <a:lstStyle/>
           <a:p>
             <a:r>
-              <a:rPr lang="zh-TW" altLang="en-US" dirty="0" smtClean="0"/>
+              <a:rPr lang="zh-TW" altLang="en-US" dirty="0" smtClean="0">
+                <a:latin typeface="微軟正黑體" panose="020B0604030504040204" pitchFamily="34" charset="-120"/>
+                <a:ea typeface="微軟正黑體" panose="020B0604030504040204" pitchFamily="34" charset="-120"/>
+              </a:rPr>
               <a:t>主頁</a:t>
             </a:r>
-            <a:endParaRPr lang="en-US" altLang="zh-TW" dirty="0" smtClean="0"/>
-          </a:p>
-          <a:p>
-            <a:r>
-              <a:rPr lang="zh-TW" altLang="en-US" dirty="0" smtClean="0"/>
+            <a:endParaRPr lang="en-US" altLang="zh-TW" dirty="0" smtClean="0">
+              <a:latin typeface="微軟正黑體" panose="020B0604030504040204" pitchFamily="34" charset="-120"/>
+              <a:ea typeface="微軟正黑體" panose="020B0604030504040204" pitchFamily="34" charset="-120"/>
+            </a:endParaRPr>
+          </a:p>
+          <a:p>
+            <a:r>
+              <a:rPr lang="zh-TW" altLang="en-US" dirty="0" smtClean="0">
+                <a:latin typeface="微軟正黑體" panose="020B0604030504040204" pitchFamily="34" charset="-120"/>
+                <a:ea typeface="微軟正黑體" panose="020B0604030504040204" pitchFamily="34" charset="-120"/>
+              </a:rPr>
               <a:t>訂購</a:t>
             </a:r>
-            <a:endParaRPr lang="en-US" altLang="zh-TW" dirty="0" smtClean="0"/>
-          </a:p>
-          <a:p>
-            <a:r>
-              <a:rPr lang="zh-TW" altLang="en-US" dirty="0" smtClean="0"/>
+            <a:endParaRPr lang="en-US" altLang="zh-TW" dirty="0" smtClean="0">
+              <a:latin typeface="微軟正黑體" panose="020B0604030504040204" pitchFamily="34" charset="-120"/>
+              <a:ea typeface="微軟正黑體" panose="020B0604030504040204" pitchFamily="34" charset="-120"/>
+            </a:endParaRPr>
+          </a:p>
+          <a:p>
+            <a:r>
+              <a:rPr lang="zh-TW" altLang="en-US" dirty="0" smtClean="0">
+                <a:latin typeface="微軟正黑體" panose="020B0604030504040204" pitchFamily="34" charset="-120"/>
+                <a:ea typeface="微軟正黑體" panose="020B0604030504040204" pitchFamily="34" charset="-120"/>
+              </a:rPr>
               <a:t>菜單</a:t>
             </a:r>
-            <a:endParaRPr lang="en-US" altLang="zh-TW" dirty="0" smtClean="0"/>
+            <a:endParaRPr lang="en-US" altLang="zh-TW" dirty="0" smtClean="0">
+              <a:latin typeface="微軟正黑體" panose="020B0604030504040204" pitchFamily="34" charset="-120"/>
+              <a:ea typeface="微軟正黑體" panose="020B0604030504040204" pitchFamily="34" charset="-120"/>
+            </a:endParaRPr>
           </a:p>
           <a:p>
             <a:pPr marL="971550" lvl="1" indent="-514350">
@@ -3156,10 +3217,16 @@
               <a:buAutoNum type="arabicParenR"/>
             </a:pPr>
             <a:r>
-              <a:rPr lang="zh-TW" altLang="en-US" dirty="0" smtClean="0"/>
+              <a:rPr lang="zh-TW" altLang="en-US" dirty="0" smtClean="0">
+                <a:latin typeface="微軟正黑體" panose="020B0604030504040204" pitchFamily="34" charset="-120"/>
+                <a:ea typeface="微軟正黑體" panose="020B0604030504040204" pitchFamily="34" charset="-120"/>
+              </a:rPr>
               <a:t>四季菜單</a:t>
             </a:r>
-            <a:endParaRPr lang="en-US" altLang="zh-TW" dirty="0" smtClean="0"/>
+            <a:endParaRPr lang="en-US" altLang="zh-TW" dirty="0" smtClean="0">
+              <a:latin typeface="微軟正黑體" panose="020B0604030504040204" pitchFamily="34" charset="-120"/>
+              <a:ea typeface="微軟正黑體" panose="020B0604030504040204" pitchFamily="34" charset="-120"/>
+            </a:endParaRPr>
           </a:p>
           <a:p>
             <a:pPr marL="971550" lvl="1" indent="-514350">
@@ -3167,10 +3234,16 @@
               <a:buAutoNum type="arabicParenR"/>
             </a:pPr>
             <a:r>
-              <a:rPr lang="zh-TW" altLang="en-US" dirty="0" smtClean="0"/>
+              <a:rPr lang="zh-TW" altLang="en-US" dirty="0" smtClean="0">
+                <a:latin typeface="微軟正黑體" panose="020B0604030504040204" pitchFamily="34" charset="-120"/>
+                <a:ea typeface="微軟正黑體" panose="020B0604030504040204" pitchFamily="34" charset="-120"/>
+              </a:rPr>
               <a:t>夏季菜單</a:t>
             </a:r>
-            <a:endParaRPr lang="en-US" altLang="zh-TW" dirty="0" smtClean="0"/>
+            <a:endParaRPr lang="en-US" altLang="zh-TW" dirty="0" smtClean="0">
+              <a:latin typeface="微軟正黑體" panose="020B0604030504040204" pitchFamily="34" charset="-120"/>
+              <a:ea typeface="微軟正黑體" panose="020B0604030504040204" pitchFamily="34" charset="-120"/>
+            </a:endParaRPr>
           </a:p>
           <a:p>
             <a:pPr marL="971550" lvl="1" indent="-514350">
@@ -3178,21 +3251,36 @@
               <a:buAutoNum type="arabicParenR"/>
             </a:pPr>
             <a:r>
-              <a:rPr lang="zh-TW" altLang="en-US" dirty="0"/>
+              <a:rPr lang="zh-TW" altLang="en-US" dirty="0">
+                <a:latin typeface="微軟正黑體" panose="020B0604030504040204" pitchFamily="34" charset="-120"/>
+                <a:ea typeface="微軟正黑體" panose="020B0604030504040204" pitchFamily="34" charset="-120"/>
+              </a:rPr>
               <a:t>冬</a:t>
             </a:r>
             <a:r>
-              <a:rPr lang="zh-TW" altLang="en-US" dirty="0" smtClean="0"/>
+              <a:rPr lang="zh-TW" altLang="en-US" dirty="0" smtClean="0">
+                <a:latin typeface="微軟正黑體" panose="020B0604030504040204" pitchFamily="34" charset="-120"/>
+                <a:ea typeface="微軟正黑體" panose="020B0604030504040204" pitchFamily="34" charset="-120"/>
+              </a:rPr>
               <a:t>季菜單</a:t>
             </a:r>
-            <a:endParaRPr lang="en-US" altLang="zh-TW" dirty="0"/>
-          </a:p>
-          <a:p>
-            <a:r>
-              <a:rPr lang="zh-TW" altLang="en-US" dirty="0" smtClean="0"/>
+            <a:endParaRPr lang="en-US" altLang="zh-TW" dirty="0">
+              <a:latin typeface="微軟正黑體" panose="020B0604030504040204" pitchFamily="34" charset="-120"/>
+              <a:ea typeface="微軟正黑體" panose="020B0604030504040204" pitchFamily="34" charset="-120"/>
+            </a:endParaRPr>
+          </a:p>
+          <a:p>
+            <a:r>
+              <a:rPr lang="zh-TW" altLang="en-US" dirty="0" smtClean="0">
+                <a:latin typeface="微軟正黑體" panose="020B0604030504040204" pitchFamily="34" charset="-120"/>
+                <a:ea typeface="微軟正黑體" panose="020B0604030504040204" pitchFamily="34" charset="-120"/>
+              </a:rPr>
               <a:t>意見回饋</a:t>
             </a:r>
-            <a:endParaRPr lang="zh-TW" altLang="en-US" dirty="0"/>
+            <a:endParaRPr lang="zh-TW" altLang="en-US" dirty="0">
+              <a:latin typeface="微軟正黑體" panose="020B0604030504040204" pitchFamily="34" charset="-120"/>
+              <a:ea typeface="微軟正黑體" panose="020B0604030504040204" pitchFamily="34" charset="-120"/>
+            </a:endParaRPr>
           </a:p>
         </p:txBody>
       </p:sp>
@@ -3249,10 +3337,16 @@
           <a:lstStyle/>
           <a:p>
             <a:r>
-              <a:rPr lang="zh-TW" altLang="en-US" dirty="0" smtClean="0"/>
+              <a:rPr lang="zh-TW" altLang="en-US" dirty="0" smtClean="0">
+                <a:latin typeface="微軟正黑體" panose="020B0604030504040204" pitchFamily="34" charset="-120"/>
+                <a:ea typeface="微軟正黑體" panose="020B0604030504040204" pitchFamily="34" charset="-120"/>
+              </a:rPr>
               <a:t>設計</a:t>
             </a:r>
-            <a:endParaRPr lang="zh-TW" altLang="en-US" dirty="0"/>
+            <a:endParaRPr lang="zh-TW" altLang="en-US" dirty="0">
+              <a:latin typeface="微軟正黑體" panose="020B0604030504040204" pitchFamily="34" charset="-120"/>
+              <a:ea typeface="微軟正黑體" panose="020B0604030504040204" pitchFamily="34" charset="-120"/>
+            </a:endParaRPr>
           </a:p>
         </p:txBody>
       </p:sp>
@@ -3277,41 +3371,71 @@
           <a:lstStyle/>
           <a:p>
             <a:r>
-              <a:rPr lang="zh-TW" altLang="en-US" dirty="0" smtClean="0"/>
+              <a:rPr lang="zh-TW" altLang="en-US" dirty="0" smtClean="0">
+                <a:latin typeface="微軟正黑體" panose="020B0604030504040204" pitchFamily="34" charset="-120"/>
+                <a:ea typeface="微軟正黑體" panose="020B0604030504040204" pitchFamily="34" charset="-120"/>
+              </a:rPr>
               <a:t>以充滿</a:t>
             </a:r>
             <a:r>
-              <a:rPr lang="en-US" altLang="zh-TW" dirty="0" err="1" smtClean="0"/>
+              <a:rPr lang="en-US" altLang="zh-TW" dirty="0" err="1" smtClean="0">
+                <a:latin typeface="微軟正黑體" panose="020B0604030504040204" pitchFamily="34" charset="-120"/>
+                <a:ea typeface="微軟正黑體" panose="020B0604030504040204" pitchFamily="34" charset="-120"/>
+              </a:rPr>
               <a:t>Vegetablessssss</a:t>
             </a:r>
             <a:r>
-              <a:rPr lang="zh-TW" altLang="en-US" dirty="0" smtClean="0"/>
+              <a:rPr lang="zh-TW" altLang="en-US" dirty="0" smtClean="0">
+                <a:latin typeface="微軟正黑體" panose="020B0604030504040204" pitchFamily="34" charset="-120"/>
+                <a:ea typeface="微軟正黑體" panose="020B0604030504040204" pitchFamily="34" charset="-120"/>
+              </a:rPr>
               <a:t>質感的綠色為主色</a:t>
             </a:r>
-            <a:endParaRPr lang="en-US" altLang="zh-TW" dirty="0" smtClean="0"/>
-          </a:p>
-          <a:p>
-            <a:r>
-              <a:rPr lang="zh-TW" altLang="en-US" dirty="0" smtClean="0"/>
+            <a:endParaRPr lang="en-US" altLang="zh-TW" dirty="0" smtClean="0">
+              <a:latin typeface="微軟正黑體" panose="020B0604030504040204" pitchFamily="34" charset="-120"/>
+              <a:ea typeface="微軟正黑體" panose="020B0604030504040204" pitchFamily="34" charset="-120"/>
+            </a:endParaRPr>
+          </a:p>
+          <a:p>
+            <a:r>
+              <a:rPr lang="zh-TW" altLang="en-US" dirty="0" smtClean="0">
+                <a:latin typeface="微軟正黑體" panose="020B0604030504040204" pitchFamily="34" charset="-120"/>
+                <a:ea typeface="微軟正黑體" panose="020B0604030504040204" pitchFamily="34" charset="-120"/>
+              </a:rPr>
               <a:t>字型</a:t>
             </a:r>
             <a:r>
-              <a:rPr lang="en-US" altLang="zh-TW" dirty="0" smtClean="0"/>
+              <a:rPr lang="en-US" altLang="zh-TW" dirty="0" smtClean="0">
+                <a:latin typeface="微軟正黑體" panose="020B0604030504040204" pitchFamily="34" charset="-120"/>
+                <a:ea typeface="微軟正黑體" panose="020B0604030504040204" pitchFamily="34" charset="-120"/>
+              </a:rPr>
               <a:t>:</a:t>
             </a:r>
             <a:r>
-              <a:rPr lang="zh-TW" altLang="en-US" dirty="0" smtClean="0"/>
+              <a:rPr lang="zh-TW" altLang="en-US" dirty="0" smtClean="0">
+                <a:latin typeface="微軟正黑體" panose="020B0604030504040204" pitchFamily="34" charset="-120"/>
+                <a:ea typeface="微軟正黑體" panose="020B0604030504040204" pitchFamily="34" charset="-120"/>
+              </a:rPr>
               <a:t>微軟正黑體</a:t>
             </a:r>
-            <a:endParaRPr lang="en-US" altLang="zh-TW" dirty="0" smtClean="0"/>
-          </a:p>
-          <a:p>
-            <a:r>
-              <a:rPr lang="zh-TW" altLang="en-US" dirty="0" smtClean="0"/>
+            <a:endParaRPr lang="en-US" altLang="zh-TW" dirty="0" smtClean="0">
+              <a:latin typeface="微軟正黑體" panose="020B0604030504040204" pitchFamily="34" charset="-120"/>
+              <a:ea typeface="微軟正黑體" panose="020B0604030504040204" pitchFamily="34" charset="-120"/>
+            </a:endParaRPr>
+          </a:p>
+          <a:p>
+            <a:r>
+              <a:rPr lang="zh-TW" altLang="en-US" dirty="0" smtClean="0">
+                <a:latin typeface="微軟正黑體" panose="020B0604030504040204" pitchFamily="34" charset="-120"/>
+                <a:ea typeface="微軟正黑體" panose="020B0604030504040204" pitchFamily="34" charset="-120"/>
+              </a:rPr>
               <a:t>主要功能有</a:t>
             </a:r>
             <a:r>
-              <a:rPr lang="en-US" altLang="zh-TW" dirty="0" smtClean="0"/>
+              <a:rPr lang="en-US" altLang="zh-TW" dirty="0" smtClean="0">
+                <a:latin typeface="微軟正黑體" panose="020B0604030504040204" pitchFamily="34" charset="-120"/>
+                <a:ea typeface="微軟正黑體" panose="020B0604030504040204" pitchFamily="34" charset="-120"/>
+              </a:rPr>
               <a:t>:</a:t>
             </a:r>
           </a:p>
@@ -3321,10 +3445,16 @@
               <a:buAutoNum type="arabicPeriod"/>
             </a:pPr>
             <a:r>
-              <a:rPr lang="zh-TW" altLang="en-US" dirty="0" smtClean="0"/>
+              <a:rPr lang="zh-TW" altLang="en-US" dirty="0" smtClean="0">
+                <a:latin typeface="微軟正黑體" panose="020B0604030504040204" pitchFamily="34" charset="-120"/>
+                <a:ea typeface="微軟正黑體" panose="020B0604030504040204" pitchFamily="34" charset="-120"/>
+              </a:rPr>
               <a:t>查看菜單</a:t>
             </a:r>
-            <a:endParaRPr lang="en-US" altLang="zh-TW" dirty="0" smtClean="0"/>
+            <a:endParaRPr lang="en-US" altLang="zh-TW" dirty="0" smtClean="0">
+              <a:latin typeface="微軟正黑體" panose="020B0604030504040204" pitchFamily="34" charset="-120"/>
+              <a:ea typeface="微軟正黑體" panose="020B0604030504040204" pitchFamily="34" charset="-120"/>
+            </a:endParaRPr>
           </a:p>
           <a:p>
             <a:pPr marL="971550" lvl="1" indent="-514350">
@@ -3332,10 +3462,16 @@
               <a:buAutoNum type="arabicPeriod"/>
             </a:pPr>
             <a:r>
-              <a:rPr lang="zh-TW" altLang="en-US" dirty="0" smtClean="0"/>
+              <a:rPr lang="zh-TW" altLang="en-US" dirty="0" smtClean="0">
+                <a:latin typeface="微軟正黑體" panose="020B0604030504040204" pitchFamily="34" charset="-120"/>
+                <a:ea typeface="微軟正黑體" panose="020B0604030504040204" pitchFamily="34" charset="-120"/>
+              </a:rPr>
               <a:t>訂購</a:t>
             </a:r>
-            <a:endParaRPr lang="en-US" altLang="zh-TW" dirty="0"/>
+            <a:endParaRPr lang="en-US" altLang="zh-TW" dirty="0">
+              <a:latin typeface="微軟正黑體" panose="020B0604030504040204" pitchFamily="34" charset="-120"/>
+              <a:ea typeface="微軟正黑體" panose="020B0604030504040204" pitchFamily="34" charset="-120"/>
+            </a:endParaRPr>
           </a:p>
           <a:p>
             <a:pPr marL="971550" lvl="1" indent="-514350">
@@ -3343,21 +3479,36 @@
               <a:buAutoNum type="arabicPeriod"/>
             </a:pPr>
             <a:r>
-              <a:rPr lang="zh-TW" altLang="en-US" dirty="0" smtClean="0"/>
+              <a:rPr lang="zh-TW" altLang="en-US" dirty="0" smtClean="0">
+                <a:latin typeface="微軟正黑體" panose="020B0604030504040204" pitchFamily="34" charset="-120"/>
+                <a:ea typeface="微軟正黑體" panose="020B0604030504040204" pitchFamily="34" charset="-120"/>
+              </a:rPr>
               <a:t>意見回饋</a:t>
             </a:r>
-            <a:endParaRPr lang="en-US" altLang="zh-TW" dirty="0" smtClean="0"/>
-          </a:p>
-          <a:p>
-            <a:r>
-              <a:rPr lang="zh-TW" altLang="en-US" dirty="0" smtClean="0"/>
+            <a:endParaRPr lang="en-US" altLang="zh-TW" dirty="0" smtClean="0">
+              <a:latin typeface="微軟正黑體" panose="020B0604030504040204" pitchFamily="34" charset="-120"/>
+              <a:ea typeface="微軟正黑體" panose="020B0604030504040204" pitchFamily="34" charset="-120"/>
+            </a:endParaRPr>
+          </a:p>
+          <a:p>
+            <a:r>
+              <a:rPr lang="zh-TW" altLang="en-US" dirty="0" smtClean="0">
+                <a:latin typeface="微軟正黑體" panose="020B0604030504040204" pitchFamily="34" charset="-120"/>
+                <a:ea typeface="微軟正黑體" panose="020B0604030504040204" pitchFamily="34" charset="-120"/>
+              </a:rPr>
               <a:t>首頁中間可看見各式公告</a:t>
             </a:r>
-            <a:endParaRPr lang="en-US" altLang="zh-TW" dirty="0" smtClean="0"/>
-          </a:p>
-          <a:p>
-            <a:r>
-              <a:rPr lang="zh-TW" altLang="en-US" dirty="0" smtClean="0"/>
+            <a:endParaRPr lang="en-US" altLang="zh-TW" dirty="0" smtClean="0">
+              <a:latin typeface="微軟正黑體" panose="020B0604030504040204" pitchFamily="34" charset="-120"/>
+              <a:ea typeface="微軟正黑體" panose="020B0604030504040204" pitchFamily="34" charset="-120"/>
+            </a:endParaRPr>
+          </a:p>
+          <a:p>
+            <a:r>
+              <a:rPr lang="zh-TW" altLang="en-US" dirty="0" smtClean="0">
+                <a:latin typeface="微軟正黑體" panose="020B0604030504040204" pitchFamily="34" charset="-120"/>
+                <a:ea typeface="微軟正黑體" panose="020B0604030504040204" pitchFamily="34" charset="-120"/>
+              </a:rPr>
               <a:t>下方能查看顧客的最新評價</a:t>
             </a:r>
           </a:p>
@@ -3446,10 +3597,16 @@
           <a:lstStyle/>
           <a:p>
             <a:r>
-              <a:rPr lang="zh-TW" altLang="en-US" dirty="0" smtClean="0"/>
+              <a:rPr lang="zh-TW" altLang="en-US" dirty="0" smtClean="0">
+                <a:latin typeface="微軟正黑體" panose="020B0604030504040204" pitchFamily="34" charset="-120"/>
+                <a:ea typeface="微軟正黑體" panose="020B0604030504040204" pitchFamily="34" charset="-120"/>
+              </a:rPr>
               <a:t>設計</a:t>
             </a:r>
-            <a:endParaRPr lang="zh-TW" altLang="en-US" dirty="0"/>
+            <a:endParaRPr lang="zh-TW" altLang="en-US" dirty="0">
+              <a:latin typeface="微軟正黑體" panose="020B0604030504040204" pitchFamily="34" charset="-120"/>
+              <a:ea typeface="微軟正黑體" panose="020B0604030504040204" pitchFamily="34" charset="-120"/>
+            </a:endParaRPr>
           </a:p>
         </p:txBody>
       </p:sp>
@@ -3474,14 +3631,23 @@
           <a:lstStyle/>
           <a:p>
             <a:r>
-              <a:rPr lang="zh-TW" altLang="en-US" dirty="0" smtClean="0"/>
+              <a:rPr lang="zh-TW" altLang="en-US" dirty="0" smtClean="0">
+                <a:latin typeface="微軟正黑體" panose="020B0604030504040204" pitchFamily="34" charset="-120"/>
+                <a:ea typeface="微軟正黑體" panose="020B0604030504040204" pitchFamily="34" charset="-120"/>
+              </a:rPr>
               <a:t>尺寸標</a:t>
             </a:r>
             <a:r>
-              <a:rPr lang="zh-TW" altLang="en-US" dirty="0"/>
+              <a:rPr lang="zh-TW" altLang="en-US" dirty="0">
+                <a:latin typeface="微軟正黑體" panose="020B0604030504040204" pitchFamily="34" charset="-120"/>
+                <a:ea typeface="微軟正黑體" panose="020B0604030504040204" pitchFamily="34" charset="-120"/>
+              </a:rPr>
               <a:t>示</a:t>
             </a:r>
-            <a:endParaRPr lang="en-US" altLang="zh-TW" dirty="0" smtClean="0"/>
+            <a:endParaRPr lang="en-US" altLang="zh-TW" dirty="0" smtClean="0">
+              <a:latin typeface="微軟正黑體" panose="020B0604030504040204" pitchFamily="34" charset="-120"/>
+              <a:ea typeface="微軟正黑體" panose="020B0604030504040204" pitchFamily="34" charset="-120"/>
+            </a:endParaRPr>
           </a:p>
         </p:txBody>
       </p:sp>
@@ -3552,9 +3718,39 @@
           <a:chExt cx="0" cy="0"/>
         </a:xfrm>
       </p:grpSpPr>
-      <p:sp>
-        <p:nvSpPr>
-          <p:cNvPr id="2" name="標題 1"/>
+      <p:pic>
+        <p:nvPicPr>
+          <p:cNvPr id="8" name="圖片 7"/>
+          <p:cNvPicPr>
+            <a:picLocks noChangeAspect="1"/>
+          </p:cNvPicPr>
+          <p:nvPr/>
+        </p:nvPicPr>
+        <p:blipFill>
+          <a:blip r:embed="rId2">
+            <a:extLst>
+              <a:ext uri="{28A0092B-C50C-407E-A947-70E740481C1C}">
+                <a14:useLocalDpi xmlns:a14="http://schemas.microsoft.com/office/drawing/2010/main" val="0"/>
+              </a:ext>
+            </a:extLst>
+          </a:blip>
+          <a:stretch>
+            <a:fillRect/>
+          </a:stretch>
+        </p:blipFill>
+        <p:spPr>
+          <a:xfrm>
+            <a:off x="5319124" y="0"/>
+            <a:ext cx="6872876" cy="6858000"/>
+          </a:xfrm>
+          <a:prstGeom prst="rect">
+            <a:avLst/>
+          </a:prstGeom>
+        </p:spPr>
+      </p:pic>
+      <p:sp>
+        <p:nvSpPr>
+          <p:cNvPr id="9" name="標題 1"/>
           <p:cNvSpPr>
             <a:spLocks noGrp="1"/>
           </p:cNvSpPr>
@@ -3562,22 +3758,33 @@
             <p:ph type="title"/>
           </p:nvPr>
         </p:nvSpPr>
-        <p:spPr/>
-        <p:txBody>
-          <a:bodyPr/>
-          <a:lstStyle/>
-          <a:p>
-            <a:r>
-              <a:rPr lang="zh-TW" altLang="en-US" dirty="0" smtClean="0"/>
-              <a:t>程式</a:t>
-            </a:r>
-            <a:endParaRPr lang="zh-TW" altLang="en-US" dirty="0"/>
-          </a:p>
-        </p:txBody>
-      </p:sp>
-      <p:sp>
-        <p:nvSpPr>
-          <p:cNvPr id="3" name="內容版面配置區 2"/>
+        <p:spPr>
+          <a:xfrm>
+            <a:off x="838200" y="365125"/>
+            <a:ext cx="10515600" cy="1325563"/>
+          </a:xfrm>
+        </p:spPr>
+        <p:txBody>
+          <a:bodyPr/>
+          <a:lstStyle/>
+          <a:p>
+            <a:r>
+              <a:rPr lang="zh-TW" altLang="en-US" dirty="0" smtClean="0">
+                <a:latin typeface="微軟正黑體" panose="020B0604030504040204" pitchFamily="34" charset="-120"/>
+                <a:ea typeface="微軟正黑體" panose="020B0604030504040204" pitchFamily="34" charset="-120"/>
+              </a:rPr>
+              <a:t>設計</a:t>
+            </a:r>
+            <a:endParaRPr lang="zh-TW" altLang="en-US" dirty="0">
+              <a:latin typeface="微軟正黑體" panose="020B0604030504040204" pitchFamily="34" charset="-120"/>
+              <a:ea typeface="微軟正黑體" panose="020B0604030504040204" pitchFamily="34" charset="-120"/>
+            </a:endParaRPr>
+          </a:p>
+        </p:txBody>
+      </p:sp>
+      <p:sp>
+        <p:nvSpPr>
+          <p:cNvPr id="10" name="內容版面配置區 2"/>
           <p:cNvSpPr>
             <a:spLocks noGrp="1"/>
           </p:cNvSpPr>
@@ -3585,124 +3792,41 @@
             <p:ph idx="1"/>
           </p:nvPr>
         </p:nvSpPr>
-        <p:spPr/>
-        <p:txBody>
-          <a:bodyPr>
-            <a:normAutofit lnSpcReduction="10000"/>
-          </a:bodyPr>
-          <a:lstStyle/>
-          <a:p>
-            <a:r>
-              <a:rPr lang="en-US" altLang="zh-TW" dirty="0" smtClean="0"/>
-              <a:t>CSS</a:t>
-            </a:r>
-          </a:p>
-          <a:p>
-            <a:pPr marL="514350" indent="-514350">
-              <a:buFont typeface="+mj-lt"/>
-              <a:buAutoNum type="arabicPeriod"/>
-            </a:pPr>
-            <a:r>
-              <a:rPr lang="zh-TW" altLang="en-US" dirty="0" smtClean="0"/>
-              <a:t>「菜單」頁面，滑鼠滑過圖片會旋轉。</a:t>
-            </a:r>
-            <a:endParaRPr lang="en-US" altLang="zh-TW" dirty="0" smtClean="0"/>
-          </a:p>
-          <a:p>
-            <a:pPr marL="514350" indent="-514350">
-              <a:buFont typeface="+mj-lt"/>
-              <a:buAutoNum type="arabicPeriod"/>
-            </a:pPr>
-            <a:endParaRPr lang="en-US" altLang="zh-TW" dirty="0"/>
-          </a:p>
-          <a:p>
-            <a:r>
-              <a:rPr lang="en-US" altLang="zh-TW" dirty="0" smtClean="0"/>
-              <a:t>JavaScript</a:t>
-            </a:r>
-          </a:p>
-          <a:p>
-            <a:pPr marL="514350" indent="-514350">
-              <a:buFont typeface="+mj-lt"/>
-              <a:buAutoNum type="arabicPeriod"/>
-            </a:pPr>
-            <a:r>
-              <a:rPr lang="zh-TW" altLang="en-US" dirty="0" smtClean="0"/>
-              <a:t>「意見回饋」頁面會將資料送出到</a:t>
-            </a:r>
-            <a:r>
-              <a:rPr lang="en-US" altLang="zh-TW" dirty="0" smtClean="0"/>
-              <a:t>google</a:t>
-            </a:r>
-            <a:r>
-              <a:rPr lang="zh-TW" altLang="en-US" dirty="0" smtClean="0"/>
-              <a:t>。</a:t>
-            </a:r>
-            <a:endParaRPr lang="en-US" altLang="zh-TW" dirty="0" smtClean="0"/>
-          </a:p>
-          <a:p>
-            <a:pPr marL="514350" indent="-514350">
-              <a:buFont typeface="+mj-lt"/>
-              <a:buAutoNum type="arabicPeriod"/>
-            </a:pPr>
-            <a:r>
-              <a:rPr lang="zh-TW" altLang="en-US" dirty="0" smtClean="0"/>
-              <a:t>「首頁」頁面會將</a:t>
-            </a:r>
-            <a:r>
-              <a:rPr lang="en-US" altLang="zh-TW" dirty="0" smtClean="0"/>
-              <a:t>google</a:t>
-            </a:r>
-            <a:r>
-              <a:rPr lang="zh-TW" altLang="en-US" dirty="0" smtClean="0"/>
-              <a:t>中的資料抓下來，顯示在首頁下方的評價區。</a:t>
-            </a:r>
-            <a:endParaRPr lang="en-US" altLang="zh-TW" dirty="0" smtClean="0"/>
-          </a:p>
-          <a:p>
-            <a:pPr marL="514350" indent="-514350">
-              <a:buFont typeface="+mj-lt"/>
-              <a:buAutoNum type="arabicPeriod"/>
-            </a:pPr>
-            <a:r>
-              <a:rPr lang="zh-TW" altLang="en-US" dirty="0" smtClean="0"/>
-              <a:t>「訂購」頁面按下</a:t>
-            </a:r>
-            <a:r>
-              <a:rPr lang="en-US" altLang="zh-TW" dirty="0" smtClean="0"/>
-              <a:t>+</a:t>
-            </a:r>
-            <a:r>
-              <a:rPr lang="zh-TW" altLang="en-US" dirty="0" smtClean="0"/>
-              <a:t>號可新增</a:t>
-            </a:r>
-            <a:r>
-              <a:rPr lang="zh-TW" altLang="en-US" dirty="0"/>
-              <a:t>下</a:t>
-            </a:r>
-            <a:r>
-              <a:rPr lang="zh-TW" altLang="en-US" dirty="0" smtClean="0"/>
-              <a:t>拉選單。</a:t>
-            </a:r>
-            <a:endParaRPr lang="en-US" altLang="zh-TW" dirty="0" smtClean="0"/>
-          </a:p>
-          <a:p>
-            <a:pPr marL="514350" indent="-514350">
-              <a:buFont typeface="+mj-lt"/>
-              <a:buAutoNum type="arabicPeriod"/>
-            </a:pPr>
-            <a:r>
-              <a:rPr lang="zh-TW" altLang="en-US" dirty="0" smtClean="0"/>
-              <a:t>「首頁」下方的評價區會根據評價數增加表格欄位。</a:t>
-            </a:r>
-            <a:endParaRPr lang="en-US" altLang="zh-TW" dirty="0" smtClean="0"/>
+        <p:spPr>
+          <a:xfrm>
+            <a:off x="838200" y="1825625"/>
+            <a:ext cx="5750134" cy="4351338"/>
+          </a:xfrm>
+        </p:spPr>
+        <p:txBody>
+          <a:bodyPr/>
+          <a:lstStyle/>
+          <a:p>
+            <a:r>
+              <a:rPr lang="zh-TW" altLang="en-US" dirty="0" smtClean="0">
+                <a:latin typeface="微軟正黑體" panose="020B0604030504040204" pitchFamily="34" charset="-120"/>
+                <a:ea typeface="微軟正黑體" panose="020B0604030504040204" pitchFamily="34" charset="-120"/>
+              </a:rPr>
+              <a:t>尺寸標</a:t>
+            </a:r>
+            <a:r>
+              <a:rPr lang="zh-TW" altLang="en-US" dirty="0">
+                <a:latin typeface="微軟正黑體" panose="020B0604030504040204" pitchFamily="34" charset="-120"/>
+                <a:ea typeface="微軟正黑體" panose="020B0604030504040204" pitchFamily="34" charset="-120"/>
+              </a:rPr>
+              <a:t>示</a:t>
+            </a:r>
+            <a:endParaRPr lang="en-US" altLang="zh-TW" dirty="0" smtClean="0">
+              <a:latin typeface="微軟正黑體" panose="020B0604030504040204" pitchFamily="34" charset="-120"/>
+              <a:ea typeface="微軟正黑體" panose="020B0604030504040204" pitchFamily="34" charset="-120"/>
+            </a:endParaRPr>
           </a:p>
         </p:txBody>
       </p:sp>
     </p:spTree>
     <p:extLst>
       <p:ext uri="{BB962C8B-B14F-4D97-AF65-F5344CB8AC3E}">
-        <p14:creationId xmlns:p14="http://schemas.microsoft.com/office/powerpoint/2010/main" val="2551211300"/>
+        <p14:creationId xmlns:p14="http://schemas.microsoft.com/office/powerpoint/2010/main" val="1345618678"/>
       </p:ext>
     </p:extLst>
   </p:cSld>
@@ -3752,10 +3876,16 @@
           <a:lstStyle/>
           <a:p>
             <a:r>
-              <a:rPr lang="zh-TW" altLang="en-US" dirty="0" smtClean="0"/>
-              <a:t>分工</a:t>
-            </a:r>
-            <a:endParaRPr lang="zh-TW" altLang="en-US" dirty="0"/>
+              <a:rPr lang="zh-TW" altLang="en-US" dirty="0" smtClean="0">
+                <a:latin typeface="微軟正黑體" panose="020B0604030504040204" pitchFamily="34" charset="-120"/>
+                <a:ea typeface="微軟正黑體" panose="020B0604030504040204" pitchFamily="34" charset="-120"/>
+              </a:rPr>
+              <a:t>程式</a:t>
+            </a:r>
+            <a:endParaRPr lang="zh-TW" altLang="en-US" dirty="0">
+              <a:latin typeface="微軟正黑體" panose="020B0604030504040204" pitchFamily="34" charset="-120"/>
+              <a:ea typeface="微軟正黑體" panose="020B0604030504040204" pitchFamily="34" charset="-120"/>
+            </a:endParaRPr>
           </a:p>
         </p:txBody>
       </p:sp>
@@ -3771,63 +3901,345 @@
         </p:nvSpPr>
         <p:spPr/>
         <p:txBody>
-          <a:bodyPr/>
-          <a:lstStyle/>
-          <a:p>
-            <a:r>
-              <a:rPr lang="zh-TW" altLang="en-US" dirty="0" smtClean="0"/>
-              <a:t>賴威錩</a:t>
-            </a:r>
-            <a:r>
-              <a:rPr lang="en-US" altLang="zh-TW" dirty="0" smtClean="0"/>
-              <a:t>:</a:t>
-            </a:r>
-            <a:r>
-              <a:rPr lang="zh-TW" altLang="en-US" dirty="0" smtClean="0"/>
-              <a:t>菜單、雲端資料管理</a:t>
-            </a:r>
-            <a:endParaRPr lang="en-US" altLang="zh-TW" dirty="0" smtClean="0"/>
-          </a:p>
-          <a:p>
-            <a:r>
-              <a:rPr lang="zh-TW" altLang="en-US" dirty="0" smtClean="0"/>
-              <a:t>戴碩廷</a:t>
-            </a:r>
-            <a:r>
-              <a:rPr lang="en-US" altLang="zh-TW" dirty="0" smtClean="0"/>
-              <a:t>:</a:t>
-            </a:r>
-            <a:r>
-              <a:rPr lang="zh-TW" altLang="en-US" dirty="0" smtClean="0"/>
-              <a:t>訂購、意見回饋</a:t>
-            </a:r>
-            <a:endParaRPr lang="en-US" altLang="zh-TW" dirty="0" smtClean="0"/>
-          </a:p>
-          <a:p>
-            <a:r>
-              <a:rPr lang="zh-TW" altLang="en-US" dirty="0" smtClean="0"/>
-              <a:t>郭家佑</a:t>
-            </a:r>
-            <a:r>
-              <a:rPr lang="en-US" altLang="zh-TW" dirty="0" smtClean="0"/>
-              <a:t>:</a:t>
-            </a:r>
-            <a:r>
-              <a:rPr lang="zh-TW" altLang="en-US" smtClean="0"/>
+          <a:bodyPr>
+            <a:normAutofit/>
+          </a:bodyPr>
+          <a:lstStyle/>
+          <a:p>
+            <a:pPr marL="514350" indent="-514350">
+              <a:buFont typeface="+mj-lt"/>
+              <a:buAutoNum type="arabicPeriod"/>
+            </a:pPr>
+            <a:r>
+              <a:rPr lang="zh-TW" altLang="en-US" dirty="0" smtClean="0">
+                <a:latin typeface="微軟正黑體" panose="020B0604030504040204" pitchFamily="34" charset="-120"/>
+                <a:ea typeface="微軟正黑體" panose="020B0604030504040204" pitchFamily="34" charset="-120"/>
+              </a:rPr>
+              <a:t>「</a:t>
+            </a:r>
+            <a:r>
+              <a:rPr lang="zh-TW" altLang="en-US" dirty="0" smtClean="0">
+                <a:solidFill>
+                  <a:schemeClr val="accent2">
+                    <a:lumMod val="50000"/>
+                  </a:schemeClr>
+                </a:solidFill>
+                <a:latin typeface="微軟正黑體" panose="020B0604030504040204" pitchFamily="34" charset="-120"/>
+                <a:ea typeface="微軟正黑體" panose="020B0604030504040204" pitchFamily="34" charset="-120"/>
+              </a:rPr>
+              <a:t>菜單</a:t>
+            </a:r>
+            <a:r>
+              <a:rPr lang="zh-TW" altLang="en-US" dirty="0" smtClean="0">
+                <a:latin typeface="微軟正黑體" panose="020B0604030504040204" pitchFamily="34" charset="-120"/>
+                <a:ea typeface="微軟正黑體" panose="020B0604030504040204" pitchFamily="34" charset="-120"/>
+              </a:rPr>
+              <a:t>」頁面，滑鼠滑過圖片會旋轉</a:t>
+            </a:r>
+            <a:r>
+              <a:rPr lang="zh-TW" altLang="en-US" dirty="0" smtClean="0">
+                <a:latin typeface="微軟正黑體" panose="020B0604030504040204" pitchFamily="34" charset="-120"/>
+                <a:ea typeface="微軟正黑體" panose="020B0604030504040204" pitchFamily="34" charset="-120"/>
+              </a:rPr>
+              <a:t>。</a:t>
+            </a:r>
+            <a:endParaRPr lang="en-US" altLang="zh-TW" dirty="0" smtClean="0">
+              <a:latin typeface="微軟正黑體" panose="020B0604030504040204" pitchFamily="34" charset="-120"/>
+              <a:ea typeface="微軟正黑體" panose="020B0604030504040204" pitchFamily="34" charset="-120"/>
+            </a:endParaRPr>
+          </a:p>
+          <a:p>
+            <a:pPr marL="514350" indent="-514350">
+              <a:buFont typeface="+mj-lt"/>
+              <a:buAutoNum type="arabicPeriod"/>
+            </a:pPr>
+            <a:r>
+              <a:rPr lang="zh-TW" altLang="en-US" dirty="0">
+                <a:latin typeface="微軟正黑體" panose="020B0604030504040204" pitchFamily="34" charset="-120"/>
+                <a:ea typeface="微軟正黑體" panose="020B0604030504040204" pitchFamily="34" charset="-120"/>
+              </a:rPr>
+              <a:t>「</a:t>
+            </a:r>
+            <a:r>
+              <a:rPr lang="zh-TW" altLang="en-US" dirty="0">
+                <a:solidFill>
+                  <a:schemeClr val="accent2">
+                    <a:lumMod val="50000"/>
+                  </a:schemeClr>
+                </a:solidFill>
+                <a:latin typeface="微軟正黑體" panose="020B0604030504040204" pitchFamily="34" charset="-120"/>
+                <a:ea typeface="微軟正黑體" panose="020B0604030504040204" pitchFamily="34" charset="-120"/>
+              </a:rPr>
+              <a:t>訂購</a:t>
+            </a:r>
+            <a:r>
+              <a:rPr lang="zh-TW" altLang="en-US" dirty="0">
+                <a:latin typeface="微軟正黑體" panose="020B0604030504040204" pitchFamily="34" charset="-120"/>
+                <a:ea typeface="微軟正黑體" panose="020B0604030504040204" pitchFamily="34" charset="-120"/>
+              </a:rPr>
+              <a:t>」及「</a:t>
+            </a:r>
+            <a:r>
+              <a:rPr lang="zh-TW" altLang="en-US" dirty="0">
+                <a:solidFill>
+                  <a:schemeClr val="accent2">
+                    <a:lumMod val="50000"/>
+                  </a:schemeClr>
+                </a:solidFill>
+                <a:latin typeface="微軟正黑體" panose="020B0604030504040204" pitchFamily="34" charset="-120"/>
+                <a:ea typeface="微軟正黑體" panose="020B0604030504040204" pitchFamily="34" charset="-120"/>
+              </a:rPr>
+              <a:t>意見回饋</a:t>
+            </a:r>
+            <a:r>
+              <a:rPr lang="zh-TW" altLang="en-US" dirty="0">
+                <a:latin typeface="微軟正黑體" panose="020B0604030504040204" pitchFamily="34" charset="-120"/>
+                <a:ea typeface="微軟正黑體" panose="020B0604030504040204" pitchFamily="34" charset="-120"/>
+              </a:rPr>
+              <a:t>」頁面，下拉選單有很酷的特效</a:t>
+            </a:r>
+            <a:r>
+              <a:rPr lang="zh-TW" altLang="en-US" dirty="0" smtClean="0">
+                <a:latin typeface="微軟正黑體" panose="020B0604030504040204" pitchFamily="34" charset="-120"/>
+                <a:ea typeface="微軟正黑體" panose="020B0604030504040204" pitchFamily="34" charset="-120"/>
+              </a:rPr>
+              <a:t>。</a:t>
+            </a:r>
+            <a:endParaRPr lang="en-US" altLang="zh-TW" dirty="0">
+              <a:latin typeface="微軟正黑體" panose="020B0604030504040204" pitchFamily="34" charset="-120"/>
+              <a:ea typeface="微軟正黑體" panose="020B0604030504040204" pitchFamily="34" charset="-120"/>
+            </a:endParaRPr>
+          </a:p>
+          <a:p>
+            <a:pPr marL="514350" indent="-514350">
+              <a:buFont typeface="+mj-lt"/>
+              <a:buAutoNum type="arabicPeriod"/>
+            </a:pPr>
+            <a:r>
+              <a:rPr lang="zh-TW" altLang="en-US" dirty="0" smtClean="0">
+                <a:latin typeface="微軟正黑體" panose="020B0604030504040204" pitchFamily="34" charset="-120"/>
+                <a:ea typeface="微軟正黑體" panose="020B0604030504040204" pitchFamily="34" charset="-120"/>
+              </a:rPr>
+              <a:t>「</a:t>
+            </a:r>
+            <a:r>
+              <a:rPr lang="zh-TW" altLang="en-US" dirty="0" smtClean="0">
+                <a:solidFill>
+                  <a:schemeClr val="accent2">
+                    <a:lumMod val="50000"/>
+                  </a:schemeClr>
+                </a:solidFill>
+                <a:latin typeface="微軟正黑體" panose="020B0604030504040204" pitchFamily="34" charset="-120"/>
+                <a:ea typeface="微軟正黑體" panose="020B0604030504040204" pitchFamily="34" charset="-120"/>
+              </a:rPr>
+              <a:t>意見回饋</a:t>
+            </a:r>
+            <a:r>
+              <a:rPr lang="zh-TW" altLang="en-US" dirty="0" smtClean="0">
+                <a:latin typeface="微軟正黑體" panose="020B0604030504040204" pitchFamily="34" charset="-120"/>
+                <a:ea typeface="微軟正黑體" panose="020B0604030504040204" pitchFamily="34" charset="-120"/>
+              </a:rPr>
+              <a:t>」頁面會將資料送出到</a:t>
+            </a:r>
+            <a:r>
+              <a:rPr lang="en-US" altLang="zh-TW" dirty="0" smtClean="0">
+                <a:latin typeface="微軟正黑體" panose="020B0604030504040204" pitchFamily="34" charset="-120"/>
+                <a:ea typeface="微軟正黑體" panose="020B0604030504040204" pitchFamily="34" charset="-120"/>
+              </a:rPr>
+              <a:t>google</a:t>
+            </a:r>
+            <a:r>
+              <a:rPr lang="zh-TW" altLang="en-US" dirty="0" smtClean="0">
+                <a:latin typeface="微軟正黑體" panose="020B0604030504040204" pitchFamily="34" charset="-120"/>
+                <a:ea typeface="微軟正黑體" panose="020B0604030504040204" pitchFamily="34" charset="-120"/>
+              </a:rPr>
+              <a:t>。</a:t>
+            </a:r>
+            <a:endParaRPr lang="en-US" altLang="zh-TW" dirty="0" smtClean="0">
+              <a:latin typeface="微軟正黑體" panose="020B0604030504040204" pitchFamily="34" charset="-120"/>
+              <a:ea typeface="微軟正黑體" panose="020B0604030504040204" pitchFamily="34" charset="-120"/>
+            </a:endParaRPr>
+          </a:p>
+          <a:p>
+            <a:pPr marL="514350" indent="-514350">
+              <a:buFont typeface="+mj-lt"/>
+              <a:buAutoNum type="arabicPeriod"/>
+            </a:pPr>
+            <a:r>
+              <a:rPr lang="zh-TW" altLang="en-US" dirty="0">
+                <a:latin typeface="微軟正黑體" panose="020B0604030504040204" pitchFamily="34" charset="-120"/>
+                <a:ea typeface="微軟正黑體" panose="020B0604030504040204" pitchFamily="34" charset="-120"/>
+              </a:rPr>
+              <a:t>「</a:t>
+            </a:r>
+            <a:r>
+              <a:rPr lang="zh-TW" altLang="en-US" dirty="0">
+                <a:solidFill>
+                  <a:schemeClr val="accent2">
+                    <a:lumMod val="50000"/>
+                  </a:schemeClr>
+                </a:solidFill>
+                <a:latin typeface="微軟正黑體" panose="020B0604030504040204" pitchFamily="34" charset="-120"/>
+                <a:ea typeface="微軟正黑體" panose="020B0604030504040204" pitchFamily="34" charset="-120"/>
+              </a:rPr>
+              <a:t>訂購</a:t>
+            </a:r>
+            <a:r>
+              <a:rPr lang="zh-TW" altLang="en-US" dirty="0">
+                <a:latin typeface="微軟正黑體" panose="020B0604030504040204" pitchFamily="34" charset="-120"/>
+                <a:ea typeface="微軟正黑體" panose="020B0604030504040204" pitchFamily="34" charset="-120"/>
+              </a:rPr>
+              <a:t>」頁面按下</a:t>
+            </a:r>
+            <a:r>
+              <a:rPr lang="en-US" altLang="zh-TW" dirty="0">
+                <a:latin typeface="微軟正黑體" panose="020B0604030504040204" pitchFamily="34" charset="-120"/>
+                <a:ea typeface="微軟正黑體" panose="020B0604030504040204" pitchFamily="34" charset="-120"/>
+              </a:rPr>
+              <a:t>+</a:t>
+            </a:r>
+            <a:r>
+              <a:rPr lang="zh-TW" altLang="en-US" dirty="0">
+                <a:latin typeface="微軟正黑體" panose="020B0604030504040204" pitchFamily="34" charset="-120"/>
+                <a:ea typeface="微軟正黑體" panose="020B0604030504040204" pitchFamily="34" charset="-120"/>
+              </a:rPr>
+              <a:t>號可新增下拉選單。</a:t>
+            </a:r>
+            <a:endParaRPr lang="en-US" altLang="zh-TW" dirty="0">
+              <a:latin typeface="微軟正黑體" panose="020B0604030504040204" pitchFamily="34" charset="-120"/>
+              <a:ea typeface="微軟正黑體" panose="020B0604030504040204" pitchFamily="34" charset="-120"/>
+            </a:endParaRPr>
+          </a:p>
+          <a:p>
+            <a:pPr marL="514350" indent="-514350">
+              <a:buFont typeface="+mj-lt"/>
+              <a:buAutoNum type="arabicPeriod"/>
+            </a:pPr>
+            <a:r>
+              <a:rPr lang="zh-TW" altLang="en-US" dirty="0" smtClean="0">
+                <a:latin typeface="微軟正黑體" panose="020B0604030504040204" pitchFamily="34" charset="-120"/>
+                <a:ea typeface="微軟正黑體" panose="020B0604030504040204" pitchFamily="34" charset="-120"/>
+              </a:rPr>
+              <a:t>「</a:t>
+            </a:r>
+            <a:r>
+              <a:rPr lang="zh-TW" altLang="en-US" dirty="0">
+                <a:solidFill>
+                  <a:schemeClr val="accent2">
+                    <a:lumMod val="50000"/>
+                  </a:schemeClr>
+                </a:solidFill>
+                <a:latin typeface="微軟正黑體" panose="020B0604030504040204" pitchFamily="34" charset="-120"/>
+                <a:ea typeface="微軟正黑體" panose="020B0604030504040204" pitchFamily="34" charset="-120"/>
+              </a:rPr>
               <a:t>主</a:t>
             </a:r>
             <a:r>
-              <a:rPr lang="zh-TW" altLang="en-US" smtClean="0"/>
+              <a:rPr lang="zh-TW" altLang="en-US" dirty="0" smtClean="0">
+                <a:solidFill>
+                  <a:schemeClr val="accent2">
+                    <a:lumMod val="50000"/>
+                  </a:schemeClr>
+                </a:solidFill>
+                <a:latin typeface="微軟正黑體" panose="020B0604030504040204" pitchFamily="34" charset="-120"/>
+                <a:ea typeface="微軟正黑體" panose="020B0604030504040204" pitchFamily="34" charset="-120"/>
+              </a:rPr>
               <a:t>頁</a:t>
             </a:r>
-            <a:endParaRPr lang="zh-TW" altLang="en-US" dirty="0"/>
+            <a:r>
+              <a:rPr lang="zh-TW" altLang="en-US" dirty="0" smtClean="0">
+                <a:latin typeface="微軟正黑體" panose="020B0604030504040204" pitchFamily="34" charset="-120"/>
+                <a:ea typeface="微軟正黑體" panose="020B0604030504040204" pitchFamily="34" charset="-120"/>
+              </a:rPr>
+              <a:t>」頁面會將</a:t>
+            </a:r>
+            <a:r>
+              <a:rPr lang="en-US" altLang="zh-TW" dirty="0" smtClean="0">
+                <a:latin typeface="微軟正黑體" panose="020B0604030504040204" pitchFamily="34" charset="-120"/>
+                <a:ea typeface="微軟正黑體" panose="020B0604030504040204" pitchFamily="34" charset="-120"/>
+              </a:rPr>
+              <a:t>google</a:t>
+            </a:r>
+            <a:r>
+              <a:rPr lang="zh-TW" altLang="en-US" dirty="0" smtClean="0">
+                <a:latin typeface="微軟正黑體" panose="020B0604030504040204" pitchFamily="34" charset="-120"/>
+                <a:ea typeface="微軟正黑體" panose="020B0604030504040204" pitchFamily="34" charset="-120"/>
+              </a:rPr>
+              <a:t>中的資料抓下來，顯示</a:t>
+            </a:r>
+            <a:r>
+              <a:rPr lang="zh-TW" altLang="en-US" dirty="0" smtClean="0">
+                <a:latin typeface="微軟正黑體" panose="020B0604030504040204" pitchFamily="34" charset="-120"/>
+                <a:ea typeface="微軟正黑體" panose="020B0604030504040204" pitchFamily="34" charset="-120"/>
+              </a:rPr>
+              <a:t>在主頁</a:t>
+            </a:r>
+            <a:r>
+              <a:rPr lang="zh-TW" altLang="en-US" dirty="0" smtClean="0">
+                <a:latin typeface="微軟正黑體" panose="020B0604030504040204" pitchFamily="34" charset="-120"/>
+                <a:ea typeface="微軟正黑體" panose="020B0604030504040204" pitchFamily="34" charset="-120"/>
+              </a:rPr>
+              <a:t>下方的評價區。</a:t>
+            </a:r>
+            <a:endParaRPr lang="en-US" altLang="zh-TW" dirty="0" smtClean="0">
+              <a:latin typeface="微軟正黑體" panose="020B0604030504040204" pitchFamily="34" charset="-120"/>
+              <a:ea typeface="微軟正黑體" panose="020B0604030504040204" pitchFamily="34" charset="-120"/>
+            </a:endParaRPr>
+          </a:p>
+          <a:p>
+            <a:pPr marL="514350" indent="-514350">
+              <a:buFont typeface="+mj-lt"/>
+              <a:buAutoNum type="arabicPeriod"/>
+            </a:pPr>
+            <a:r>
+              <a:rPr lang="zh-TW" altLang="en-US" dirty="0" smtClean="0">
+                <a:latin typeface="微軟正黑體" panose="020B0604030504040204" pitchFamily="34" charset="-120"/>
+                <a:ea typeface="微軟正黑體" panose="020B0604030504040204" pitchFamily="34" charset="-120"/>
+              </a:rPr>
+              <a:t>「</a:t>
+            </a:r>
+            <a:r>
+              <a:rPr lang="zh-TW" altLang="en-US" dirty="0">
+                <a:solidFill>
+                  <a:schemeClr val="accent2">
+                    <a:lumMod val="50000"/>
+                  </a:schemeClr>
+                </a:solidFill>
+                <a:latin typeface="微軟正黑體" panose="020B0604030504040204" pitchFamily="34" charset="-120"/>
+                <a:ea typeface="微軟正黑體" panose="020B0604030504040204" pitchFamily="34" charset="-120"/>
+              </a:rPr>
+              <a:t>主</a:t>
+            </a:r>
+            <a:r>
+              <a:rPr lang="zh-TW" altLang="en-US" dirty="0" smtClean="0">
+                <a:solidFill>
+                  <a:schemeClr val="accent2">
+                    <a:lumMod val="50000"/>
+                  </a:schemeClr>
+                </a:solidFill>
+                <a:latin typeface="微軟正黑體" panose="020B0604030504040204" pitchFamily="34" charset="-120"/>
+                <a:ea typeface="微軟正黑體" panose="020B0604030504040204" pitchFamily="34" charset="-120"/>
+              </a:rPr>
+              <a:t>頁</a:t>
+            </a:r>
+            <a:r>
+              <a:rPr lang="zh-TW" altLang="en-US" dirty="0" smtClean="0">
+                <a:latin typeface="微軟正黑體" panose="020B0604030504040204" pitchFamily="34" charset="-120"/>
+                <a:ea typeface="微軟正黑體" panose="020B0604030504040204" pitchFamily="34" charset="-120"/>
+              </a:rPr>
+              <a:t>」下方的評價區會根據評價數增加表格欄位。</a:t>
+            </a:r>
+            <a:endParaRPr lang="en-US" altLang="zh-TW" dirty="0" smtClean="0">
+              <a:latin typeface="微軟正黑體" panose="020B0604030504040204" pitchFamily="34" charset="-120"/>
+              <a:ea typeface="微軟正黑體" panose="020B0604030504040204" pitchFamily="34" charset="-120"/>
+            </a:endParaRPr>
           </a:p>
         </p:txBody>
       </p:sp>
     </p:spTree>
     <p:extLst>
       <p:ext uri="{BB962C8B-B14F-4D97-AF65-F5344CB8AC3E}">
-        <p14:creationId xmlns:p14="http://schemas.microsoft.com/office/powerpoint/2010/main" val="737689713"/>
+        <p14:creationId xmlns:p14="http://schemas.microsoft.com/office/powerpoint/2010/main" val="2551211300"/>
       </p:ext>
     </p:extLst>
   </p:cSld>
@@ -3877,14 +4289,193 @@
           <a:lstStyle/>
           <a:p>
             <a:r>
-              <a:rPr lang="en-US" altLang="zh-TW" dirty="0" err="1" smtClean="0"/>
+              <a:rPr lang="zh-TW" altLang="en-US" dirty="0" smtClean="0">
+                <a:latin typeface="微軟正黑體" panose="020B0604030504040204" pitchFamily="34" charset="-120"/>
+                <a:ea typeface="微軟正黑體" panose="020B0604030504040204" pitchFamily="34" charset="-120"/>
+              </a:rPr>
+              <a:t>分工</a:t>
+            </a:r>
+            <a:endParaRPr lang="zh-TW" altLang="en-US" dirty="0">
+              <a:latin typeface="微軟正黑體" panose="020B0604030504040204" pitchFamily="34" charset="-120"/>
+              <a:ea typeface="微軟正黑體" panose="020B0604030504040204" pitchFamily="34" charset="-120"/>
+            </a:endParaRPr>
+          </a:p>
+        </p:txBody>
+      </p:sp>
+      <p:sp>
+        <p:nvSpPr>
+          <p:cNvPr id="3" name="內容版面配置區 2"/>
+          <p:cNvSpPr>
+            <a:spLocks noGrp="1"/>
+          </p:cNvSpPr>
+          <p:nvPr>
+            <p:ph idx="1"/>
+          </p:nvPr>
+        </p:nvSpPr>
+        <p:spPr/>
+        <p:txBody>
+          <a:bodyPr/>
+          <a:lstStyle/>
+          <a:p>
+            <a:r>
+              <a:rPr lang="zh-TW" altLang="en-US" dirty="0" smtClean="0">
+                <a:latin typeface="微軟正黑體" panose="020B0604030504040204" pitchFamily="34" charset="-120"/>
+                <a:ea typeface="微軟正黑體" panose="020B0604030504040204" pitchFamily="34" charset="-120"/>
+              </a:rPr>
+              <a:t>賴威錩</a:t>
+            </a:r>
+            <a:r>
+              <a:rPr lang="en-US" altLang="zh-TW" dirty="0" smtClean="0">
+                <a:latin typeface="微軟正黑體" panose="020B0604030504040204" pitchFamily="34" charset="-120"/>
+                <a:ea typeface="微軟正黑體" panose="020B0604030504040204" pitchFamily="34" charset="-120"/>
+              </a:rPr>
+              <a:t>:</a:t>
+            </a:r>
+            <a:r>
+              <a:rPr lang="zh-TW" altLang="en-US" dirty="0" smtClean="0">
+                <a:latin typeface="微軟正黑體" panose="020B0604030504040204" pitchFamily="34" charset="-120"/>
+                <a:ea typeface="微軟正黑體" panose="020B0604030504040204" pitchFamily="34" charset="-120"/>
+              </a:rPr>
+              <a:t>菜單、雲端</a:t>
+            </a:r>
+            <a:r>
+              <a:rPr lang="zh-TW" altLang="en-US" smtClean="0">
+                <a:latin typeface="微軟正黑體" panose="020B0604030504040204" pitchFamily="34" charset="-120"/>
+                <a:ea typeface="微軟正黑體" panose="020B0604030504040204" pitchFamily="34" charset="-120"/>
+              </a:rPr>
+              <a:t>資料管理、神</a:t>
+            </a:r>
+            <a:endParaRPr lang="en-US" altLang="zh-TW" dirty="0" smtClean="0">
+              <a:latin typeface="微軟正黑體" panose="020B0604030504040204" pitchFamily="34" charset="-120"/>
+              <a:ea typeface="微軟正黑體" panose="020B0604030504040204" pitchFamily="34" charset="-120"/>
+            </a:endParaRPr>
+          </a:p>
+          <a:p>
+            <a:r>
+              <a:rPr lang="zh-TW" altLang="en-US" dirty="0" smtClean="0">
+                <a:latin typeface="微軟正黑體" panose="020B0604030504040204" pitchFamily="34" charset="-120"/>
+                <a:ea typeface="微軟正黑體" panose="020B0604030504040204" pitchFamily="34" charset="-120"/>
+              </a:rPr>
+              <a:t>戴碩廷</a:t>
+            </a:r>
+            <a:r>
+              <a:rPr lang="en-US" altLang="zh-TW" dirty="0" smtClean="0">
+                <a:latin typeface="微軟正黑體" panose="020B0604030504040204" pitchFamily="34" charset="-120"/>
+                <a:ea typeface="微軟正黑體" panose="020B0604030504040204" pitchFamily="34" charset="-120"/>
+              </a:rPr>
+              <a:t>:</a:t>
+            </a:r>
+            <a:r>
+              <a:rPr lang="zh-TW" altLang="en-US" dirty="0" smtClean="0">
+                <a:latin typeface="微軟正黑體" panose="020B0604030504040204" pitchFamily="34" charset="-120"/>
+                <a:ea typeface="微軟正黑體" panose="020B0604030504040204" pitchFamily="34" charset="-120"/>
+              </a:rPr>
+              <a:t>訂購、意見回饋、修圖</a:t>
+            </a:r>
+            <a:endParaRPr lang="en-US" altLang="zh-TW" dirty="0" smtClean="0">
+              <a:latin typeface="微軟正黑體" panose="020B0604030504040204" pitchFamily="34" charset="-120"/>
+              <a:ea typeface="微軟正黑體" panose="020B0604030504040204" pitchFamily="34" charset="-120"/>
+            </a:endParaRPr>
+          </a:p>
+          <a:p>
+            <a:r>
+              <a:rPr lang="zh-TW" altLang="en-US" dirty="0" smtClean="0">
+                <a:latin typeface="微軟正黑體" panose="020B0604030504040204" pitchFamily="34" charset="-120"/>
+                <a:ea typeface="微軟正黑體" panose="020B0604030504040204" pitchFamily="34" charset="-120"/>
+              </a:rPr>
+              <a:t>郭家佑</a:t>
+            </a:r>
+            <a:r>
+              <a:rPr lang="en-US" altLang="zh-TW" dirty="0" smtClean="0">
+                <a:latin typeface="微軟正黑體" panose="020B0604030504040204" pitchFamily="34" charset="-120"/>
+                <a:ea typeface="微軟正黑體" panose="020B0604030504040204" pitchFamily="34" charset="-120"/>
+              </a:rPr>
+              <a:t>:</a:t>
+            </a:r>
+            <a:r>
+              <a:rPr lang="zh-TW" altLang="en-US" dirty="0" smtClean="0">
+                <a:latin typeface="微軟正黑體" panose="020B0604030504040204" pitchFamily="34" charset="-120"/>
+                <a:ea typeface="微軟正黑體" panose="020B0604030504040204" pitchFamily="34" charset="-120"/>
+              </a:rPr>
+              <a:t>主頁</a:t>
+            </a:r>
+            <a:endParaRPr lang="zh-TW" altLang="en-US" dirty="0">
+              <a:latin typeface="微軟正黑體" panose="020B0604030504040204" pitchFamily="34" charset="-120"/>
+              <a:ea typeface="微軟正黑體" panose="020B0604030504040204" pitchFamily="34" charset="-120"/>
+            </a:endParaRPr>
+          </a:p>
+        </p:txBody>
+      </p:sp>
+    </p:spTree>
+    <p:extLst>
+      <p:ext uri="{BB962C8B-B14F-4D97-AF65-F5344CB8AC3E}">
+        <p14:creationId xmlns:p14="http://schemas.microsoft.com/office/powerpoint/2010/main" val="737689713"/>
+      </p:ext>
+    </p:extLst>
+  </p:cSld>
+  <p:clrMapOvr>
+    <a:masterClrMapping/>
+  </p:clrMapOvr>
+  <p:timing>
+    <p:tnLst>
+      <p:par>
+        <p:cTn id="1" dur="indefinite" restart="never" nodeType="tmRoot"/>
+      </p:par>
+    </p:tnLst>
+  </p:timing>
+</p:sld>
+</file>
+
+<file path=ppt/slides/slide8.xml><?xml version="1.0" encoding="utf-8"?>
+<p:sld xmlns:a="http://schemas.openxmlformats.org/drawingml/2006/main" xmlns:r="http://schemas.openxmlformats.org/officeDocument/2006/relationships" xmlns:p="http://schemas.openxmlformats.org/presentationml/2006/main">
+  <p:cSld>
+    <p:spTree>
+      <p:nvGrpSpPr>
+        <p:cNvPr id="1" name=""/>
+        <p:cNvGrpSpPr/>
+        <p:nvPr/>
+      </p:nvGrpSpPr>
+      <p:grpSpPr>
+        <a:xfrm>
+          <a:off x="0" y="0"/>
+          <a:ext cx="0" cy="0"/>
+          <a:chOff x="0" y="0"/>
+          <a:chExt cx="0" cy="0"/>
+        </a:xfrm>
+      </p:grpSpPr>
+      <p:sp>
+        <p:nvSpPr>
+          <p:cNvPr id="2" name="標題 1"/>
+          <p:cNvSpPr>
+            <a:spLocks noGrp="1"/>
+          </p:cNvSpPr>
+          <p:nvPr>
+            <p:ph type="title"/>
+          </p:nvPr>
+        </p:nvSpPr>
+        <p:spPr/>
+        <p:txBody>
+          <a:bodyPr/>
+          <a:lstStyle/>
+          <a:p>
+            <a:r>
+              <a:rPr lang="en-US" altLang="zh-TW" dirty="0" err="1" smtClean="0">
+                <a:latin typeface="微軟正黑體" panose="020B0604030504040204" pitchFamily="34" charset="-120"/>
+                <a:ea typeface="微軟正黑體" panose="020B0604030504040204" pitchFamily="34" charset="-120"/>
+              </a:rPr>
               <a:t>Git</a:t>
             </a:r>
             <a:r>
-              <a:rPr lang="en-US" altLang="zh-TW" dirty="0" smtClean="0"/>
+              <a:rPr lang="en-US" altLang="zh-TW" dirty="0" smtClean="0">
+                <a:latin typeface="微軟正黑體" panose="020B0604030504040204" pitchFamily="34" charset="-120"/>
+                <a:ea typeface="微軟正黑體" panose="020B0604030504040204" pitchFamily="34" charset="-120"/>
+              </a:rPr>
               <a:t> flow</a:t>
             </a:r>
-            <a:endParaRPr lang="zh-TW" altLang="en-US" dirty="0"/>
+            <a:endParaRPr lang="zh-TW" altLang="en-US" dirty="0">
+              <a:latin typeface="微軟正黑體" panose="020B0604030504040204" pitchFamily="34" charset="-120"/>
+              <a:ea typeface="微軟正黑體" panose="020B0604030504040204" pitchFamily="34" charset="-120"/>
+            </a:endParaRPr>
           </a:p>
         </p:txBody>
       </p:sp>

--- a/ppt.pptx
+++ b/ppt.pptx
@@ -8,11 +8,13 @@
     <p:sldId id="256" r:id="rId2"/>
     <p:sldId id="260" r:id="rId3"/>
     <p:sldId id="262" r:id="rId4"/>
-    <p:sldId id="263" r:id="rId5"/>
-    <p:sldId id="265" r:id="rId6"/>
-    <p:sldId id="258" r:id="rId7"/>
-    <p:sldId id="257" r:id="rId8"/>
-    <p:sldId id="264" r:id="rId9"/>
+    <p:sldId id="267" r:id="rId5"/>
+    <p:sldId id="266" r:id="rId6"/>
+    <p:sldId id="263" r:id="rId7"/>
+    <p:sldId id="265" r:id="rId8"/>
+    <p:sldId id="258" r:id="rId9"/>
+    <p:sldId id="257" r:id="rId10"/>
+    <p:sldId id="264" r:id="rId11"/>
   </p:sldIdLst>
   <p:sldSz cx="12192000" cy="6858000"/>
   <p:notesSz cx="6858000" cy="9144000"/>
@@ -3116,6 +3118,122 @@
 </p:sld>
 </file>
 
+<file path=ppt/slides/slide10.xml><?xml version="1.0" encoding="utf-8"?>
+<p:sld xmlns:a="http://schemas.openxmlformats.org/drawingml/2006/main" xmlns:r="http://schemas.openxmlformats.org/officeDocument/2006/relationships" xmlns:p="http://schemas.openxmlformats.org/presentationml/2006/main">
+  <p:cSld>
+    <p:spTree>
+      <p:nvGrpSpPr>
+        <p:cNvPr id="1" name=""/>
+        <p:cNvGrpSpPr/>
+        <p:nvPr/>
+      </p:nvGrpSpPr>
+      <p:grpSpPr>
+        <a:xfrm>
+          <a:off x="0" y="0"/>
+          <a:ext cx="0" cy="0"/>
+          <a:chOff x="0" y="0"/>
+          <a:chExt cx="0" cy="0"/>
+        </a:xfrm>
+      </p:grpSpPr>
+      <p:sp>
+        <p:nvSpPr>
+          <p:cNvPr id="2" name="標題 1"/>
+          <p:cNvSpPr>
+            <a:spLocks noGrp="1"/>
+          </p:cNvSpPr>
+          <p:nvPr>
+            <p:ph type="title"/>
+          </p:nvPr>
+        </p:nvSpPr>
+        <p:spPr/>
+        <p:txBody>
+          <a:bodyPr/>
+          <a:lstStyle/>
+          <a:p>
+            <a:r>
+              <a:rPr lang="en-US" altLang="zh-TW" dirty="0" err="1" smtClean="0">
+                <a:latin typeface="微軟正黑體" panose="020B0604030504040204" pitchFamily="34" charset="-120"/>
+                <a:ea typeface="微軟正黑體" panose="020B0604030504040204" pitchFamily="34" charset="-120"/>
+              </a:rPr>
+              <a:t>Git</a:t>
+            </a:r>
+            <a:r>
+              <a:rPr lang="en-US" altLang="zh-TW" dirty="0" smtClean="0">
+                <a:latin typeface="微軟正黑體" panose="020B0604030504040204" pitchFamily="34" charset="-120"/>
+                <a:ea typeface="微軟正黑體" panose="020B0604030504040204" pitchFamily="34" charset="-120"/>
+              </a:rPr>
+              <a:t> flow</a:t>
+            </a:r>
+            <a:endParaRPr lang="zh-TW" altLang="en-US" dirty="0">
+              <a:latin typeface="微軟正黑體" panose="020B0604030504040204" pitchFamily="34" charset="-120"/>
+              <a:ea typeface="微軟正黑體" panose="020B0604030504040204" pitchFamily="34" charset="-120"/>
+            </a:endParaRPr>
+          </a:p>
+        </p:txBody>
+      </p:sp>
+      <p:sp>
+        <p:nvSpPr>
+          <p:cNvPr id="3" name="內容版面配置區 2"/>
+          <p:cNvSpPr>
+            <a:spLocks noGrp="1"/>
+          </p:cNvSpPr>
+          <p:nvPr>
+            <p:ph idx="1"/>
+          </p:nvPr>
+        </p:nvSpPr>
+        <p:spPr/>
+        <p:txBody>
+          <a:bodyPr/>
+          <a:lstStyle/>
+          <a:p>
+            <a:endParaRPr lang="zh-TW" altLang="en-US" dirty="0"/>
+          </a:p>
+        </p:txBody>
+      </p:sp>
+      <p:pic>
+        <p:nvPicPr>
+          <p:cNvPr id="5" name="圖片 4"/>
+          <p:cNvPicPr>
+            <a:picLocks noChangeAspect="1"/>
+          </p:cNvPicPr>
+          <p:nvPr/>
+        </p:nvPicPr>
+        <p:blipFill>
+          <a:blip r:embed="rId2"/>
+          <a:stretch>
+            <a:fillRect/>
+          </a:stretch>
+        </p:blipFill>
+        <p:spPr>
+          <a:xfrm>
+            <a:off x="5062888" y="-85337"/>
+            <a:ext cx="3171474" cy="6943338"/>
+          </a:xfrm>
+          <a:prstGeom prst="rect">
+            <a:avLst/>
+          </a:prstGeom>
+        </p:spPr>
+      </p:pic>
+    </p:spTree>
+    <p:extLst>
+      <p:ext uri="{BB962C8B-B14F-4D97-AF65-F5344CB8AC3E}">
+        <p14:creationId xmlns:p14="http://schemas.microsoft.com/office/powerpoint/2010/main" val="2785799782"/>
+      </p:ext>
+    </p:extLst>
+  </p:cSld>
+  <p:clrMapOvr>
+    <a:masterClrMapping/>
+  </p:clrMapOvr>
+  <p:timing>
+    <p:tnLst>
+      <p:par>
+        <p:cTn id="1" dur="indefinite" restart="never" nodeType="tmRoot"/>
+      </p:par>
+    </p:tnLst>
+  </p:timing>
+</p:sld>
+</file>
+
 <file path=ppt/slides/slide2.xml><?xml version="1.0" encoding="utf-8"?>
 <p:sld xmlns:a="http://schemas.openxmlformats.org/drawingml/2006/main" xmlns:r="http://schemas.openxmlformats.org/officeDocument/2006/relationships" xmlns:p="http://schemas.openxmlformats.org/presentationml/2006/main">
   <p:cSld>
@@ -3597,6 +3715,226 @@
           <a:lstStyle/>
           <a:p>
             <a:r>
+              <a:rPr lang="zh-TW" altLang="en-US" dirty="0" smtClean="0"/>
+              <a:t>設計</a:t>
+            </a:r>
+            <a:endParaRPr lang="zh-TW" altLang="en-US" dirty="0"/>
+          </a:p>
+        </p:txBody>
+      </p:sp>
+      <p:sp>
+        <p:nvSpPr>
+          <p:cNvPr id="3" name="內容版面配置區 2"/>
+          <p:cNvSpPr>
+            <a:spLocks noGrp="1"/>
+          </p:cNvSpPr>
+          <p:nvPr>
+            <p:ph idx="1"/>
+          </p:nvPr>
+        </p:nvSpPr>
+        <p:spPr/>
+        <p:txBody>
+          <a:bodyPr/>
+          <a:lstStyle/>
+          <a:p>
+            <a:r>
+              <a:rPr lang="en-US" altLang="zh-TW" dirty="0"/>
+              <a:t>W</a:t>
+            </a:r>
+            <a:r>
+              <a:rPr lang="en-US" altLang="zh-TW" dirty="0" smtClean="0"/>
+              <a:t>ireframe</a:t>
+            </a:r>
+            <a:endParaRPr lang="zh-TW" altLang="en-US" dirty="0"/>
+          </a:p>
+        </p:txBody>
+      </p:sp>
+      <p:pic>
+        <p:nvPicPr>
+          <p:cNvPr id="5" name="圖片 4"/>
+          <p:cNvPicPr>
+            <a:picLocks noChangeAspect="1"/>
+          </p:cNvPicPr>
+          <p:nvPr/>
+        </p:nvPicPr>
+        <p:blipFill>
+          <a:blip r:embed="rId2" cstate="print">
+            <a:extLst>
+              <a:ext uri="{28A0092B-C50C-407E-A947-70E740481C1C}">
+                <a14:useLocalDpi xmlns:a14="http://schemas.microsoft.com/office/drawing/2010/main" val="0"/>
+              </a:ext>
+            </a:extLst>
+          </a:blip>
+          <a:stretch>
+            <a:fillRect/>
+          </a:stretch>
+        </p:blipFill>
+        <p:spPr>
+          <a:xfrm>
+            <a:off x="6580380" y="0"/>
+            <a:ext cx="5611620" cy="6858000"/>
+          </a:xfrm>
+          <a:prstGeom prst="rect">
+            <a:avLst/>
+          </a:prstGeom>
+        </p:spPr>
+      </p:pic>
+    </p:spTree>
+    <p:extLst>
+      <p:ext uri="{BB962C8B-B14F-4D97-AF65-F5344CB8AC3E}">
+        <p14:creationId xmlns:p14="http://schemas.microsoft.com/office/powerpoint/2010/main" val="1723688103"/>
+      </p:ext>
+    </p:extLst>
+  </p:cSld>
+  <p:clrMapOvr>
+    <a:masterClrMapping/>
+  </p:clrMapOvr>
+</p:sld>
+</file>
+
+<file path=ppt/slides/slide5.xml><?xml version="1.0" encoding="utf-8"?>
+<p:sld xmlns:a="http://schemas.openxmlformats.org/drawingml/2006/main" xmlns:r="http://schemas.openxmlformats.org/officeDocument/2006/relationships" xmlns:p="http://schemas.openxmlformats.org/presentationml/2006/main">
+  <p:cSld>
+    <p:spTree>
+      <p:nvGrpSpPr>
+        <p:cNvPr id="1" name=""/>
+        <p:cNvGrpSpPr/>
+        <p:nvPr/>
+      </p:nvGrpSpPr>
+      <p:grpSpPr>
+        <a:xfrm>
+          <a:off x="0" y="0"/>
+          <a:ext cx="0" cy="0"/>
+          <a:chOff x="0" y="0"/>
+          <a:chExt cx="0" cy="0"/>
+        </a:xfrm>
+      </p:grpSpPr>
+      <p:sp>
+        <p:nvSpPr>
+          <p:cNvPr id="2" name="標題 1"/>
+          <p:cNvSpPr>
+            <a:spLocks noGrp="1"/>
+          </p:cNvSpPr>
+          <p:nvPr>
+            <p:ph type="title"/>
+          </p:nvPr>
+        </p:nvSpPr>
+        <p:spPr/>
+        <p:txBody>
+          <a:bodyPr/>
+          <a:lstStyle/>
+          <a:p>
+            <a:r>
+              <a:rPr lang="zh-TW" altLang="en-US" dirty="0" smtClean="0"/>
+              <a:t>設計</a:t>
+            </a:r>
+            <a:endParaRPr lang="zh-TW" altLang="en-US" dirty="0"/>
+          </a:p>
+        </p:txBody>
+      </p:sp>
+      <p:sp>
+        <p:nvSpPr>
+          <p:cNvPr id="3" name="內容版面配置區 2"/>
+          <p:cNvSpPr>
+            <a:spLocks noGrp="1"/>
+          </p:cNvSpPr>
+          <p:nvPr>
+            <p:ph idx="1"/>
+          </p:nvPr>
+        </p:nvSpPr>
+        <p:spPr/>
+        <p:txBody>
+          <a:bodyPr/>
+          <a:lstStyle/>
+          <a:p>
+            <a:r>
+              <a:rPr lang="en-US" altLang="zh-TW" dirty="0" smtClean="0"/>
+              <a:t>Wireframe</a:t>
+            </a:r>
+            <a:r>
+              <a:rPr lang="zh-TW" altLang="en-US" dirty="0" smtClean="0"/>
+              <a:t>灰階</a:t>
+            </a:r>
+            <a:endParaRPr lang="zh-TW" altLang="en-US" dirty="0"/>
+          </a:p>
+        </p:txBody>
+      </p:sp>
+      <p:pic>
+        <p:nvPicPr>
+          <p:cNvPr id="5" name="圖片 4"/>
+          <p:cNvPicPr>
+            <a:picLocks noChangeAspect="1"/>
+          </p:cNvPicPr>
+          <p:nvPr/>
+        </p:nvPicPr>
+        <p:blipFill>
+          <a:blip r:embed="rId2" cstate="print">
+            <a:extLst>
+              <a:ext uri="{28A0092B-C50C-407E-A947-70E740481C1C}">
+                <a14:useLocalDpi xmlns:a14="http://schemas.microsoft.com/office/drawing/2010/main" val="0"/>
+              </a:ext>
+            </a:extLst>
+          </a:blip>
+          <a:stretch>
+            <a:fillRect/>
+          </a:stretch>
+        </p:blipFill>
+        <p:spPr>
+          <a:xfrm>
+            <a:off x="6570832" y="0"/>
+            <a:ext cx="5621168" cy="6858000"/>
+          </a:xfrm>
+          <a:prstGeom prst="rect">
+            <a:avLst/>
+          </a:prstGeom>
+        </p:spPr>
+      </p:pic>
+    </p:spTree>
+    <p:extLst>
+      <p:ext uri="{BB962C8B-B14F-4D97-AF65-F5344CB8AC3E}">
+        <p14:creationId xmlns:p14="http://schemas.microsoft.com/office/powerpoint/2010/main" val="1497172079"/>
+      </p:ext>
+    </p:extLst>
+  </p:cSld>
+  <p:clrMapOvr>
+    <a:masterClrMapping/>
+  </p:clrMapOvr>
+</p:sld>
+</file>
+
+<file path=ppt/slides/slide6.xml><?xml version="1.0" encoding="utf-8"?>
+<p:sld xmlns:a="http://schemas.openxmlformats.org/drawingml/2006/main" xmlns:r="http://schemas.openxmlformats.org/officeDocument/2006/relationships" xmlns:p="http://schemas.openxmlformats.org/presentationml/2006/main">
+  <p:cSld>
+    <p:spTree>
+      <p:nvGrpSpPr>
+        <p:cNvPr id="1" name=""/>
+        <p:cNvGrpSpPr/>
+        <p:nvPr/>
+      </p:nvGrpSpPr>
+      <p:grpSpPr>
+        <a:xfrm>
+          <a:off x="0" y="0"/>
+          <a:ext cx="0" cy="0"/>
+          <a:chOff x="0" y="0"/>
+          <a:chExt cx="0" cy="0"/>
+        </a:xfrm>
+      </p:grpSpPr>
+      <p:sp>
+        <p:nvSpPr>
+          <p:cNvPr id="2" name="標題 1"/>
+          <p:cNvSpPr>
+            <a:spLocks noGrp="1"/>
+          </p:cNvSpPr>
+          <p:nvPr>
+            <p:ph type="title"/>
+          </p:nvPr>
+        </p:nvSpPr>
+        <p:spPr/>
+        <p:txBody>
+          <a:bodyPr/>
+          <a:lstStyle/>
+          <a:p>
+            <a:r>
               <a:rPr lang="zh-TW" altLang="en-US" dirty="0" smtClean="0">
                 <a:latin typeface="微軟正黑體" panose="020B0604030504040204" pitchFamily="34" charset="-120"/>
                 <a:ea typeface="微軟正黑體" panose="020B0604030504040204" pitchFamily="34" charset="-120"/>
@@ -3653,7 +3991,7 @@
       </p:sp>
       <p:pic>
         <p:nvPicPr>
-          <p:cNvPr id="4" name="圖片 3"/>
+          <p:cNvPr id="5" name="圖片 4"/>
           <p:cNvPicPr>
             <a:picLocks noChangeAspect="1"/>
           </p:cNvPicPr>
@@ -3701,7 +4039,7 @@
 </p:sld>
 </file>
 
-<file path=ppt/slides/slide5.xml><?xml version="1.0" encoding="utf-8"?>
+<file path=ppt/slides/slide7.xml><?xml version="1.0" encoding="utf-8"?>
 <p:sld xmlns:a="http://schemas.openxmlformats.org/drawingml/2006/main" xmlns:r="http://schemas.openxmlformats.org/officeDocument/2006/relationships" xmlns:p="http://schemas.openxmlformats.org/presentationml/2006/main">
   <p:cSld>
     <p:spTree>
@@ -3843,7 +4181,7 @@
 </p:sld>
 </file>
 
-<file path=ppt/slides/slide6.xml><?xml version="1.0" encoding="utf-8"?>
+<file path=ppt/slides/slide8.xml><?xml version="1.0" encoding="utf-8"?>
 <p:sld xmlns:a="http://schemas.openxmlformats.org/drawingml/2006/main" xmlns:r="http://schemas.openxmlformats.org/officeDocument/2006/relationships" xmlns:p="http://schemas.openxmlformats.org/presentationml/2006/main">
   <p:cSld>
     <p:spTree>
@@ -3934,14 +4272,7 @@
                 <a:latin typeface="微軟正黑體" panose="020B0604030504040204" pitchFamily="34" charset="-120"/>
                 <a:ea typeface="微軟正黑體" panose="020B0604030504040204" pitchFamily="34" charset="-120"/>
               </a:rPr>
-              <a:t>」頁面，滑鼠滑過圖片會旋轉</a:t>
-            </a:r>
-            <a:r>
-              <a:rPr lang="zh-TW" altLang="en-US" dirty="0" smtClean="0">
-                <a:latin typeface="微軟正黑體" panose="020B0604030504040204" pitchFamily="34" charset="-120"/>
-                <a:ea typeface="微軟正黑體" panose="020B0604030504040204" pitchFamily="34" charset="-120"/>
-              </a:rPr>
-              <a:t>。</a:t>
+              <a:t>」頁面，滑鼠滑過圖片會旋轉。</a:t>
             </a:r>
             <a:endParaRPr lang="en-US" altLang="zh-TW" dirty="0" smtClean="0">
               <a:latin typeface="微軟正黑體" panose="020B0604030504040204" pitchFamily="34" charset="-120"/>
@@ -4165,21 +4496,7 @@
                 <a:latin typeface="微軟正黑體" panose="020B0604030504040204" pitchFamily="34" charset="-120"/>
                 <a:ea typeface="微軟正黑體" panose="020B0604030504040204" pitchFamily="34" charset="-120"/>
               </a:rPr>
-              <a:t>中的資料抓下來，顯示</a:t>
-            </a:r>
-            <a:r>
-              <a:rPr lang="zh-TW" altLang="en-US" dirty="0" smtClean="0">
-                <a:latin typeface="微軟正黑體" panose="020B0604030504040204" pitchFamily="34" charset="-120"/>
-                <a:ea typeface="微軟正黑體" panose="020B0604030504040204" pitchFamily="34" charset="-120"/>
-              </a:rPr>
-              <a:t>在主頁</a:t>
-            </a:r>
-            <a:r>
-              <a:rPr lang="zh-TW" altLang="en-US" dirty="0" smtClean="0">
-                <a:latin typeface="微軟正黑體" panose="020B0604030504040204" pitchFamily="34" charset="-120"/>
-                <a:ea typeface="微軟正黑體" panose="020B0604030504040204" pitchFamily="34" charset="-120"/>
-              </a:rPr>
-              <a:t>下方的評價區。</a:t>
+              <a:t>中的資料抓下來，顯示在主頁下方的評價區。</a:t>
             </a:r>
             <a:endParaRPr lang="en-US" altLang="zh-TW" dirty="0" smtClean="0">
               <a:latin typeface="微軟正黑體" panose="020B0604030504040204" pitchFamily="34" charset="-120"/>
@@ -4256,7 +4573,7 @@
 </p:sld>
 </file>
 
-<file path=ppt/slides/slide7.xml><?xml version="1.0" encoding="utf-8"?>
+<file path=ppt/slides/slide9.xml><?xml version="1.0" encoding="utf-8"?>
 <p:sld xmlns:a="http://schemas.openxmlformats.org/drawingml/2006/main" xmlns:r="http://schemas.openxmlformats.org/officeDocument/2006/relationships" xmlns:p="http://schemas.openxmlformats.org/presentationml/2006/main">
   <p:cSld>
     <p:spTree>
@@ -4336,14 +4653,7 @@
                 <a:latin typeface="微軟正黑體" panose="020B0604030504040204" pitchFamily="34" charset="-120"/>
                 <a:ea typeface="微軟正黑體" panose="020B0604030504040204" pitchFamily="34" charset="-120"/>
               </a:rPr>
-              <a:t>菜單、雲端</a:t>
-            </a:r>
-            <a:r>
-              <a:rPr lang="zh-TW" altLang="en-US" smtClean="0">
-                <a:latin typeface="微軟正黑體" panose="020B0604030504040204" pitchFamily="34" charset="-120"/>
-                <a:ea typeface="微軟正黑體" panose="020B0604030504040204" pitchFamily="34" charset="-120"/>
-              </a:rPr>
-              <a:t>資料管理、神</a:t>
+              <a:t>菜單、雲端資料管理、神</a:t>
             </a:r>
             <a:endParaRPr lang="en-US" altLang="zh-TW" dirty="0" smtClean="0">
               <a:latin typeface="微軟正黑體" panose="020B0604030504040204" pitchFamily="34" charset="-120"/>
@@ -4410,122 +4720,6 @@
     <p:extLst>
       <p:ext uri="{BB962C8B-B14F-4D97-AF65-F5344CB8AC3E}">
         <p14:creationId xmlns:p14="http://schemas.microsoft.com/office/powerpoint/2010/main" val="737689713"/>
-      </p:ext>
-    </p:extLst>
-  </p:cSld>
-  <p:clrMapOvr>
-    <a:masterClrMapping/>
-  </p:clrMapOvr>
-  <p:timing>
-    <p:tnLst>
-      <p:par>
-        <p:cTn id="1" dur="indefinite" restart="never" nodeType="tmRoot"/>
-      </p:par>
-    </p:tnLst>
-  </p:timing>
-</p:sld>
-</file>
-
-<file path=ppt/slides/slide8.xml><?xml version="1.0" encoding="utf-8"?>
-<p:sld xmlns:a="http://schemas.openxmlformats.org/drawingml/2006/main" xmlns:r="http://schemas.openxmlformats.org/officeDocument/2006/relationships" xmlns:p="http://schemas.openxmlformats.org/presentationml/2006/main">
-  <p:cSld>
-    <p:spTree>
-      <p:nvGrpSpPr>
-        <p:cNvPr id="1" name=""/>
-        <p:cNvGrpSpPr/>
-        <p:nvPr/>
-      </p:nvGrpSpPr>
-      <p:grpSpPr>
-        <a:xfrm>
-          <a:off x="0" y="0"/>
-          <a:ext cx="0" cy="0"/>
-          <a:chOff x="0" y="0"/>
-          <a:chExt cx="0" cy="0"/>
-        </a:xfrm>
-      </p:grpSpPr>
-      <p:sp>
-        <p:nvSpPr>
-          <p:cNvPr id="2" name="標題 1"/>
-          <p:cNvSpPr>
-            <a:spLocks noGrp="1"/>
-          </p:cNvSpPr>
-          <p:nvPr>
-            <p:ph type="title"/>
-          </p:nvPr>
-        </p:nvSpPr>
-        <p:spPr/>
-        <p:txBody>
-          <a:bodyPr/>
-          <a:lstStyle/>
-          <a:p>
-            <a:r>
-              <a:rPr lang="en-US" altLang="zh-TW" dirty="0" err="1" smtClean="0">
-                <a:latin typeface="微軟正黑體" panose="020B0604030504040204" pitchFamily="34" charset="-120"/>
-                <a:ea typeface="微軟正黑體" panose="020B0604030504040204" pitchFamily="34" charset="-120"/>
-              </a:rPr>
-              <a:t>Git</a:t>
-            </a:r>
-            <a:r>
-              <a:rPr lang="en-US" altLang="zh-TW" dirty="0" smtClean="0">
-                <a:latin typeface="微軟正黑體" panose="020B0604030504040204" pitchFamily="34" charset="-120"/>
-                <a:ea typeface="微軟正黑體" panose="020B0604030504040204" pitchFamily="34" charset="-120"/>
-              </a:rPr>
-              <a:t> flow</a:t>
-            </a:r>
-            <a:endParaRPr lang="zh-TW" altLang="en-US" dirty="0">
-              <a:latin typeface="微軟正黑體" panose="020B0604030504040204" pitchFamily="34" charset="-120"/>
-              <a:ea typeface="微軟正黑體" panose="020B0604030504040204" pitchFamily="34" charset="-120"/>
-            </a:endParaRPr>
-          </a:p>
-        </p:txBody>
-      </p:sp>
-      <p:sp>
-        <p:nvSpPr>
-          <p:cNvPr id="3" name="內容版面配置區 2"/>
-          <p:cNvSpPr>
-            <a:spLocks noGrp="1"/>
-          </p:cNvSpPr>
-          <p:nvPr>
-            <p:ph idx="1"/>
-          </p:nvPr>
-        </p:nvSpPr>
-        <p:spPr/>
-        <p:txBody>
-          <a:bodyPr/>
-          <a:lstStyle/>
-          <a:p>
-            <a:endParaRPr lang="zh-TW" altLang="en-US" dirty="0"/>
-          </a:p>
-        </p:txBody>
-      </p:sp>
-      <p:pic>
-        <p:nvPicPr>
-          <p:cNvPr id="5" name="圖片 4"/>
-          <p:cNvPicPr>
-            <a:picLocks noChangeAspect="1"/>
-          </p:cNvPicPr>
-          <p:nvPr/>
-        </p:nvPicPr>
-        <p:blipFill>
-          <a:blip r:embed="rId2"/>
-          <a:stretch>
-            <a:fillRect/>
-          </a:stretch>
-        </p:blipFill>
-        <p:spPr>
-          <a:xfrm>
-            <a:off x="5062888" y="-85337"/>
-            <a:ext cx="3171474" cy="6943338"/>
-          </a:xfrm>
-          <a:prstGeom prst="rect">
-            <a:avLst/>
-          </a:prstGeom>
-        </p:spPr>
-      </p:pic>
-    </p:spTree>
-    <p:extLst>
-      <p:ext uri="{BB962C8B-B14F-4D97-AF65-F5344CB8AC3E}">
-        <p14:creationId xmlns:p14="http://schemas.microsoft.com/office/powerpoint/2010/main" val="2785799782"/>
       </p:ext>
     </p:extLst>
   </p:cSld>

--- a/ppt.pptx
+++ b/ppt.pptx
@@ -8,13 +8,12 @@
     <p:sldId id="256" r:id="rId2"/>
     <p:sldId id="260" r:id="rId3"/>
     <p:sldId id="262" r:id="rId4"/>
-    <p:sldId id="267" r:id="rId5"/>
-    <p:sldId id="266" r:id="rId6"/>
-    <p:sldId id="263" r:id="rId7"/>
-    <p:sldId id="265" r:id="rId8"/>
-    <p:sldId id="258" r:id="rId9"/>
-    <p:sldId id="257" r:id="rId10"/>
-    <p:sldId id="264" r:id="rId11"/>
+    <p:sldId id="266" r:id="rId5"/>
+    <p:sldId id="263" r:id="rId6"/>
+    <p:sldId id="265" r:id="rId7"/>
+    <p:sldId id="258" r:id="rId8"/>
+    <p:sldId id="257" r:id="rId9"/>
+    <p:sldId id="264" r:id="rId10"/>
   </p:sldIdLst>
   <p:sldSz cx="12192000" cy="6858000"/>
   <p:notesSz cx="6858000" cy="9144000"/>
@@ -3118,122 +3117,6 @@
 </p:sld>
 </file>
 
-<file path=ppt/slides/slide10.xml><?xml version="1.0" encoding="utf-8"?>
-<p:sld xmlns:a="http://schemas.openxmlformats.org/drawingml/2006/main" xmlns:r="http://schemas.openxmlformats.org/officeDocument/2006/relationships" xmlns:p="http://schemas.openxmlformats.org/presentationml/2006/main">
-  <p:cSld>
-    <p:spTree>
-      <p:nvGrpSpPr>
-        <p:cNvPr id="1" name=""/>
-        <p:cNvGrpSpPr/>
-        <p:nvPr/>
-      </p:nvGrpSpPr>
-      <p:grpSpPr>
-        <a:xfrm>
-          <a:off x="0" y="0"/>
-          <a:ext cx="0" cy="0"/>
-          <a:chOff x="0" y="0"/>
-          <a:chExt cx="0" cy="0"/>
-        </a:xfrm>
-      </p:grpSpPr>
-      <p:sp>
-        <p:nvSpPr>
-          <p:cNvPr id="2" name="標題 1"/>
-          <p:cNvSpPr>
-            <a:spLocks noGrp="1"/>
-          </p:cNvSpPr>
-          <p:nvPr>
-            <p:ph type="title"/>
-          </p:nvPr>
-        </p:nvSpPr>
-        <p:spPr/>
-        <p:txBody>
-          <a:bodyPr/>
-          <a:lstStyle/>
-          <a:p>
-            <a:r>
-              <a:rPr lang="en-US" altLang="zh-TW" dirty="0" err="1" smtClean="0">
-                <a:latin typeface="微軟正黑體" panose="020B0604030504040204" pitchFamily="34" charset="-120"/>
-                <a:ea typeface="微軟正黑體" panose="020B0604030504040204" pitchFamily="34" charset="-120"/>
-              </a:rPr>
-              <a:t>Git</a:t>
-            </a:r>
-            <a:r>
-              <a:rPr lang="en-US" altLang="zh-TW" dirty="0" smtClean="0">
-                <a:latin typeface="微軟正黑體" panose="020B0604030504040204" pitchFamily="34" charset="-120"/>
-                <a:ea typeface="微軟正黑體" panose="020B0604030504040204" pitchFamily="34" charset="-120"/>
-              </a:rPr>
-              <a:t> flow</a:t>
-            </a:r>
-            <a:endParaRPr lang="zh-TW" altLang="en-US" dirty="0">
-              <a:latin typeface="微軟正黑體" panose="020B0604030504040204" pitchFamily="34" charset="-120"/>
-              <a:ea typeface="微軟正黑體" panose="020B0604030504040204" pitchFamily="34" charset="-120"/>
-            </a:endParaRPr>
-          </a:p>
-        </p:txBody>
-      </p:sp>
-      <p:sp>
-        <p:nvSpPr>
-          <p:cNvPr id="3" name="內容版面配置區 2"/>
-          <p:cNvSpPr>
-            <a:spLocks noGrp="1"/>
-          </p:cNvSpPr>
-          <p:nvPr>
-            <p:ph idx="1"/>
-          </p:nvPr>
-        </p:nvSpPr>
-        <p:spPr/>
-        <p:txBody>
-          <a:bodyPr/>
-          <a:lstStyle/>
-          <a:p>
-            <a:endParaRPr lang="zh-TW" altLang="en-US" dirty="0"/>
-          </a:p>
-        </p:txBody>
-      </p:sp>
-      <p:pic>
-        <p:nvPicPr>
-          <p:cNvPr id="5" name="圖片 4"/>
-          <p:cNvPicPr>
-            <a:picLocks noChangeAspect="1"/>
-          </p:cNvPicPr>
-          <p:nvPr/>
-        </p:nvPicPr>
-        <p:blipFill>
-          <a:blip r:embed="rId2"/>
-          <a:stretch>
-            <a:fillRect/>
-          </a:stretch>
-        </p:blipFill>
-        <p:spPr>
-          <a:xfrm>
-            <a:off x="5062888" y="-85337"/>
-            <a:ext cx="3171474" cy="6943338"/>
-          </a:xfrm>
-          <a:prstGeom prst="rect">
-            <a:avLst/>
-          </a:prstGeom>
-        </p:spPr>
-      </p:pic>
-    </p:spTree>
-    <p:extLst>
-      <p:ext uri="{BB962C8B-B14F-4D97-AF65-F5344CB8AC3E}">
-        <p14:creationId xmlns:p14="http://schemas.microsoft.com/office/powerpoint/2010/main" val="2785799782"/>
-      </p:ext>
-    </p:extLst>
-  </p:cSld>
-  <p:clrMapOvr>
-    <a:masterClrMapping/>
-  </p:clrMapOvr>
-  <p:timing>
-    <p:tnLst>
-      <p:par>
-        <p:cTn id="1" dur="indefinite" restart="never" nodeType="tmRoot"/>
-      </p:par>
-    </p:tnLst>
-  </p:timing>
-</p:sld>
-</file>
-
 <file path=ppt/slides/slide2.xml><?xml version="1.0" encoding="utf-8"?>
 <p:sld xmlns:a="http://schemas.openxmlformats.org/drawingml/2006/main" xmlns:r="http://schemas.openxmlformats.org/officeDocument/2006/relationships" xmlns:p="http://schemas.openxmlformats.org/presentationml/2006/main">
   <p:cSld>
@@ -3738,116 +3621,6 @@
           <a:lstStyle/>
           <a:p>
             <a:r>
-              <a:rPr lang="en-US" altLang="zh-TW" dirty="0"/>
-              <a:t>W</a:t>
-            </a:r>
-            <a:r>
-              <a:rPr lang="en-US" altLang="zh-TW" dirty="0" smtClean="0"/>
-              <a:t>ireframe</a:t>
-            </a:r>
-            <a:endParaRPr lang="zh-TW" altLang="en-US" dirty="0"/>
-          </a:p>
-        </p:txBody>
-      </p:sp>
-      <p:pic>
-        <p:nvPicPr>
-          <p:cNvPr id="5" name="圖片 4"/>
-          <p:cNvPicPr>
-            <a:picLocks noChangeAspect="1"/>
-          </p:cNvPicPr>
-          <p:nvPr/>
-        </p:nvPicPr>
-        <p:blipFill>
-          <a:blip r:embed="rId2" cstate="print">
-            <a:extLst>
-              <a:ext uri="{28A0092B-C50C-407E-A947-70E740481C1C}">
-                <a14:useLocalDpi xmlns:a14="http://schemas.microsoft.com/office/drawing/2010/main" val="0"/>
-              </a:ext>
-            </a:extLst>
-          </a:blip>
-          <a:stretch>
-            <a:fillRect/>
-          </a:stretch>
-        </p:blipFill>
-        <p:spPr>
-          <a:xfrm>
-            <a:off x="6580380" y="0"/>
-            <a:ext cx="5611620" cy="6858000"/>
-          </a:xfrm>
-          <a:prstGeom prst="rect">
-            <a:avLst/>
-          </a:prstGeom>
-        </p:spPr>
-      </p:pic>
-    </p:spTree>
-    <p:extLst>
-      <p:ext uri="{BB962C8B-B14F-4D97-AF65-F5344CB8AC3E}">
-        <p14:creationId xmlns:p14="http://schemas.microsoft.com/office/powerpoint/2010/main" val="1723688103"/>
-      </p:ext>
-    </p:extLst>
-  </p:cSld>
-  <p:clrMapOvr>
-    <a:masterClrMapping/>
-  </p:clrMapOvr>
-</p:sld>
-</file>
-
-<file path=ppt/slides/slide5.xml><?xml version="1.0" encoding="utf-8"?>
-<p:sld xmlns:a="http://schemas.openxmlformats.org/drawingml/2006/main" xmlns:r="http://schemas.openxmlformats.org/officeDocument/2006/relationships" xmlns:p="http://schemas.openxmlformats.org/presentationml/2006/main">
-  <p:cSld>
-    <p:spTree>
-      <p:nvGrpSpPr>
-        <p:cNvPr id="1" name=""/>
-        <p:cNvGrpSpPr/>
-        <p:nvPr/>
-      </p:nvGrpSpPr>
-      <p:grpSpPr>
-        <a:xfrm>
-          <a:off x="0" y="0"/>
-          <a:ext cx="0" cy="0"/>
-          <a:chOff x="0" y="0"/>
-          <a:chExt cx="0" cy="0"/>
-        </a:xfrm>
-      </p:grpSpPr>
-      <p:sp>
-        <p:nvSpPr>
-          <p:cNvPr id="2" name="標題 1"/>
-          <p:cNvSpPr>
-            <a:spLocks noGrp="1"/>
-          </p:cNvSpPr>
-          <p:nvPr>
-            <p:ph type="title"/>
-          </p:nvPr>
-        </p:nvSpPr>
-        <p:spPr/>
-        <p:txBody>
-          <a:bodyPr/>
-          <a:lstStyle/>
-          <a:p>
-            <a:r>
-              <a:rPr lang="zh-TW" altLang="en-US" dirty="0" smtClean="0"/>
-              <a:t>設計</a:t>
-            </a:r>
-            <a:endParaRPr lang="zh-TW" altLang="en-US" dirty="0"/>
-          </a:p>
-        </p:txBody>
-      </p:sp>
-      <p:sp>
-        <p:nvSpPr>
-          <p:cNvPr id="3" name="內容版面配置區 2"/>
-          <p:cNvSpPr>
-            <a:spLocks noGrp="1"/>
-          </p:cNvSpPr>
-          <p:nvPr>
-            <p:ph idx="1"/>
-          </p:nvPr>
-        </p:nvSpPr>
-        <p:spPr/>
-        <p:txBody>
-          <a:bodyPr/>
-          <a:lstStyle/>
-          <a:p>
-            <a:r>
               <a:rPr lang="en-US" altLang="zh-TW" dirty="0" smtClean="0"/>
               <a:t>Wireframe</a:t>
             </a:r>
@@ -3902,7 +3675,7 @@
 </p:sld>
 </file>
 
-<file path=ppt/slides/slide6.xml><?xml version="1.0" encoding="utf-8"?>
+<file path=ppt/slides/slide5.xml><?xml version="1.0" encoding="utf-8"?>
 <p:sld xmlns:a="http://schemas.openxmlformats.org/drawingml/2006/main" xmlns:r="http://schemas.openxmlformats.org/officeDocument/2006/relationships" xmlns:p="http://schemas.openxmlformats.org/presentationml/2006/main">
   <p:cSld>
     <p:spTree>
@@ -4039,7 +3812,7 @@
 </p:sld>
 </file>
 
-<file path=ppt/slides/slide7.xml><?xml version="1.0" encoding="utf-8"?>
+<file path=ppt/slides/slide6.xml><?xml version="1.0" encoding="utf-8"?>
 <p:sld xmlns:a="http://schemas.openxmlformats.org/drawingml/2006/main" xmlns:r="http://schemas.openxmlformats.org/officeDocument/2006/relationships" xmlns:p="http://schemas.openxmlformats.org/presentationml/2006/main">
   <p:cSld>
     <p:spTree>
@@ -4181,6 +3954,398 @@
 </p:sld>
 </file>
 
+<file path=ppt/slides/slide7.xml><?xml version="1.0" encoding="utf-8"?>
+<p:sld xmlns:a="http://schemas.openxmlformats.org/drawingml/2006/main" xmlns:r="http://schemas.openxmlformats.org/officeDocument/2006/relationships" xmlns:p="http://schemas.openxmlformats.org/presentationml/2006/main">
+  <p:cSld>
+    <p:spTree>
+      <p:nvGrpSpPr>
+        <p:cNvPr id="1" name=""/>
+        <p:cNvGrpSpPr/>
+        <p:nvPr/>
+      </p:nvGrpSpPr>
+      <p:grpSpPr>
+        <a:xfrm>
+          <a:off x="0" y="0"/>
+          <a:ext cx="0" cy="0"/>
+          <a:chOff x="0" y="0"/>
+          <a:chExt cx="0" cy="0"/>
+        </a:xfrm>
+      </p:grpSpPr>
+      <p:sp>
+        <p:nvSpPr>
+          <p:cNvPr id="2" name="標題 1"/>
+          <p:cNvSpPr>
+            <a:spLocks noGrp="1"/>
+          </p:cNvSpPr>
+          <p:nvPr>
+            <p:ph type="title"/>
+          </p:nvPr>
+        </p:nvSpPr>
+        <p:spPr/>
+        <p:txBody>
+          <a:bodyPr/>
+          <a:lstStyle/>
+          <a:p>
+            <a:r>
+              <a:rPr lang="zh-TW" altLang="en-US" dirty="0" smtClean="0">
+                <a:latin typeface="微軟正黑體" panose="020B0604030504040204" pitchFamily="34" charset="-120"/>
+                <a:ea typeface="微軟正黑體" panose="020B0604030504040204" pitchFamily="34" charset="-120"/>
+              </a:rPr>
+              <a:t>程式</a:t>
+            </a:r>
+            <a:endParaRPr lang="zh-TW" altLang="en-US" dirty="0">
+              <a:latin typeface="微軟正黑體" panose="020B0604030504040204" pitchFamily="34" charset="-120"/>
+              <a:ea typeface="微軟正黑體" panose="020B0604030504040204" pitchFamily="34" charset="-120"/>
+            </a:endParaRPr>
+          </a:p>
+        </p:txBody>
+      </p:sp>
+      <p:sp>
+        <p:nvSpPr>
+          <p:cNvPr id="3" name="內容版面配置區 2"/>
+          <p:cNvSpPr>
+            <a:spLocks noGrp="1"/>
+          </p:cNvSpPr>
+          <p:nvPr>
+            <p:ph idx="1"/>
+          </p:nvPr>
+        </p:nvSpPr>
+        <p:spPr/>
+        <p:txBody>
+          <a:bodyPr>
+            <a:normAutofit/>
+          </a:bodyPr>
+          <a:lstStyle/>
+          <a:p>
+            <a:pPr marL="514350" indent="-514350">
+              <a:buFont typeface="+mj-lt"/>
+              <a:buAutoNum type="arabicPeriod"/>
+            </a:pPr>
+            <a:r>
+              <a:rPr lang="zh-TW" altLang="en-US" dirty="0" smtClean="0">
+                <a:latin typeface="微軟正黑體" panose="020B0604030504040204" pitchFamily="34" charset="-120"/>
+                <a:ea typeface="微軟正黑體" panose="020B0604030504040204" pitchFamily="34" charset="-120"/>
+              </a:rPr>
+              <a:t>「</a:t>
+            </a:r>
+            <a:r>
+              <a:rPr lang="zh-TW" altLang="en-US" dirty="0" smtClean="0">
+                <a:solidFill>
+                  <a:schemeClr val="accent2">
+                    <a:lumMod val="50000"/>
+                  </a:schemeClr>
+                </a:solidFill>
+                <a:latin typeface="微軟正黑體" panose="020B0604030504040204" pitchFamily="34" charset="-120"/>
+                <a:ea typeface="微軟正黑體" panose="020B0604030504040204" pitchFamily="34" charset="-120"/>
+              </a:rPr>
+              <a:t>菜單</a:t>
+            </a:r>
+            <a:r>
+              <a:rPr lang="zh-TW" altLang="en-US" dirty="0" smtClean="0">
+                <a:latin typeface="微軟正黑體" panose="020B0604030504040204" pitchFamily="34" charset="-120"/>
+                <a:ea typeface="微軟正黑體" panose="020B0604030504040204" pitchFamily="34" charset="-120"/>
+              </a:rPr>
+              <a:t>」頁面，滑鼠滑過圖片會旋轉。</a:t>
+            </a:r>
+            <a:endParaRPr lang="en-US" altLang="zh-TW" dirty="0" smtClean="0">
+              <a:latin typeface="微軟正黑體" panose="020B0604030504040204" pitchFamily="34" charset="-120"/>
+              <a:ea typeface="微軟正黑體" panose="020B0604030504040204" pitchFamily="34" charset="-120"/>
+            </a:endParaRPr>
+          </a:p>
+          <a:p>
+            <a:pPr marL="514350" indent="-514350">
+              <a:buFont typeface="+mj-lt"/>
+              <a:buAutoNum type="arabicPeriod"/>
+            </a:pPr>
+            <a:r>
+              <a:rPr lang="zh-TW" altLang="en-US" dirty="0">
+                <a:latin typeface="微軟正黑體" panose="020B0604030504040204" pitchFamily="34" charset="-120"/>
+                <a:ea typeface="微軟正黑體" panose="020B0604030504040204" pitchFamily="34" charset="-120"/>
+              </a:rPr>
+              <a:t>「</a:t>
+            </a:r>
+            <a:r>
+              <a:rPr lang="zh-TW" altLang="en-US" dirty="0">
+                <a:solidFill>
+                  <a:schemeClr val="accent2">
+                    <a:lumMod val="50000"/>
+                  </a:schemeClr>
+                </a:solidFill>
+                <a:latin typeface="微軟正黑體" panose="020B0604030504040204" pitchFamily="34" charset="-120"/>
+                <a:ea typeface="微軟正黑體" panose="020B0604030504040204" pitchFamily="34" charset="-120"/>
+              </a:rPr>
+              <a:t>訂購</a:t>
+            </a:r>
+            <a:r>
+              <a:rPr lang="zh-TW" altLang="en-US" dirty="0">
+                <a:latin typeface="微軟正黑體" panose="020B0604030504040204" pitchFamily="34" charset="-120"/>
+                <a:ea typeface="微軟正黑體" panose="020B0604030504040204" pitchFamily="34" charset="-120"/>
+              </a:rPr>
+              <a:t>」及「</a:t>
+            </a:r>
+            <a:r>
+              <a:rPr lang="zh-TW" altLang="en-US" dirty="0">
+                <a:solidFill>
+                  <a:schemeClr val="accent2">
+                    <a:lumMod val="50000"/>
+                  </a:schemeClr>
+                </a:solidFill>
+                <a:latin typeface="微軟正黑體" panose="020B0604030504040204" pitchFamily="34" charset="-120"/>
+                <a:ea typeface="微軟正黑體" panose="020B0604030504040204" pitchFamily="34" charset="-120"/>
+              </a:rPr>
+              <a:t>意見回饋</a:t>
+            </a:r>
+            <a:r>
+              <a:rPr lang="zh-TW" altLang="en-US" dirty="0">
+                <a:latin typeface="微軟正黑體" panose="020B0604030504040204" pitchFamily="34" charset="-120"/>
+                <a:ea typeface="微軟正黑體" panose="020B0604030504040204" pitchFamily="34" charset="-120"/>
+              </a:rPr>
+              <a:t>」頁面，下拉選單有很酷的特效</a:t>
+            </a:r>
+            <a:r>
+              <a:rPr lang="zh-TW" altLang="en-US" dirty="0" smtClean="0">
+                <a:latin typeface="微軟正黑體" panose="020B0604030504040204" pitchFamily="34" charset="-120"/>
+                <a:ea typeface="微軟正黑體" panose="020B0604030504040204" pitchFamily="34" charset="-120"/>
+              </a:rPr>
+              <a:t>。</a:t>
+            </a:r>
+            <a:endParaRPr lang="en-US" altLang="zh-TW" dirty="0">
+              <a:latin typeface="微軟正黑體" panose="020B0604030504040204" pitchFamily="34" charset="-120"/>
+              <a:ea typeface="微軟正黑體" panose="020B0604030504040204" pitchFamily="34" charset="-120"/>
+            </a:endParaRPr>
+          </a:p>
+          <a:p>
+            <a:pPr marL="514350" indent="-514350">
+              <a:buFont typeface="+mj-lt"/>
+              <a:buAutoNum type="arabicPeriod"/>
+            </a:pPr>
+            <a:r>
+              <a:rPr lang="zh-TW" altLang="en-US" dirty="0" smtClean="0">
+                <a:latin typeface="微軟正黑體" panose="020B0604030504040204" pitchFamily="34" charset="-120"/>
+                <a:ea typeface="微軟正黑體" panose="020B0604030504040204" pitchFamily="34" charset="-120"/>
+              </a:rPr>
+              <a:t>「</a:t>
+            </a:r>
+            <a:r>
+              <a:rPr lang="zh-TW" altLang="en-US" dirty="0" smtClean="0">
+                <a:solidFill>
+                  <a:schemeClr val="accent2">
+                    <a:lumMod val="50000"/>
+                  </a:schemeClr>
+                </a:solidFill>
+                <a:latin typeface="微軟正黑體" panose="020B0604030504040204" pitchFamily="34" charset="-120"/>
+                <a:ea typeface="微軟正黑體" panose="020B0604030504040204" pitchFamily="34" charset="-120"/>
+              </a:rPr>
+              <a:t>意見回饋</a:t>
+            </a:r>
+            <a:r>
+              <a:rPr lang="zh-TW" altLang="en-US" dirty="0" smtClean="0">
+                <a:latin typeface="微軟正黑體" panose="020B0604030504040204" pitchFamily="34" charset="-120"/>
+                <a:ea typeface="微軟正黑體" panose="020B0604030504040204" pitchFamily="34" charset="-120"/>
+              </a:rPr>
+              <a:t>」頁面會將資料送出到</a:t>
+            </a:r>
+            <a:r>
+              <a:rPr lang="en-US" altLang="zh-TW" dirty="0" smtClean="0">
+                <a:latin typeface="微軟正黑體" panose="020B0604030504040204" pitchFamily="34" charset="-120"/>
+                <a:ea typeface="微軟正黑體" panose="020B0604030504040204" pitchFamily="34" charset="-120"/>
+              </a:rPr>
+              <a:t>google</a:t>
+            </a:r>
+            <a:r>
+              <a:rPr lang="zh-TW" altLang="en-US" dirty="0" smtClean="0">
+                <a:latin typeface="微軟正黑體" panose="020B0604030504040204" pitchFamily="34" charset="-120"/>
+                <a:ea typeface="微軟正黑體" panose="020B0604030504040204" pitchFamily="34" charset="-120"/>
+              </a:rPr>
+              <a:t>。</a:t>
+            </a:r>
+            <a:endParaRPr lang="en-US" altLang="zh-TW" dirty="0" smtClean="0">
+              <a:latin typeface="微軟正黑體" panose="020B0604030504040204" pitchFamily="34" charset="-120"/>
+              <a:ea typeface="微軟正黑體" panose="020B0604030504040204" pitchFamily="34" charset="-120"/>
+            </a:endParaRPr>
+          </a:p>
+          <a:p>
+            <a:pPr marL="514350" indent="-514350">
+              <a:buFont typeface="+mj-lt"/>
+              <a:buAutoNum type="arabicPeriod"/>
+            </a:pPr>
+            <a:r>
+              <a:rPr lang="zh-TW" altLang="en-US" dirty="0">
+                <a:latin typeface="微軟正黑體" panose="020B0604030504040204" pitchFamily="34" charset="-120"/>
+                <a:ea typeface="微軟正黑體" panose="020B0604030504040204" pitchFamily="34" charset="-120"/>
+              </a:rPr>
+              <a:t>「</a:t>
+            </a:r>
+            <a:r>
+              <a:rPr lang="zh-TW" altLang="en-US" dirty="0">
+                <a:solidFill>
+                  <a:schemeClr val="accent2">
+                    <a:lumMod val="50000"/>
+                  </a:schemeClr>
+                </a:solidFill>
+                <a:latin typeface="微軟正黑體" panose="020B0604030504040204" pitchFamily="34" charset="-120"/>
+                <a:ea typeface="微軟正黑體" panose="020B0604030504040204" pitchFamily="34" charset="-120"/>
+              </a:rPr>
+              <a:t>訂購</a:t>
+            </a:r>
+            <a:r>
+              <a:rPr lang="zh-TW" altLang="en-US" dirty="0">
+                <a:latin typeface="微軟正黑體" panose="020B0604030504040204" pitchFamily="34" charset="-120"/>
+                <a:ea typeface="微軟正黑體" panose="020B0604030504040204" pitchFamily="34" charset="-120"/>
+              </a:rPr>
+              <a:t>」頁面按下</a:t>
+            </a:r>
+            <a:r>
+              <a:rPr lang="en-US" altLang="zh-TW" dirty="0">
+                <a:latin typeface="微軟正黑體" panose="020B0604030504040204" pitchFamily="34" charset="-120"/>
+                <a:ea typeface="微軟正黑體" panose="020B0604030504040204" pitchFamily="34" charset="-120"/>
+              </a:rPr>
+              <a:t>+</a:t>
+            </a:r>
+            <a:r>
+              <a:rPr lang="zh-TW" altLang="en-US" dirty="0">
+                <a:latin typeface="微軟正黑體" panose="020B0604030504040204" pitchFamily="34" charset="-120"/>
+                <a:ea typeface="微軟正黑體" panose="020B0604030504040204" pitchFamily="34" charset="-120"/>
+              </a:rPr>
+              <a:t>號可新增下拉選單。</a:t>
+            </a:r>
+            <a:endParaRPr lang="en-US" altLang="zh-TW" dirty="0">
+              <a:latin typeface="微軟正黑體" panose="020B0604030504040204" pitchFamily="34" charset="-120"/>
+              <a:ea typeface="微軟正黑體" panose="020B0604030504040204" pitchFamily="34" charset="-120"/>
+            </a:endParaRPr>
+          </a:p>
+          <a:p>
+            <a:pPr marL="514350" indent="-514350">
+              <a:buFont typeface="+mj-lt"/>
+              <a:buAutoNum type="arabicPeriod"/>
+            </a:pPr>
+            <a:r>
+              <a:rPr lang="zh-TW" altLang="en-US" dirty="0" smtClean="0">
+                <a:latin typeface="微軟正黑體" panose="020B0604030504040204" pitchFamily="34" charset="-120"/>
+                <a:ea typeface="微軟正黑體" panose="020B0604030504040204" pitchFamily="34" charset="-120"/>
+              </a:rPr>
+              <a:t>「</a:t>
+            </a:r>
+            <a:r>
+              <a:rPr lang="zh-TW" altLang="en-US" dirty="0">
+                <a:solidFill>
+                  <a:schemeClr val="accent2">
+                    <a:lumMod val="50000"/>
+                  </a:schemeClr>
+                </a:solidFill>
+                <a:latin typeface="微軟正黑體" panose="020B0604030504040204" pitchFamily="34" charset="-120"/>
+                <a:ea typeface="微軟正黑體" panose="020B0604030504040204" pitchFamily="34" charset="-120"/>
+              </a:rPr>
+              <a:t>主</a:t>
+            </a:r>
+            <a:r>
+              <a:rPr lang="zh-TW" altLang="en-US" dirty="0" smtClean="0">
+                <a:solidFill>
+                  <a:schemeClr val="accent2">
+                    <a:lumMod val="50000"/>
+                  </a:schemeClr>
+                </a:solidFill>
+                <a:latin typeface="微軟正黑體" panose="020B0604030504040204" pitchFamily="34" charset="-120"/>
+                <a:ea typeface="微軟正黑體" panose="020B0604030504040204" pitchFamily="34" charset="-120"/>
+              </a:rPr>
+              <a:t>頁</a:t>
+            </a:r>
+            <a:r>
+              <a:rPr lang="zh-TW" altLang="en-US" dirty="0" smtClean="0">
+                <a:latin typeface="微軟正黑體" panose="020B0604030504040204" pitchFamily="34" charset="-120"/>
+                <a:ea typeface="微軟正黑體" panose="020B0604030504040204" pitchFamily="34" charset="-120"/>
+              </a:rPr>
+              <a:t>」頁面會將</a:t>
+            </a:r>
+            <a:r>
+              <a:rPr lang="en-US" altLang="zh-TW" dirty="0" smtClean="0">
+                <a:latin typeface="微軟正黑體" panose="020B0604030504040204" pitchFamily="34" charset="-120"/>
+                <a:ea typeface="微軟正黑體" panose="020B0604030504040204" pitchFamily="34" charset="-120"/>
+              </a:rPr>
+              <a:t>google</a:t>
+            </a:r>
+            <a:r>
+              <a:rPr lang="zh-TW" altLang="en-US" dirty="0" smtClean="0">
+                <a:latin typeface="微軟正黑體" panose="020B0604030504040204" pitchFamily="34" charset="-120"/>
+                <a:ea typeface="微軟正黑體" panose="020B0604030504040204" pitchFamily="34" charset="-120"/>
+              </a:rPr>
+              <a:t>中的資料抓下來，顯示在主頁下方的評價區。</a:t>
+            </a:r>
+            <a:endParaRPr lang="en-US" altLang="zh-TW" dirty="0" smtClean="0">
+              <a:latin typeface="微軟正黑體" panose="020B0604030504040204" pitchFamily="34" charset="-120"/>
+              <a:ea typeface="微軟正黑體" panose="020B0604030504040204" pitchFamily="34" charset="-120"/>
+            </a:endParaRPr>
+          </a:p>
+          <a:p>
+            <a:pPr marL="514350" indent="-514350">
+              <a:buFont typeface="+mj-lt"/>
+              <a:buAutoNum type="arabicPeriod"/>
+            </a:pPr>
+            <a:r>
+              <a:rPr lang="zh-TW" altLang="en-US" dirty="0" smtClean="0">
+                <a:latin typeface="微軟正黑體" panose="020B0604030504040204" pitchFamily="34" charset="-120"/>
+                <a:ea typeface="微軟正黑體" panose="020B0604030504040204" pitchFamily="34" charset="-120"/>
+              </a:rPr>
+              <a:t>「</a:t>
+            </a:r>
+            <a:r>
+              <a:rPr lang="zh-TW" altLang="en-US" dirty="0">
+                <a:solidFill>
+                  <a:schemeClr val="accent2">
+                    <a:lumMod val="50000"/>
+                  </a:schemeClr>
+                </a:solidFill>
+                <a:latin typeface="微軟正黑體" panose="020B0604030504040204" pitchFamily="34" charset="-120"/>
+                <a:ea typeface="微軟正黑體" panose="020B0604030504040204" pitchFamily="34" charset="-120"/>
+              </a:rPr>
+              <a:t>主</a:t>
+            </a:r>
+            <a:r>
+              <a:rPr lang="zh-TW" altLang="en-US" dirty="0" smtClean="0">
+                <a:solidFill>
+                  <a:schemeClr val="accent2">
+                    <a:lumMod val="50000"/>
+                  </a:schemeClr>
+                </a:solidFill>
+                <a:latin typeface="微軟正黑體" panose="020B0604030504040204" pitchFamily="34" charset="-120"/>
+                <a:ea typeface="微軟正黑體" panose="020B0604030504040204" pitchFamily="34" charset="-120"/>
+              </a:rPr>
+              <a:t>頁</a:t>
+            </a:r>
+            <a:r>
+              <a:rPr lang="zh-TW" altLang="en-US" dirty="0" smtClean="0">
+                <a:latin typeface="微軟正黑體" panose="020B0604030504040204" pitchFamily="34" charset="-120"/>
+                <a:ea typeface="微軟正黑體" panose="020B0604030504040204" pitchFamily="34" charset="-120"/>
+              </a:rPr>
+              <a:t>」下方的評價區會根據評價數增加表格欄位。</a:t>
+            </a:r>
+            <a:endParaRPr lang="en-US" altLang="zh-TW" dirty="0" smtClean="0">
+              <a:latin typeface="微軟正黑體" panose="020B0604030504040204" pitchFamily="34" charset="-120"/>
+              <a:ea typeface="微軟正黑體" panose="020B0604030504040204" pitchFamily="34" charset="-120"/>
+            </a:endParaRPr>
+          </a:p>
+        </p:txBody>
+      </p:sp>
+    </p:spTree>
+    <p:extLst>
+      <p:ext uri="{BB962C8B-B14F-4D97-AF65-F5344CB8AC3E}">
+        <p14:creationId xmlns:p14="http://schemas.microsoft.com/office/powerpoint/2010/main" val="2551211300"/>
+      </p:ext>
+    </p:extLst>
+  </p:cSld>
+  <p:clrMapOvr>
+    <a:masterClrMapping/>
+  </p:clrMapOvr>
+  <p:timing>
+    <p:tnLst>
+      <p:par>
+        <p:cTn id="1" dur="indefinite" restart="never" nodeType="tmRoot"/>
+      </p:par>
+    </p:tnLst>
+  </p:timing>
+</p:sld>
+</file>
+
 <file path=ppt/slides/slide8.xml><?xml version="1.0" encoding="utf-8"?>
 <p:sld xmlns:a="http://schemas.openxmlformats.org/drawingml/2006/main" xmlns:r="http://schemas.openxmlformats.org/officeDocument/2006/relationships" xmlns:p="http://schemas.openxmlformats.org/presentationml/2006/main">
   <p:cSld>
@@ -4218,7 +4383,7 @@
                 <a:latin typeface="微軟正黑體" panose="020B0604030504040204" pitchFamily="34" charset="-120"/>
                 <a:ea typeface="微軟正黑體" panose="020B0604030504040204" pitchFamily="34" charset="-120"/>
               </a:rPr>
-              <a:t>程式</a:t>
+              <a:t>分工</a:t>
             </a:r>
             <a:endParaRPr lang="zh-TW" altLang="en-US" dirty="0">
               <a:latin typeface="微軟正黑體" panose="020B0604030504040204" pitchFamily="34" charset="-120"/>
@@ -4239,40 +4404,29 @@
         </p:nvSpPr>
         <p:spPr/>
         <p:txBody>
-          <a:bodyPr>
-            <a:normAutofit/>
-          </a:bodyPr>
-          <a:lstStyle/>
-          <a:p>
-            <a:pPr marL="514350" indent="-514350">
-              <a:buFont typeface="+mj-lt"/>
-              <a:buAutoNum type="arabicPeriod"/>
-            </a:pPr>
+          <a:bodyPr/>
+          <a:lstStyle/>
+          <a:p>
             <a:r>
               <a:rPr lang="zh-TW" altLang="en-US" dirty="0" smtClean="0">
                 <a:latin typeface="微軟正黑體" panose="020B0604030504040204" pitchFamily="34" charset="-120"/>
                 <a:ea typeface="微軟正黑體" panose="020B0604030504040204" pitchFamily="34" charset="-120"/>
               </a:rPr>
-              <a:t>「</a:t>
+              <a:t>賴威錩</a:t>
+            </a:r>
+            <a:r>
+              <a:rPr lang="en-US" altLang="zh-TW" dirty="0" smtClean="0">
+                <a:latin typeface="微軟正黑體" panose="020B0604030504040204" pitchFamily="34" charset="-120"/>
+                <a:ea typeface="微軟正黑體" panose="020B0604030504040204" pitchFamily="34" charset="-120"/>
+              </a:rPr>
+              <a:t>:</a:t>
             </a:r>
             <a:r>
               <a:rPr lang="zh-TW" altLang="en-US" dirty="0" smtClean="0">
-                <a:solidFill>
-                  <a:schemeClr val="accent2">
-                    <a:lumMod val="50000"/>
-                  </a:schemeClr>
-                </a:solidFill>
-                <a:latin typeface="微軟正黑體" panose="020B0604030504040204" pitchFamily="34" charset="-120"/>
-                <a:ea typeface="微軟正黑體" panose="020B0604030504040204" pitchFamily="34" charset="-120"/>
-              </a:rPr>
-              <a:t>菜單</a:t>
-            </a:r>
-            <a:r>
-              <a:rPr lang="zh-TW" altLang="en-US" dirty="0" smtClean="0">
-                <a:latin typeface="微軟正黑體" panose="020B0604030504040204" pitchFamily="34" charset="-120"/>
-                <a:ea typeface="微軟正黑體" panose="020B0604030504040204" pitchFamily="34" charset="-120"/>
-              </a:rPr>
-              <a:t>」頁面，滑鼠滑過圖片會旋轉。</a:t>
+                <a:latin typeface="微軟正黑體" panose="020B0604030504040204" pitchFamily="34" charset="-120"/>
+                <a:ea typeface="微軟正黑體" panose="020B0604030504040204" pitchFamily="34" charset="-120"/>
+              </a:rPr>
+              <a:t>菜單、雲端資料管理、神</a:t>
             </a:r>
             <a:endParaRPr lang="en-US" altLang="zh-TW" dirty="0" smtClean="0">
               <a:latin typeface="微軟正黑體" panose="020B0604030504040204" pitchFamily="34" charset="-120"/>
@@ -4280,111 +4434,26 @@
             </a:endParaRPr>
           </a:p>
           <a:p>
-            <a:pPr marL="514350" indent="-514350">
-              <a:buFont typeface="+mj-lt"/>
-              <a:buAutoNum type="arabicPeriod"/>
-            </a:pPr>
-            <a:r>
-              <a:rPr lang="zh-TW" altLang="en-US" dirty="0">
-                <a:latin typeface="微軟正黑體" panose="020B0604030504040204" pitchFamily="34" charset="-120"/>
-                <a:ea typeface="微軟正黑體" panose="020B0604030504040204" pitchFamily="34" charset="-120"/>
-              </a:rPr>
-              <a:t>「</a:t>
-            </a:r>
-            <a:r>
-              <a:rPr lang="zh-TW" altLang="en-US" dirty="0">
-                <a:solidFill>
-                  <a:schemeClr val="accent2">
-                    <a:lumMod val="50000"/>
-                  </a:schemeClr>
-                </a:solidFill>
-                <a:latin typeface="微軟正黑體" panose="020B0604030504040204" pitchFamily="34" charset="-120"/>
-                <a:ea typeface="微軟正黑體" panose="020B0604030504040204" pitchFamily="34" charset="-120"/>
-              </a:rPr>
-              <a:t>訂購</a:t>
-            </a:r>
-            <a:r>
-              <a:rPr lang="zh-TW" altLang="en-US" dirty="0">
-                <a:latin typeface="微軟正黑體" panose="020B0604030504040204" pitchFamily="34" charset="-120"/>
-                <a:ea typeface="微軟正黑體" panose="020B0604030504040204" pitchFamily="34" charset="-120"/>
-              </a:rPr>
-              <a:t>」及「</a:t>
-            </a:r>
-            <a:r>
-              <a:rPr lang="zh-TW" altLang="en-US" dirty="0">
-                <a:solidFill>
-                  <a:schemeClr val="accent2">
-                    <a:lumMod val="50000"/>
-                  </a:schemeClr>
-                </a:solidFill>
-                <a:latin typeface="微軟正黑體" panose="020B0604030504040204" pitchFamily="34" charset="-120"/>
-                <a:ea typeface="微軟正黑體" panose="020B0604030504040204" pitchFamily="34" charset="-120"/>
-              </a:rPr>
-              <a:t>意見回饋</a:t>
-            </a:r>
-            <a:r>
-              <a:rPr lang="zh-TW" altLang="en-US" dirty="0">
-                <a:latin typeface="微軟正黑體" panose="020B0604030504040204" pitchFamily="34" charset="-120"/>
-                <a:ea typeface="微軟正黑體" panose="020B0604030504040204" pitchFamily="34" charset="-120"/>
-              </a:rPr>
-              <a:t>」頁面，下拉選單有很酷的特效</a:t>
-            </a:r>
             <a:r>
               <a:rPr lang="zh-TW" altLang="en-US" dirty="0" smtClean="0">
                 <a:latin typeface="微軟正黑體" panose="020B0604030504040204" pitchFamily="34" charset="-120"/>
                 <a:ea typeface="微軟正黑體" panose="020B0604030504040204" pitchFamily="34" charset="-120"/>
               </a:rPr>
-              <a:t>。</a:t>
-            </a:r>
-            <a:endParaRPr lang="en-US" altLang="zh-TW" dirty="0">
-              <a:latin typeface="微軟正黑體" panose="020B0604030504040204" pitchFamily="34" charset="-120"/>
-              <a:ea typeface="微軟正黑體" panose="020B0604030504040204" pitchFamily="34" charset="-120"/>
-            </a:endParaRPr>
-          </a:p>
-          <a:p>
-            <a:pPr marL="514350" indent="-514350">
-              <a:buFont typeface="+mj-lt"/>
-              <a:buAutoNum type="arabicPeriod"/>
-            </a:pPr>
+              <a:t>戴碩廷</a:t>
+            </a:r>
+            <a:r>
+              <a:rPr lang="en-US" altLang="zh-TW" dirty="0" smtClean="0">
+                <a:latin typeface="微軟正黑體" panose="020B0604030504040204" pitchFamily="34" charset="-120"/>
+                <a:ea typeface="微軟正黑體" panose="020B0604030504040204" pitchFamily="34" charset="-120"/>
+              </a:rPr>
+              <a:t>:</a:t>
+            </a:r>
             <a:r>
               <a:rPr lang="zh-TW" altLang="en-US" dirty="0" smtClean="0">
                 <a:latin typeface="微軟正黑體" panose="020B0604030504040204" pitchFamily="34" charset="-120"/>
                 <a:ea typeface="微軟正黑體" panose="020B0604030504040204" pitchFamily="34" charset="-120"/>
               </a:rPr>
-              <a:t>「</a:t>
-            </a:r>
-            <a:r>
-              <a:rPr lang="zh-TW" altLang="en-US" dirty="0" smtClean="0">
-                <a:solidFill>
-                  <a:schemeClr val="accent2">
-                    <a:lumMod val="50000"/>
-                  </a:schemeClr>
-                </a:solidFill>
-                <a:latin typeface="微軟正黑體" panose="020B0604030504040204" pitchFamily="34" charset="-120"/>
-                <a:ea typeface="微軟正黑體" panose="020B0604030504040204" pitchFamily="34" charset="-120"/>
-              </a:rPr>
-              <a:t>意見回饋</a:t>
-            </a:r>
-            <a:r>
-              <a:rPr lang="zh-TW" altLang="en-US" dirty="0" smtClean="0">
-                <a:latin typeface="微軟正黑體" panose="020B0604030504040204" pitchFamily="34" charset="-120"/>
-                <a:ea typeface="微軟正黑體" panose="020B0604030504040204" pitchFamily="34" charset="-120"/>
-              </a:rPr>
-              <a:t>」頁面會將資料送出到</a:t>
-            </a:r>
-            <a:r>
-              <a:rPr lang="en-US" altLang="zh-TW" dirty="0" smtClean="0">
-                <a:latin typeface="微軟正黑體" panose="020B0604030504040204" pitchFamily="34" charset="-120"/>
-                <a:ea typeface="微軟正黑體" panose="020B0604030504040204" pitchFamily="34" charset="-120"/>
-              </a:rPr>
-              <a:t>google</a:t>
-            </a:r>
-            <a:r>
-              <a:rPr lang="zh-TW" altLang="en-US" dirty="0" smtClean="0">
-                <a:latin typeface="微軟正黑體" panose="020B0604030504040204" pitchFamily="34" charset="-120"/>
-                <a:ea typeface="微軟正黑體" panose="020B0604030504040204" pitchFamily="34" charset="-120"/>
-              </a:rPr>
-              <a:t>。</a:t>
+              <a:t>訂購、意見回饋、修圖</a:t>
             </a:r>
             <a:endParaRPr lang="en-US" altLang="zh-TW" dirty="0" smtClean="0">
               <a:latin typeface="微軟正黑體" panose="020B0604030504040204" pitchFamily="34" charset="-120"/>
@@ -4392,171 +4461,38 @@
             </a:endParaRPr>
           </a:p>
           <a:p>
-            <a:pPr marL="514350" indent="-514350">
-              <a:buFont typeface="+mj-lt"/>
-              <a:buAutoNum type="arabicPeriod"/>
-            </a:pPr>
-            <a:r>
-              <a:rPr lang="zh-TW" altLang="en-US" dirty="0">
-                <a:latin typeface="微軟正黑體" panose="020B0604030504040204" pitchFamily="34" charset="-120"/>
-                <a:ea typeface="微軟正黑體" panose="020B0604030504040204" pitchFamily="34" charset="-120"/>
-              </a:rPr>
-              <a:t>「</a:t>
-            </a:r>
-            <a:r>
-              <a:rPr lang="zh-TW" altLang="en-US" dirty="0">
-                <a:solidFill>
-                  <a:schemeClr val="accent2">
-                    <a:lumMod val="50000"/>
-                  </a:schemeClr>
-                </a:solidFill>
-                <a:latin typeface="微軟正黑體" panose="020B0604030504040204" pitchFamily="34" charset="-120"/>
-                <a:ea typeface="微軟正黑體" panose="020B0604030504040204" pitchFamily="34" charset="-120"/>
-              </a:rPr>
-              <a:t>訂購</a:t>
-            </a:r>
-            <a:r>
-              <a:rPr lang="zh-TW" altLang="en-US" dirty="0">
-                <a:latin typeface="微軟正黑體" panose="020B0604030504040204" pitchFamily="34" charset="-120"/>
-                <a:ea typeface="微軟正黑體" panose="020B0604030504040204" pitchFamily="34" charset="-120"/>
-              </a:rPr>
-              <a:t>」頁面按下</a:t>
-            </a:r>
-            <a:r>
-              <a:rPr lang="en-US" altLang="zh-TW" dirty="0">
-                <a:latin typeface="微軟正黑體" panose="020B0604030504040204" pitchFamily="34" charset="-120"/>
-                <a:ea typeface="微軟正黑體" panose="020B0604030504040204" pitchFamily="34" charset="-120"/>
-              </a:rPr>
-              <a:t>+</a:t>
-            </a:r>
-            <a:r>
-              <a:rPr lang="zh-TW" altLang="en-US" dirty="0">
-                <a:latin typeface="微軟正黑體" panose="020B0604030504040204" pitchFamily="34" charset="-120"/>
-                <a:ea typeface="微軟正黑體" panose="020B0604030504040204" pitchFamily="34" charset="-120"/>
-              </a:rPr>
-              <a:t>號可新增下拉選單。</a:t>
-            </a:r>
-            <a:endParaRPr lang="en-US" altLang="zh-TW" dirty="0">
+            <a:r>
+              <a:rPr lang="zh-TW" altLang="en-US" dirty="0" smtClean="0">
+                <a:latin typeface="微軟正黑體" panose="020B0604030504040204" pitchFamily="34" charset="-120"/>
+                <a:ea typeface="微軟正黑體" panose="020B0604030504040204" pitchFamily="34" charset="-120"/>
+              </a:rPr>
+              <a:t>郭家佑</a:t>
+            </a:r>
+            <a:r>
+              <a:rPr lang="en-US" altLang="zh-TW" dirty="0" smtClean="0">
+                <a:latin typeface="微軟正黑體" panose="020B0604030504040204" pitchFamily="34" charset="-120"/>
+                <a:ea typeface="微軟正黑體" panose="020B0604030504040204" pitchFamily="34" charset="-120"/>
+              </a:rPr>
+              <a:t>:</a:t>
+            </a:r>
+            <a:r>
+              <a:rPr lang="zh-TW" altLang="en-US" dirty="0" smtClean="0">
+                <a:latin typeface="微軟正黑體" panose="020B0604030504040204" pitchFamily="34" charset="-120"/>
+                <a:ea typeface="微軟正黑體" panose="020B0604030504040204" pitchFamily="34" charset="-120"/>
+              </a:rPr>
+              <a:t>主頁</a:t>
+            </a:r>
+            <a:endParaRPr lang="zh-TW" altLang="en-US" dirty="0">
               <a:latin typeface="微軟正黑體" panose="020B0604030504040204" pitchFamily="34" charset="-120"/>
               <a:ea typeface="微軟正黑體" panose="020B0604030504040204" pitchFamily="34" charset="-120"/>
             </a:endParaRPr>
           </a:p>
-          <a:p>
-            <a:pPr marL="514350" indent="-514350">
-              <a:buFont typeface="+mj-lt"/>
-              <a:buAutoNum type="arabicPeriod"/>
-            </a:pPr>
-            <a:r>
-              <a:rPr lang="zh-TW" altLang="en-US" dirty="0" smtClean="0">
-                <a:latin typeface="微軟正黑體" panose="020B0604030504040204" pitchFamily="34" charset="-120"/>
-                <a:ea typeface="微軟正黑體" panose="020B0604030504040204" pitchFamily="34" charset="-120"/>
-              </a:rPr>
-              <a:t>「</a:t>
-            </a:r>
-            <a:r>
-              <a:rPr lang="zh-TW" altLang="en-US" dirty="0">
-                <a:solidFill>
-                  <a:schemeClr val="accent2">
-                    <a:lumMod val="50000"/>
-                  </a:schemeClr>
-                </a:solidFill>
-                <a:latin typeface="微軟正黑體" panose="020B0604030504040204" pitchFamily="34" charset="-120"/>
-                <a:ea typeface="微軟正黑體" panose="020B0604030504040204" pitchFamily="34" charset="-120"/>
-              </a:rPr>
-              <a:t>主</a:t>
-            </a:r>
-            <a:r>
-              <a:rPr lang="zh-TW" altLang="en-US" dirty="0" smtClean="0">
-                <a:solidFill>
-                  <a:schemeClr val="accent2">
-                    <a:lumMod val="50000"/>
-                  </a:schemeClr>
-                </a:solidFill>
-                <a:latin typeface="微軟正黑體" panose="020B0604030504040204" pitchFamily="34" charset="-120"/>
-                <a:ea typeface="微軟正黑體" panose="020B0604030504040204" pitchFamily="34" charset="-120"/>
-              </a:rPr>
-              <a:t>頁</a:t>
-            </a:r>
-            <a:r>
-              <a:rPr lang="zh-TW" altLang="en-US" dirty="0" smtClean="0">
-                <a:latin typeface="微軟正黑體" panose="020B0604030504040204" pitchFamily="34" charset="-120"/>
-                <a:ea typeface="微軟正黑體" panose="020B0604030504040204" pitchFamily="34" charset="-120"/>
-              </a:rPr>
-              <a:t>」頁面會將</a:t>
-            </a:r>
-            <a:r>
-              <a:rPr lang="en-US" altLang="zh-TW" dirty="0" smtClean="0">
-                <a:latin typeface="微軟正黑體" panose="020B0604030504040204" pitchFamily="34" charset="-120"/>
-                <a:ea typeface="微軟正黑體" panose="020B0604030504040204" pitchFamily="34" charset="-120"/>
-              </a:rPr>
-              <a:t>google</a:t>
-            </a:r>
-            <a:r>
-              <a:rPr lang="zh-TW" altLang="en-US" dirty="0" smtClean="0">
-                <a:latin typeface="微軟正黑體" panose="020B0604030504040204" pitchFamily="34" charset="-120"/>
-                <a:ea typeface="微軟正黑體" panose="020B0604030504040204" pitchFamily="34" charset="-120"/>
-              </a:rPr>
-              <a:t>中的資料抓下來，顯示在主頁下方的評價區。</a:t>
-            </a:r>
-            <a:endParaRPr lang="en-US" altLang="zh-TW" dirty="0" smtClean="0">
-              <a:latin typeface="微軟正黑體" panose="020B0604030504040204" pitchFamily="34" charset="-120"/>
-              <a:ea typeface="微軟正黑體" panose="020B0604030504040204" pitchFamily="34" charset="-120"/>
-            </a:endParaRPr>
-          </a:p>
-          <a:p>
-            <a:pPr marL="514350" indent="-514350">
-              <a:buFont typeface="+mj-lt"/>
-              <a:buAutoNum type="arabicPeriod"/>
-            </a:pPr>
-            <a:r>
-              <a:rPr lang="zh-TW" altLang="en-US" dirty="0" smtClean="0">
-                <a:latin typeface="微軟正黑體" panose="020B0604030504040204" pitchFamily="34" charset="-120"/>
-                <a:ea typeface="微軟正黑體" panose="020B0604030504040204" pitchFamily="34" charset="-120"/>
-              </a:rPr>
-              <a:t>「</a:t>
-            </a:r>
-            <a:r>
-              <a:rPr lang="zh-TW" altLang="en-US" dirty="0">
-                <a:solidFill>
-                  <a:schemeClr val="accent2">
-                    <a:lumMod val="50000"/>
-                  </a:schemeClr>
-                </a:solidFill>
-                <a:latin typeface="微軟正黑體" panose="020B0604030504040204" pitchFamily="34" charset="-120"/>
-                <a:ea typeface="微軟正黑體" panose="020B0604030504040204" pitchFamily="34" charset="-120"/>
-              </a:rPr>
-              <a:t>主</a:t>
-            </a:r>
-            <a:r>
-              <a:rPr lang="zh-TW" altLang="en-US" dirty="0" smtClean="0">
-                <a:solidFill>
-                  <a:schemeClr val="accent2">
-                    <a:lumMod val="50000"/>
-                  </a:schemeClr>
-                </a:solidFill>
-                <a:latin typeface="微軟正黑體" panose="020B0604030504040204" pitchFamily="34" charset="-120"/>
-                <a:ea typeface="微軟正黑體" panose="020B0604030504040204" pitchFamily="34" charset="-120"/>
-              </a:rPr>
-              <a:t>頁</a:t>
-            </a:r>
-            <a:r>
-              <a:rPr lang="zh-TW" altLang="en-US" dirty="0" smtClean="0">
-                <a:latin typeface="微軟正黑體" panose="020B0604030504040204" pitchFamily="34" charset="-120"/>
-                <a:ea typeface="微軟正黑體" panose="020B0604030504040204" pitchFamily="34" charset="-120"/>
-              </a:rPr>
-              <a:t>」下方的評價區會根據評價數增加表格欄位。</a:t>
-            </a:r>
-            <a:endParaRPr lang="en-US" altLang="zh-TW" dirty="0" smtClean="0">
-              <a:latin typeface="微軟正黑體" panose="020B0604030504040204" pitchFamily="34" charset="-120"/>
-              <a:ea typeface="微軟正黑體" panose="020B0604030504040204" pitchFamily="34" charset="-120"/>
-            </a:endParaRPr>
-          </a:p>
         </p:txBody>
       </p:sp>
     </p:spTree>
     <p:extLst>
       <p:ext uri="{BB962C8B-B14F-4D97-AF65-F5344CB8AC3E}">
-        <p14:creationId xmlns:p14="http://schemas.microsoft.com/office/powerpoint/2010/main" val="2551211300"/>
+        <p14:creationId xmlns:p14="http://schemas.microsoft.com/office/powerpoint/2010/main" val="737689713"/>
       </p:ext>
     </p:extLst>
   </p:cSld>
@@ -4606,11 +4542,18 @@
           <a:lstStyle/>
           <a:p>
             <a:r>
-              <a:rPr lang="zh-TW" altLang="en-US" dirty="0" smtClean="0">
-                <a:latin typeface="微軟正黑體" panose="020B0604030504040204" pitchFamily="34" charset="-120"/>
-                <a:ea typeface="微軟正黑體" panose="020B0604030504040204" pitchFamily="34" charset="-120"/>
-              </a:rPr>
-              <a:t>分工</a:t>
+              <a:rPr lang="en-US" altLang="zh-TW" dirty="0" err="1" smtClean="0">
+                <a:latin typeface="微軟正黑體" panose="020B0604030504040204" pitchFamily="34" charset="-120"/>
+                <a:ea typeface="微軟正黑體" panose="020B0604030504040204" pitchFamily="34" charset="-120"/>
+              </a:rPr>
+              <a:t>Git</a:t>
+            </a:r>
+            <a:r>
+              <a:rPr lang="en-US" altLang="zh-TW" dirty="0" smtClean="0">
+                <a:latin typeface="微軟正黑體" panose="020B0604030504040204" pitchFamily="34" charset="-120"/>
+                <a:ea typeface="微軟正黑體" panose="020B0604030504040204" pitchFamily="34" charset="-120"/>
+              </a:rPr>
+              <a:t> flow</a:t>
             </a:r>
             <a:endParaRPr lang="zh-TW" altLang="en-US" dirty="0">
               <a:latin typeface="微軟正黑體" panose="020B0604030504040204" pitchFamily="34" charset="-120"/>
@@ -4634,92 +4577,38 @@
           <a:bodyPr/>
           <a:lstStyle/>
           <a:p>
-            <a:r>
-              <a:rPr lang="zh-TW" altLang="en-US" dirty="0" smtClean="0">
-                <a:latin typeface="微軟正黑體" panose="020B0604030504040204" pitchFamily="34" charset="-120"/>
-                <a:ea typeface="微軟正黑體" panose="020B0604030504040204" pitchFamily="34" charset="-120"/>
-              </a:rPr>
-              <a:t>賴威錩</a:t>
-            </a:r>
-            <a:r>
-              <a:rPr lang="en-US" altLang="zh-TW" dirty="0" smtClean="0">
-                <a:latin typeface="微軟正黑體" panose="020B0604030504040204" pitchFamily="34" charset="-120"/>
-                <a:ea typeface="微軟正黑體" panose="020B0604030504040204" pitchFamily="34" charset="-120"/>
-              </a:rPr>
-              <a:t>:</a:t>
-            </a:r>
-            <a:r>
-              <a:rPr lang="zh-TW" altLang="en-US" dirty="0" smtClean="0">
-                <a:latin typeface="微軟正黑體" panose="020B0604030504040204" pitchFamily="34" charset="-120"/>
-                <a:ea typeface="微軟正黑體" panose="020B0604030504040204" pitchFamily="34" charset="-120"/>
-              </a:rPr>
-              <a:t>菜單、雲端資料管理、神</a:t>
-            </a:r>
-            <a:endParaRPr lang="en-US" altLang="zh-TW" dirty="0" smtClean="0">
-              <a:latin typeface="微軟正黑體" panose="020B0604030504040204" pitchFamily="34" charset="-120"/>
-              <a:ea typeface="微軟正黑體" panose="020B0604030504040204" pitchFamily="34" charset="-120"/>
-            </a:endParaRPr>
-          </a:p>
-          <a:p>
-            <a:r>
-              <a:rPr lang="zh-TW" altLang="en-US" dirty="0" smtClean="0">
-                <a:latin typeface="微軟正黑體" panose="020B0604030504040204" pitchFamily="34" charset="-120"/>
-                <a:ea typeface="微軟正黑體" panose="020B0604030504040204" pitchFamily="34" charset="-120"/>
-              </a:rPr>
-              <a:t>戴碩廷</a:t>
-            </a:r>
-            <a:r>
-              <a:rPr lang="en-US" altLang="zh-TW" dirty="0" smtClean="0">
-                <a:latin typeface="微軟正黑體" panose="020B0604030504040204" pitchFamily="34" charset="-120"/>
-                <a:ea typeface="微軟正黑體" panose="020B0604030504040204" pitchFamily="34" charset="-120"/>
-              </a:rPr>
-              <a:t>:</a:t>
-            </a:r>
-            <a:r>
-              <a:rPr lang="zh-TW" altLang="en-US" dirty="0" smtClean="0">
-                <a:latin typeface="微軟正黑體" panose="020B0604030504040204" pitchFamily="34" charset="-120"/>
-                <a:ea typeface="微軟正黑體" panose="020B0604030504040204" pitchFamily="34" charset="-120"/>
-              </a:rPr>
-              <a:t>訂購、意見回饋、修圖</a:t>
-            </a:r>
-            <a:endParaRPr lang="en-US" altLang="zh-TW" dirty="0" smtClean="0">
-              <a:latin typeface="微軟正黑體" panose="020B0604030504040204" pitchFamily="34" charset="-120"/>
-              <a:ea typeface="微軟正黑體" panose="020B0604030504040204" pitchFamily="34" charset="-120"/>
-            </a:endParaRPr>
-          </a:p>
-          <a:p>
-            <a:r>
-              <a:rPr lang="zh-TW" altLang="en-US" dirty="0" smtClean="0">
-                <a:latin typeface="微軟正黑體" panose="020B0604030504040204" pitchFamily="34" charset="-120"/>
-                <a:ea typeface="微軟正黑體" panose="020B0604030504040204" pitchFamily="34" charset="-120"/>
-              </a:rPr>
-              <a:t>郭家佑</a:t>
-            </a:r>
-            <a:r>
-              <a:rPr lang="en-US" altLang="zh-TW" dirty="0" smtClean="0">
-                <a:latin typeface="微軟正黑體" panose="020B0604030504040204" pitchFamily="34" charset="-120"/>
-                <a:ea typeface="微軟正黑體" panose="020B0604030504040204" pitchFamily="34" charset="-120"/>
-              </a:rPr>
-              <a:t>:</a:t>
-            </a:r>
-            <a:r>
-              <a:rPr lang="zh-TW" altLang="en-US" dirty="0" smtClean="0">
-                <a:latin typeface="微軟正黑體" panose="020B0604030504040204" pitchFamily="34" charset="-120"/>
-                <a:ea typeface="微軟正黑體" panose="020B0604030504040204" pitchFamily="34" charset="-120"/>
-              </a:rPr>
-              <a:t>主頁</a:t>
-            </a:r>
-            <a:endParaRPr lang="zh-TW" altLang="en-US" dirty="0">
-              <a:latin typeface="微軟正黑體" panose="020B0604030504040204" pitchFamily="34" charset="-120"/>
-              <a:ea typeface="微軟正黑體" panose="020B0604030504040204" pitchFamily="34" charset="-120"/>
-            </a:endParaRPr>
-          </a:p>
-        </p:txBody>
-      </p:sp>
+            <a:endParaRPr lang="zh-TW" altLang="en-US" dirty="0"/>
+          </a:p>
+        </p:txBody>
+      </p:sp>
+      <p:pic>
+        <p:nvPicPr>
+          <p:cNvPr id="5" name="圖片 4"/>
+          <p:cNvPicPr>
+            <a:picLocks noChangeAspect="1"/>
+          </p:cNvPicPr>
+          <p:nvPr/>
+        </p:nvPicPr>
+        <p:blipFill>
+          <a:blip r:embed="rId2"/>
+          <a:stretch>
+            <a:fillRect/>
+          </a:stretch>
+        </p:blipFill>
+        <p:spPr>
+          <a:xfrm>
+            <a:off x="5062888" y="-85337"/>
+            <a:ext cx="3171474" cy="6943338"/>
+          </a:xfrm>
+          <a:prstGeom prst="rect">
+            <a:avLst/>
+          </a:prstGeom>
+        </p:spPr>
+      </p:pic>
     </p:spTree>
     <p:extLst>
       <p:ext uri="{BB962C8B-B14F-4D97-AF65-F5344CB8AC3E}">
-        <p14:creationId xmlns:p14="http://schemas.microsoft.com/office/powerpoint/2010/main" val="737689713"/>
+        <p14:creationId xmlns:p14="http://schemas.microsoft.com/office/powerpoint/2010/main" val="2785799782"/>
       </p:ext>
     </p:extLst>
   </p:cSld>

--- a/ppt.pptx
+++ b/ppt.pptx
@@ -11,9 +11,10 @@
     <p:sldId id="266" r:id="rId5"/>
     <p:sldId id="263" r:id="rId6"/>
     <p:sldId id="265" r:id="rId7"/>
-    <p:sldId id="258" r:id="rId8"/>
-    <p:sldId id="257" r:id="rId9"/>
-    <p:sldId id="264" r:id="rId10"/>
+    <p:sldId id="267" r:id="rId8"/>
+    <p:sldId id="258" r:id="rId9"/>
+    <p:sldId id="257" r:id="rId10"/>
+    <p:sldId id="264" r:id="rId11"/>
   </p:sldIdLst>
   <p:sldSz cx="12192000" cy="6858000"/>
   <p:notesSz cx="6858000" cy="9144000"/>
@@ -251,7 +252,7 @@
           <a:p>
             <a:fld id="{AD467FC5-1A79-4BE5-82F7-D49BD3C76B57}" type="datetimeFigureOut">
               <a:rPr lang="zh-TW" altLang="en-US" smtClean="0"/>
-              <a:t>2019/4/17</a:t>
+              <a:t>2019/4/18</a:t>
             </a:fld>
             <a:endParaRPr lang="zh-TW" altLang="en-US"/>
           </a:p>
@@ -421,7 +422,7 @@
           <a:p>
             <a:fld id="{AD467FC5-1A79-4BE5-82F7-D49BD3C76B57}" type="datetimeFigureOut">
               <a:rPr lang="zh-TW" altLang="en-US" smtClean="0"/>
-              <a:t>2019/4/17</a:t>
+              <a:t>2019/4/18</a:t>
             </a:fld>
             <a:endParaRPr lang="zh-TW" altLang="en-US"/>
           </a:p>
@@ -601,7 +602,7 @@
           <a:p>
             <a:fld id="{AD467FC5-1A79-4BE5-82F7-D49BD3C76B57}" type="datetimeFigureOut">
               <a:rPr lang="zh-TW" altLang="en-US" smtClean="0"/>
-              <a:t>2019/4/17</a:t>
+              <a:t>2019/4/18</a:t>
             </a:fld>
             <a:endParaRPr lang="zh-TW" altLang="en-US"/>
           </a:p>
@@ -771,7 +772,7 @@
           <a:p>
             <a:fld id="{AD467FC5-1A79-4BE5-82F7-D49BD3C76B57}" type="datetimeFigureOut">
               <a:rPr lang="zh-TW" altLang="en-US" smtClean="0"/>
-              <a:t>2019/4/17</a:t>
+              <a:t>2019/4/18</a:t>
             </a:fld>
             <a:endParaRPr lang="zh-TW" altLang="en-US"/>
           </a:p>
@@ -1017,7 +1018,7 @@
           <a:p>
             <a:fld id="{AD467FC5-1A79-4BE5-82F7-D49BD3C76B57}" type="datetimeFigureOut">
               <a:rPr lang="zh-TW" altLang="en-US" smtClean="0"/>
-              <a:t>2019/4/17</a:t>
+              <a:t>2019/4/18</a:t>
             </a:fld>
             <a:endParaRPr lang="zh-TW" altLang="en-US"/>
           </a:p>
@@ -1249,7 +1250,7 @@
           <a:p>
             <a:fld id="{AD467FC5-1A79-4BE5-82F7-D49BD3C76B57}" type="datetimeFigureOut">
               <a:rPr lang="zh-TW" altLang="en-US" smtClean="0"/>
-              <a:t>2019/4/17</a:t>
+              <a:t>2019/4/18</a:t>
             </a:fld>
             <a:endParaRPr lang="zh-TW" altLang="en-US"/>
           </a:p>
@@ -1616,7 +1617,7 @@
           <a:p>
             <a:fld id="{AD467FC5-1A79-4BE5-82F7-D49BD3C76B57}" type="datetimeFigureOut">
               <a:rPr lang="zh-TW" altLang="en-US" smtClean="0"/>
-              <a:t>2019/4/17</a:t>
+              <a:t>2019/4/18</a:t>
             </a:fld>
             <a:endParaRPr lang="zh-TW" altLang="en-US"/>
           </a:p>
@@ -1734,7 +1735,7 @@
           <a:p>
             <a:fld id="{AD467FC5-1A79-4BE5-82F7-D49BD3C76B57}" type="datetimeFigureOut">
               <a:rPr lang="zh-TW" altLang="en-US" smtClean="0"/>
-              <a:t>2019/4/17</a:t>
+              <a:t>2019/4/18</a:t>
             </a:fld>
             <a:endParaRPr lang="zh-TW" altLang="en-US"/>
           </a:p>
@@ -1829,7 +1830,7 @@
           <a:p>
             <a:fld id="{AD467FC5-1A79-4BE5-82F7-D49BD3C76B57}" type="datetimeFigureOut">
               <a:rPr lang="zh-TW" altLang="en-US" smtClean="0"/>
-              <a:t>2019/4/17</a:t>
+              <a:t>2019/4/18</a:t>
             </a:fld>
             <a:endParaRPr lang="zh-TW" altLang="en-US"/>
           </a:p>
@@ -2106,7 +2107,7 @@
           <a:p>
             <a:fld id="{AD467FC5-1A79-4BE5-82F7-D49BD3C76B57}" type="datetimeFigureOut">
               <a:rPr lang="zh-TW" altLang="en-US" smtClean="0"/>
-              <a:t>2019/4/17</a:t>
+              <a:t>2019/4/18</a:t>
             </a:fld>
             <a:endParaRPr lang="zh-TW" altLang="en-US"/>
           </a:p>
@@ -2359,7 +2360,7 @@
           <a:p>
             <a:fld id="{AD467FC5-1A79-4BE5-82F7-D49BD3C76B57}" type="datetimeFigureOut">
               <a:rPr lang="zh-TW" altLang="en-US" smtClean="0"/>
-              <a:t>2019/4/17</a:t>
+              <a:t>2019/4/18</a:t>
             </a:fld>
             <a:endParaRPr lang="zh-TW" altLang="en-US"/>
           </a:p>
@@ -2572,7 +2573,7 @@
           <a:p>
             <a:fld id="{AD467FC5-1A79-4BE5-82F7-D49BD3C76B57}" type="datetimeFigureOut">
               <a:rPr lang="zh-TW" altLang="en-US" smtClean="0"/>
-              <a:t>2019/4/17</a:t>
+              <a:t>2019/4/18</a:t>
             </a:fld>
             <a:endParaRPr lang="zh-TW" altLang="en-US"/>
           </a:p>
@@ -3117,6 +3118,122 @@
 </p:sld>
 </file>
 
+<file path=ppt/slides/slide10.xml><?xml version="1.0" encoding="utf-8"?>
+<p:sld xmlns:a="http://schemas.openxmlformats.org/drawingml/2006/main" xmlns:r="http://schemas.openxmlformats.org/officeDocument/2006/relationships" xmlns:p="http://schemas.openxmlformats.org/presentationml/2006/main">
+  <p:cSld>
+    <p:spTree>
+      <p:nvGrpSpPr>
+        <p:cNvPr id="1" name=""/>
+        <p:cNvGrpSpPr/>
+        <p:nvPr/>
+      </p:nvGrpSpPr>
+      <p:grpSpPr>
+        <a:xfrm>
+          <a:off x="0" y="0"/>
+          <a:ext cx="0" cy="0"/>
+          <a:chOff x="0" y="0"/>
+          <a:chExt cx="0" cy="0"/>
+        </a:xfrm>
+      </p:grpSpPr>
+      <p:sp>
+        <p:nvSpPr>
+          <p:cNvPr id="2" name="標題 1"/>
+          <p:cNvSpPr>
+            <a:spLocks noGrp="1"/>
+          </p:cNvSpPr>
+          <p:nvPr>
+            <p:ph type="title"/>
+          </p:nvPr>
+        </p:nvSpPr>
+        <p:spPr/>
+        <p:txBody>
+          <a:bodyPr/>
+          <a:lstStyle/>
+          <a:p>
+            <a:r>
+              <a:rPr lang="en-US" altLang="zh-TW" dirty="0" err="1" smtClean="0">
+                <a:latin typeface="微軟正黑體" panose="020B0604030504040204" pitchFamily="34" charset="-120"/>
+                <a:ea typeface="微軟正黑體" panose="020B0604030504040204" pitchFamily="34" charset="-120"/>
+              </a:rPr>
+              <a:t>Git</a:t>
+            </a:r>
+            <a:r>
+              <a:rPr lang="en-US" altLang="zh-TW" dirty="0" smtClean="0">
+                <a:latin typeface="微軟正黑體" panose="020B0604030504040204" pitchFamily="34" charset="-120"/>
+                <a:ea typeface="微軟正黑體" panose="020B0604030504040204" pitchFamily="34" charset="-120"/>
+              </a:rPr>
+              <a:t> flow</a:t>
+            </a:r>
+            <a:endParaRPr lang="zh-TW" altLang="en-US" dirty="0">
+              <a:latin typeface="微軟正黑體" panose="020B0604030504040204" pitchFamily="34" charset="-120"/>
+              <a:ea typeface="微軟正黑體" panose="020B0604030504040204" pitchFamily="34" charset="-120"/>
+            </a:endParaRPr>
+          </a:p>
+        </p:txBody>
+      </p:sp>
+      <p:sp>
+        <p:nvSpPr>
+          <p:cNvPr id="3" name="內容版面配置區 2"/>
+          <p:cNvSpPr>
+            <a:spLocks noGrp="1"/>
+          </p:cNvSpPr>
+          <p:nvPr>
+            <p:ph idx="1"/>
+          </p:nvPr>
+        </p:nvSpPr>
+        <p:spPr/>
+        <p:txBody>
+          <a:bodyPr/>
+          <a:lstStyle/>
+          <a:p>
+            <a:endParaRPr lang="zh-TW" altLang="en-US" dirty="0"/>
+          </a:p>
+        </p:txBody>
+      </p:sp>
+      <p:pic>
+        <p:nvPicPr>
+          <p:cNvPr id="5" name="圖片 4"/>
+          <p:cNvPicPr>
+            <a:picLocks noChangeAspect="1"/>
+          </p:cNvPicPr>
+          <p:nvPr/>
+        </p:nvPicPr>
+        <p:blipFill>
+          <a:blip r:embed="rId2"/>
+          <a:stretch>
+            <a:fillRect/>
+          </a:stretch>
+        </p:blipFill>
+        <p:spPr>
+          <a:xfrm>
+            <a:off x="5062888" y="-85337"/>
+            <a:ext cx="3171474" cy="6943338"/>
+          </a:xfrm>
+          <a:prstGeom prst="rect">
+            <a:avLst/>
+          </a:prstGeom>
+        </p:spPr>
+      </p:pic>
+    </p:spTree>
+    <p:extLst>
+      <p:ext uri="{BB962C8B-B14F-4D97-AF65-F5344CB8AC3E}">
+        <p14:creationId xmlns:p14="http://schemas.microsoft.com/office/powerpoint/2010/main" val="2785799782"/>
+      </p:ext>
+    </p:extLst>
+  </p:cSld>
+  <p:clrMapOvr>
+    <a:masterClrMapping/>
+  </p:clrMapOvr>
+  <p:timing>
+    <p:tnLst>
+      <p:par>
+        <p:cTn id="1" dur="indefinite" restart="never" nodeType="tmRoot"/>
+      </p:par>
+    </p:tnLst>
+  </p:timing>
+</p:sld>
+</file>
+
 <file path=ppt/slides/slide2.xml><?xml version="1.0" encoding="utf-8"?>
 <p:sld xmlns:a="http://schemas.openxmlformats.org/drawingml/2006/main" xmlns:r="http://schemas.openxmlformats.org/officeDocument/2006/relationships" xmlns:p="http://schemas.openxmlformats.org/presentationml/2006/main">
   <p:cSld>
@@ -3973,7 +4090,7 @@
       </p:grpSpPr>
       <p:sp>
         <p:nvSpPr>
-          <p:cNvPr id="2" name="標題 1"/>
+          <p:cNvPr id="9" name="標題 1"/>
           <p:cNvSpPr>
             <a:spLocks noGrp="1"/>
           </p:cNvSpPr>
@@ -3981,7 +4098,12 @@
             <p:ph type="title"/>
           </p:nvPr>
         </p:nvSpPr>
-        <p:spPr/>
+        <p:spPr>
+          <a:xfrm>
+            <a:off x="838200" y="365125"/>
+            <a:ext cx="10515600" cy="1325563"/>
+          </a:xfrm>
+        </p:spPr>
         <p:txBody>
           <a:bodyPr/>
           <a:lstStyle/>
@@ -3991,7 +4113,7 @@
                 <a:latin typeface="微軟正黑體" panose="020B0604030504040204" pitchFamily="34" charset="-120"/>
                 <a:ea typeface="微軟正黑體" panose="020B0604030504040204" pitchFamily="34" charset="-120"/>
               </a:rPr>
-              <a:t>程式</a:t>
+              <a:t>設計</a:t>
             </a:r>
             <a:endParaRPr lang="zh-TW" altLang="en-US" dirty="0">
               <a:latin typeface="微軟正黑體" panose="020B0604030504040204" pitchFamily="34" charset="-120"/>
@@ -4002,7 +4124,7 @@
       </p:sp>
       <p:sp>
         <p:nvSpPr>
-          <p:cNvPr id="3" name="內容版面配置區 2"/>
+          <p:cNvPr id="10" name="內容版面配置區 2"/>
           <p:cNvSpPr>
             <a:spLocks noGrp="1"/>
           </p:cNvSpPr>
@@ -4010,326 +4132,71 @@
             <p:ph idx="1"/>
           </p:nvPr>
         </p:nvSpPr>
-        <p:spPr/>
-        <p:txBody>
-          <a:bodyPr>
-            <a:normAutofit/>
-          </a:bodyPr>
-          <a:lstStyle/>
-          <a:p>
-            <a:pPr marL="514350" indent="-514350">
-              <a:buFont typeface="+mj-lt"/>
-              <a:buAutoNum type="arabicPeriod"/>
-            </a:pPr>
+        <p:spPr>
+          <a:xfrm>
+            <a:off x="838200" y="1825625"/>
+            <a:ext cx="5750134" cy="4351338"/>
+          </a:xfrm>
+        </p:spPr>
+        <p:txBody>
+          <a:bodyPr/>
+          <a:lstStyle/>
+          <a:p>
             <a:r>
               <a:rPr lang="zh-TW" altLang="en-US" dirty="0" smtClean="0">
                 <a:latin typeface="微軟正黑體" panose="020B0604030504040204" pitchFamily="34" charset="-120"/>
                 <a:ea typeface="微軟正黑體" panose="020B0604030504040204" pitchFamily="34" charset="-120"/>
               </a:rPr>
-              <a:t>「</a:t>
-            </a:r>
-            <a:r>
-              <a:rPr lang="zh-TW" altLang="en-US" dirty="0" smtClean="0">
-                <a:solidFill>
-                  <a:schemeClr val="accent2">
-                    <a:lumMod val="50000"/>
-                  </a:schemeClr>
-                </a:solidFill>
-                <a:latin typeface="微軟正黑體" panose="020B0604030504040204" pitchFamily="34" charset="-120"/>
-                <a:ea typeface="微軟正黑體" panose="020B0604030504040204" pitchFamily="34" charset="-120"/>
-              </a:rPr>
-              <a:t>菜單</a:t>
-            </a:r>
-            <a:r>
-              <a:rPr lang="zh-TW" altLang="en-US" dirty="0" smtClean="0">
-                <a:latin typeface="微軟正黑體" panose="020B0604030504040204" pitchFamily="34" charset="-120"/>
-                <a:ea typeface="微軟正黑體" panose="020B0604030504040204" pitchFamily="34" charset="-120"/>
-              </a:rPr>
-              <a:t>」頁面，滑鼠滑過圖片會旋轉。</a:t>
+              <a:t>尺寸標</a:t>
+            </a:r>
+            <a:r>
+              <a:rPr lang="zh-TW" altLang="en-US" dirty="0">
+                <a:latin typeface="微軟正黑體" panose="020B0604030504040204" pitchFamily="34" charset="-120"/>
+                <a:ea typeface="微軟正黑體" panose="020B0604030504040204" pitchFamily="34" charset="-120"/>
+              </a:rPr>
+              <a:t>示</a:t>
             </a:r>
             <a:endParaRPr lang="en-US" altLang="zh-TW" dirty="0" smtClean="0">
               <a:latin typeface="微軟正黑體" panose="020B0604030504040204" pitchFamily="34" charset="-120"/>
               <a:ea typeface="微軟正黑體" panose="020B0604030504040204" pitchFamily="34" charset="-120"/>
             </a:endParaRPr>
           </a:p>
-          <a:p>
-            <a:pPr marL="514350" indent="-514350">
-              <a:buFont typeface="+mj-lt"/>
-              <a:buAutoNum type="arabicPeriod"/>
-            </a:pPr>
-            <a:r>
-              <a:rPr lang="zh-TW" altLang="en-US" dirty="0">
-                <a:latin typeface="微軟正黑體" panose="020B0604030504040204" pitchFamily="34" charset="-120"/>
-                <a:ea typeface="微軟正黑體" panose="020B0604030504040204" pitchFamily="34" charset="-120"/>
-              </a:rPr>
-              <a:t>「</a:t>
-            </a:r>
-            <a:r>
-              <a:rPr lang="zh-TW" altLang="en-US" dirty="0">
-                <a:solidFill>
-                  <a:schemeClr val="accent2">
-                    <a:lumMod val="50000"/>
-                  </a:schemeClr>
-                </a:solidFill>
-                <a:latin typeface="微軟正黑體" panose="020B0604030504040204" pitchFamily="34" charset="-120"/>
-                <a:ea typeface="微軟正黑體" panose="020B0604030504040204" pitchFamily="34" charset="-120"/>
-              </a:rPr>
-              <a:t>訂購</a:t>
-            </a:r>
-            <a:r>
-              <a:rPr lang="zh-TW" altLang="en-US" dirty="0">
-                <a:latin typeface="微軟正黑體" panose="020B0604030504040204" pitchFamily="34" charset="-120"/>
-                <a:ea typeface="微軟正黑體" panose="020B0604030504040204" pitchFamily="34" charset="-120"/>
-              </a:rPr>
-              <a:t>」及「</a:t>
-            </a:r>
-            <a:r>
-              <a:rPr lang="zh-TW" altLang="en-US" dirty="0">
-                <a:solidFill>
-                  <a:schemeClr val="accent2">
-                    <a:lumMod val="50000"/>
-                  </a:schemeClr>
-                </a:solidFill>
-                <a:latin typeface="微軟正黑體" panose="020B0604030504040204" pitchFamily="34" charset="-120"/>
-                <a:ea typeface="微軟正黑體" panose="020B0604030504040204" pitchFamily="34" charset="-120"/>
-              </a:rPr>
-              <a:t>意見回饋</a:t>
-            </a:r>
-            <a:r>
-              <a:rPr lang="zh-TW" altLang="en-US" dirty="0">
-                <a:latin typeface="微軟正黑體" panose="020B0604030504040204" pitchFamily="34" charset="-120"/>
-                <a:ea typeface="微軟正黑體" panose="020B0604030504040204" pitchFamily="34" charset="-120"/>
-              </a:rPr>
-              <a:t>」頁面，下拉選單有很酷的特效</a:t>
-            </a:r>
-            <a:r>
-              <a:rPr lang="zh-TW" altLang="en-US" dirty="0" smtClean="0">
-                <a:latin typeface="微軟正黑體" panose="020B0604030504040204" pitchFamily="34" charset="-120"/>
-                <a:ea typeface="微軟正黑體" panose="020B0604030504040204" pitchFamily="34" charset="-120"/>
-              </a:rPr>
-              <a:t>。</a:t>
-            </a:r>
-            <a:endParaRPr lang="en-US" altLang="zh-TW" dirty="0">
-              <a:latin typeface="微軟正黑體" panose="020B0604030504040204" pitchFamily="34" charset="-120"/>
-              <a:ea typeface="微軟正黑體" panose="020B0604030504040204" pitchFamily="34" charset="-120"/>
-            </a:endParaRPr>
-          </a:p>
-          <a:p>
-            <a:pPr marL="514350" indent="-514350">
-              <a:buFont typeface="+mj-lt"/>
-              <a:buAutoNum type="arabicPeriod"/>
-            </a:pPr>
-            <a:r>
-              <a:rPr lang="zh-TW" altLang="en-US" dirty="0" smtClean="0">
-                <a:latin typeface="微軟正黑體" panose="020B0604030504040204" pitchFamily="34" charset="-120"/>
-                <a:ea typeface="微軟正黑體" panose="020B0604030504040204" pitchFamily="34" charset="-120"/>
-              </a:rPr>
-              <a:t>「</a:t>
-            </a:r>
-            <a:r>
-              <a:rPr lang="zh-TW" altLang="en-US" dirty="0" smtClean="0">
-                <a:solidFill>
-                  <a:schemeClr val="accent2">
-                    <a:lumMod val="50000"/>
-                  </a:schemeClr>
-                </a:solidFill>
-                <a:latin typeface="微軟正黑體" panose="020B0604030504040204" pitchFamily="34" charset="-120"/>
-                <a:ea typeface="微軟正黑體" panose="020B0604030504040204" pitchFamily="34" charset="-120"/>
-              </a:rPr>
-              <a:t>意見回饋</a:t>
-            </a:r>
-            <a:r>
-              <a:rPr lang="zh-TW" altLang="en-US" dirty="0" smtClean="0">
-                <a:latin typeface="微軟正黑體" panose="020B0604030504040204" pitchFamily="34" charset="-120"/>
-                <a:ea typeface="微軟正黑體" panose="020B0604030504040204" pitchFamily="34" charset="-120"/>
-              </a:rPr>
-              <a:t>」頁面會將資料送出到</a:t>
-            </a:r>
-            <a:r>
-              <a:rPr lang="en-US" altLang="zh-TW" dirty="0" smtClean="0">
-                <a:latin typeface="微軟正黑體" panose="020B0604030504040204" pitchFamily="34" charset="-120"/>
-                <a:ea typeface="微軟正黑體" panose="020B0604030504040204" pitchFamily="34" charset="-120"/>
-              </a:rPr>
-              <a:t>google</a:t>
-            </a:r>
-            <a:r>
-              <a:rPr lang="zh-TW" altLang="en-US" dirty="0" smtClean="0">
-                <a:latin typeface="微軟正黑體" panose="020B0604030504040204" pitchFamily="34" charset="-120"/>
-                <a:ea typeface="微軟正黑體" panose="020B0604030504040204" pitchFamily="34" charset="-120"/>
-              </a:rPr>
-              <a:t>。</a:t>
-            </a:r>
-            <a:endParaRPr lang="en-US" altLang="zh-TW" dirty="0" smtClean="0">
-              <a:latin typeface="微軟正黑體" panose="020B0604030504040204" pitchFamily="34" charset="-120"/>
-              <a:ea typeface="微軟正黑體" panose="020B0604030504040204" pitchFamily="34" charset="-120"/>
-            </a:endParaRPr>
-          </a:p>
-          <a:p>
-            <a:pPr marL="514350" indent="-514350">
-              <a:buFont typeface="+mj-lt"/>
-              <a:buAutoNum type="arabicPeriod"/>
-            </a:pPr>
-            <a:r>
-              <a:rPr lang="zh-TW" altLang="en-US" dirty="0">
-                <a:latin typeface="微軟正黑體" panose="020B0604030504040204" pitchFamily="34" charset="-120"/>
-                <a:ea typeface="微軟正黑體" panose="020B0604030504040204" pitchFamily="34" charset="-120"/>
-              </a:rPr>
-              <a:t>「</a:t>
-            </a:r>
-            <a:r>
-              <a:rPr lang="zh-TW" altLang="en-US" dirty="0">
-                <a:solidFill>
-                  <a:schemeClr val="accent2">
-                    <a:lumMod val="50000"/>
-                  </a:schemeClr>
-                </a:solidFill>
-                <a:latin typeface="微軟正黑體" panose="020B0604030504040204" pitchFamily="34" charset="-120"/>
-                <a:ea typeface="微軟正黑體" panose="020B0604030504040204" pitchFamily="34" charset="-120"/>
-              </a:rPr>
-              <a:t>訂購</a:t>
-            </a:r>
-            <a:r>
-              <a:rPr lang="zh-TW" altLang="en-US" dirty="0">
-                <a:latin typeface="微軟正黑體" panose="020B0604030504040204" pitchFamily="34" charset="-120"/>
-                <a:ea typeface="微軟正黑體" panose="020B0604030504040204" pitchFamily="34" charset="-120"/>
-              </a:rPr>
-              <a:t>」頁面按下</a:t>
-            </a:r>
-            <a:r>
-              <a:rPr lang="en-US" altLang="zh-TW" dirty="0">
-                <a:latin typeface="微軟正黑體" panose="020B0604030504040204" pitchFamily="34" charset="-120"/>
-                <a:ea typeface="微軟正黑體" panose="020B0604030504040204" pitchFamily="34" charset="-120"/>
-              </a:rPr>
-              <a:t>+</a:t>
-            </a:r>
-            <a:r>
-              <a:rPr lang="zh-TW" altLang="en-US" dirty="0">
-                <a:latin typeface="微軟正黑體" panose="020B0604030504040204" pitchFamily="34" charset="-120"/>
-                <a:ea typeface="微軟正黑體" panose="020B0604030504040204" pitchFamily="34" charset="-120"/>
-              </a:rPr>
-              <a:t>號可新增下拉選單。</a:t>
-            </a:r>
-            <a:endParaRPr lang="en-US" altLang="zh-TW" dirty="0">
-              <a:latin typeface="微軟正黑體" panose="020B0604030504040204" pitchFamily="34" charset="-120"/>
-              <a:ea typeface="微軟正黑體" panose="020B0604030504040204" pitchFamily="34" charset="-120"/>
-            </a:endParaRPr>
-          </a:p>
-          <a:p>
-            <a:pPr marL="514350" indent="-514350">
-              <a:buFont typeface="+mj-lt"/>
-              <a:buAutoNum type="arabicPeriod"/>
-            </a:pPr>
-            <a:r>
-              <a:rPr lang="zh-TW" altLang="en-US" dirty="0" smtClean="0">
-                <a:latin typeface="微軟正黑體" panose="020B0604030504040204" pitchFamily="34" charset="-120"/>
-                <a:ea typeface="微軟正黑體" panose="020B0604030504040204" pitchFamily="34" charset="-120"/>
-              </a:rPr>
-              <a:t>「</a:t>
-            </a:r>
-            <a:r>
-              <a:rPr lang="zh-TW" altLang="en-US" dirty="0">
-                <a:solidFill>
-                  <a:schemeClr val="accent2">
-                    <a:lumMod val="50000"/>
-                  </a:schemeClr>
-                </a:solidFill>
-                <a:latin typeface="微軟正黑體" panose="020B0604030504040204" pitchFamily="34" charset="-120"/>
-                <a:ea typeface="微軟正黑體" panose="020B0604030504040204" pitchFamily="34" charset="-120"/>
-              </a:rPr>
-              <a:t>主</a:t>
-            </a:r>
-            <a:r>
-              <a:rPr lang="zh-TW" altLang="en-US" dirty="0" smtClean="0">
-                <a:solidFill>
-                  <a:schemeClr val="accent2">
-                    <a:lumMod val="50000"/>
-                  </a:schemeClr>
-                </a:solidFill>
-                <a:latin typeface="微軟正黑體" panose="020B0604030504040204" pitchFamily="34" charset="-120"/>
-                <a:ea typeface="微軟正黑體" panose="020B0604030504040204" pitchFamily="34" charset="-120"/>
-              </a:rPr>
-              <a:t>頁</a:t>
-            </a:r>
-            <a:r>
-              <a:rPr lang="zh-TW" altLang="en-US" dirty="0" smtClean="0">
-                <a:latin typeface="微軟正黑體" panose="020B0604030504040204" pitchFamily="34" charset="-120"/>
-                <a:ea typeface="微軟正黑體" panose="020B0604030504040204" pitchFamily="34" charset="-120"/>
-              </a:rPr>
-              <a:t>」頁面會將</a:t>
-            </a:r>
-            <a:r>
-              <a:rPr lang="en-US" altLang="zh-TW" dirty="0" smtClean="0">
-                <a:latin typeface="微軟正黑體" panose="020B0604030504040204" pitchFamily="34" charset="-120"/>
-                <a:ea typeface="微軟正黑體" panose="020B0604030504040204" pitchFamily="34" charset="-120"/>
-              </a:rPr>
-              <a:t>google</a:t>
-            </a:r>
-            <a:r>
-              <a:rPr lang="zh-TW" altLang="en-US" dirty="0" smtClean="0">
-                <a:latin typeface="微軟正黑體" panose="020B0604030504040204" pitchFamily="34" charset="-120"/>
-                <a:ea typeface="微軟正黑體" panose="020B0604030504040204" pitchFamily="34" charset="-120"/>
-              </a:rPr>
-              <a:t>中的資料抓下來，顯示在主頁下方的評價區。</a:t>
-            </a:r>
-            <a:endParaRPr lang="en-US" altLang="zh-TW" dirty="0" smtClean="0">
-              <a:latin typeface="微軟正黑體" panose="020B0604030504040204" pitchFamily="34" charset="-120"/>
-              <a:ea typeface="微軟正黑體" panose="020B0604030504040204" pitchFamily="34" charset="-120"/>
-            </a:endParaRPr>
-          </a:p>
-          <a:p>
-            <a:pPr marL="514350" indent="-514350">
-              <a:buFont typeface="+mj-lt"/>
-              <a:buAutoNum type="arabicPeriod"/>
-            </a:pPr>
-            <a:r>
-              <a:rPr lang="zh-TW" altLang="en-US" dirty="0" smtClean="0">
-                <a:latin typeface="微軟正黑體" panose="020B0604030504040204" pitchFamily="34" charset="-120"/>
-                <a:ea typeface="微軟正黑體" panose="020B0604030504040204" pitchFamily="34" charset="-120"/>
-              </a:rPr>
-              <a:t>「</a:t>
-            </a:r>
-            <a:r>
-              <a:rPr lang="zh-TW" altLang="en-US" dirty="0">
-                <a:solidFill>
-                  <a:schemeClr val="accent2">
-                    <a:lumMod val="50000"/>
-                  </a:schemeClr>
-                </a:solidFill>
-                <a:latin typeface="微軟正黑體" panose="020B0604030504040204" pitchFamily="34" charset="-120"/>
-                <a:ea typeface="微軟正黑體" panose="020B0604030504040204" pitchFamily="34" charset="-120"/>
-              </a:rPr>
-              <a:t>主</a:t>
-            </a:r>
-            <a:r>
-              <a:rPr lang="zh-TW" altLang="en-US" dirty="0" smtClean="0">
-                <a:solidFill>
-                  <a:schemeClr val="accent2">
-                    <a:lumMod val="50000"/>
-                  </a:schemeClr>
-                </a:solidFill>
-                <a:latin typeface="微軟正黑體" panose="020B0604030504040204" pitchFamily="34" charset="-120"/>
-                <a:ea typeface="微軟正黑體" panose="020B0604030504040204" pitchFamily="34" charset="-120"/>
-              </a:rPr>
-              <a:t>頁</a:t>
-            </a:r>
-            <a:r>
-              <a:rPr lang="zh-TW" altLang="en-US" dirty="0" smtClean="0">
-                <a:latin typeface="微軟正黑體" panose="020B0604030504040204" pitchFamily="34" charset="-120"/>
-                <a:ea typeface="微軟正黑體" panose="020B0604030504040204" pitchFamily="34" charset="-120"/>
-              </a:rPr>
-              <a:t>」下方的評價區會根據評價數增加表格欄位。</a:t>
-            </a:r>
-            <a:endParaRPr lang="en-US" altLang="zh-TW" dirty="0" smtClean="0">
-              <a:latin typeface="微軟正黑體" panose="020B0604030504040204" pitchFamily="34" charset="-120"/>
-              <a:ea typeface="微軟正黑體" panose="020B0604030504040204" pitchFamily="34" charset="-120"/>
-            </a:endParaRPr>
-          </a:p>
-        </p:txBody>
-      </p:sp>
+        </p:txBody>
+      </p:sp>
+      <p:pic>
+        <p:nvPicPr>
+          <p:cNvPr id="2" name="圖片 1"/>
+          <p:cNvPicPr>
+            <a:picLocks noChangeAspect="1"/>
+          </p:cNvPicPr>
+          <p:nvPr/>
+        </p:nvPicPr>
+        <p:blipFill>
+          <a:blip r:embed="rId2">
+            <a:extLst>
+              <a:ext uri="{28A0092B-C50C-407E-A947-70E740481C1C}">
+                <a14:useLocalDpi xmlns:a14="http://schemas.microsoft.com/office/drawing/2010/main" val="0"/>
+              </a:ext>
+            </a:extLst>
+          </a:blip>
+          <a:stretch>
+            <a:fillRect/>
+          </a:stretch>
+        </p:blipFill>
+        <p:spPr>
+          <a:xfrm>
+            <a:off x="4823023" y="835269"/>
+            <a:ext cx="7228185" cy="5433856"/>
+          </a:xfrm>
+          <a:prstGeom prst="rect">
+            <a:avLst/>
+          </a:prstGeom>
+        </p:spPr>
+      </p:pic>
     </p:spTree>
     <p:extLst>
       <p:ext uri="{BB962C8B-B14F-4D97-AF65-F5344CB8AC3E}">
-        <p14:creationId xmlns:p14="http://schemas.microsoft.com/office/powerpoint/2010/main" val="2551211300"/>
+        <p14:creationId xmlns:p14="http://schemas.microsoft.com/office/powerpoint/2010/main" val="410808552"/>
       </p:ext>
     </p:extLst>
   </p:cSld>
@@ -4383,7 +4250,7 @@
                 <a:latin typeface="微軟正黑體" panose="020B0604030504040204" pitchFamily="34" charset="-120"/>
                 <a:ea typeface="微軟正黑體" panose="020B0604030504040204" pitchFamily="34" charset="-120"/>
               </a:rPr>
-              <a:t>分工</a:t>
+              <a:t>程式</a:t>
             </a:r>
             <a:endParaRPr lang="zh-TW" altLang="en-US" dirty="0">
               <a:latin typeface="微軟正黑體" panose="020B0604030504040204" pitchFamily="34" charset="-120"/>
@@ -4404,29 +4271,40 @@
         </p:nvSpPr>
         <p:spPr/>
         <p:txBody>
-          <a:bodyPr/>
-          <a:lstStyle/>
-          <a:p>
+          <a:bodyPr>
+            <a:normAutofit/>
+          </a:bodyPr>
+          <a:lstStyle/>
+          <a:p>
+            <a:pPr marL="514350" indent="-514350">
+              <a:buFont typeface="+mj-lt"/>
+              <a:buAutoNum type="arabicPeriod"/>
+            </a:pPr>
             <a:r>
               <a:rPr lang="zh-TW" altLang="en-US" dirty="0" smtClean="0">
                 <a:latin typeface="微軟正黑體" panose="020B0604030504040204" pitchFamily="34" charset="-120"/>
                 <a:ea typeface="微軟正黑體" panose="020B0604030504040204" pitchFamily="34" charset="-120"/>
               </a:rPr>
-              <a:t>賴威錩</a:t>
-            </a:r>
-            <a:r>
-              <a:rPr lang="en-US" altLang="zh-TW" dirty="0" smtClean="0">
-                <a:latin typeface="微軟正黑體" panose="020B0604030504040204" pitchFamily="34" charset="-120"/>
-                <a:ea typeface="微軟正黑體" panose="020B0604030504040204" pitchFamily="34" charset="-120"/>
-              </a:rPr>
-              <a:t>:</a:t>
+              <a:t>「</a:t>
             </a:r>
             <a:r>
               <a:rPr lang="zh-TW" altLang="en-US" dirty="0" smtClean="0">
-                <a:latin typeface="微軟正黑體" panose="020B0604030504040204" pitchFamily="34" charset="-120"/>
-                <a:ea typeface="微軟正黑體" panose="020B0604030504040204" pitchFamily="34" charset="-120"/>
-              </a:rPr>
-              <a:t>菜單、雲端資料管理、神</a:t>
+                <a:solidFill>
+                  <a:schemeClr val="accent2">
+                    <a:lumMod val="50000"/>
+                  </a:schemeClr>
+                </a:solidFill>
+                <a:latin typeface="微軟正黑體" panose="020B0604030504040204" pitchFamily="34" charset="-120"/>
+                <a:ea typeface="微軟正黑體" panose="020B0604030504040204" pitchFamily="34" charset="-120"/>
+              </a:rPr>
+              <a:t>菜單</a:t>
+            </a:r>
+            <a:r>
+              <a:rPr lang="zh-TW" altLang="en-US" dirty="0" smtClean="0">
+                <a:latin typeface="微軟正黑體" panose="020B0604030504040204" pitchFamily="34" charset="-120"/>
+                <a:ea typeface="微軟正黑體" panose="020B0604030504040204" pitchFamily="34" charset="-120"/>
+              </a:rPr>
+              <a:t>」頁面，滑鼠滑過圖片會旋轉。</a:t>
             </a:r>
             <a:endParaRPr lang="en-US" altLang="zh-TW" dirty="0" smtClean="0">
               <a:latin typeface="微軟正黑體" panose="020B0604030504040204" pitchFamily="34" charset="-120"/>
@@ -4434,26 +4312,111 @@
             </a:endParaRPr>
           </a:p>
           <a:p>
+            <a:pPr marL="514350" indent="-514350">
+              <a:buFont typeface="+mj-lt"/>
+              <a:buAutoNum type="arabicPeriod"/>
+            </a:pPr>
+            <a:r>
+              <a:rPr lang="zh-TW" altLang="en-US" dirty="0">
+                <a:latin typeface="微軟正黑體" panose="020B0604030504040204" pitchFamily="34" charset="-120"/>
+                <a:ea typeface="微軟正黑體" panose="020B0604030504040204" pitchFamily="34" charset="-120"/>
+              </a:rPr>
+              <a:t>「</a:t>
+            </a:r>
+            <a:r>
+              <a:rPr lang="zh-TW" altLang="en-US" dirty="0">
+                <a:solidFill>
+                  <a:schemeClr val="accent2">
+                    <a:lumMod val="50000"/>
+                  </a:schemeClr>
+                </a:solidFill>
+                <a:latin typeface="微軟正黑體" panose="020B0604030504040204" pitchFamily="34" charset="-120"/>
+                <a:ea typeface="微軟正黑體" panose="020B0604030504040204" pitchFamily="34" charset="-120"/>
+              </a:rPr>
+              <a:t>訂購</a:t>
+            </a:r>
+            <a:r>
+              <a:rPr lang="zh-TW" altLang="en-US" dirty="0">
+                <a:latin typeface="微軟正黑體" panose="020B0604030504040204" pitchFamily="34" charset="-120"/>
+                <a:ea typeface="微軟正黑體" panose="020B0604030504040204" pitchFamily="34" charset="-120"/>
+              </a:rPr>
+              <a:t>」及「</a:t>
+            </a:r>
+            <a:r>
+              <a:rPr lang="zh-TW" altLang="en-US" dirty="0">
+                <a:solidFill>
+                  <a:schemeClr val="accent2">
+                    <a:lumMod val="50000"/>
+                  </a:schemeClr>
+                </a:solidFill>
+                <a:latin typeface="微軟正黑體" panose="020B0604030504040204" pitchFamily="34" charset="-120"/>
+                <a:ea typeface="微軟正黑體" panose="020B0604030504040204" pitchFamily="34" charset="-120"/>
+              </a:rPr>
+              <a:t>意見回饋</a:t>
+            </a:r>
+            <a:r>
+              <a:rPr lang="zh-TW" altLang="en-US" dirty="0">
+                <a:latin typeface="微軟正黑體" panose="020B0604030504040204" pitchFamily="34" charset="-120"/>
+                <a:ea typeface="微軟正黑體" panose="020B0604030504040204" pitchFamily="34" charset="-120"/>
+              </a:rPr>
+              <a:t>」頁面，下拉選單有很酷的特效</a:t>
+            </a:r>
             <a:r>
               <a:rPr lang="zh-TW" altLang="en-US" dirty="0" smtClean="0">
                 <a:latin typeface="微軟正黑體" panose="020B0604030504040204" pitchFamily="34" charset="-120"/>
                 <a:ea typeface="微軟正黑體" panose="020B0604030504040204" pitchFamily="34" charset="-120"/>
               </a:rPr>
-              <a:t>戴碩廷</a:t>
+              <a:t>。</a:t>
+            </a:r>
+            <a:endParaRPr lang="en-US" altLang="zh-TW" dirty="0">
+              <a:latin typeface="微軟正黑體" panose="020B0604030504040204" pitchFamily="34" charset="-120"/>
+              <a:ea typeface="微軟正黑體" panose="020B0604030504040204" pitchFamily="34" charset="-120"/>
+            </a:endParaRPr>
+          </a:p>
+          <a:p>
+            <a:pPr marL="514350" indent="-514350">
+              <a:buFont typeface="+mj-lt"/>
+              <a:buAutoNum type="arabicPeriod"/>
+            </a:pPr>
+            <a:r>
+              <a:rPr lang="zh-TW" altLang="en-US" dirty="0" smtClean="0">
+                <a:latin typeface="微軟正黑體" panose="020B0604030504040204" pitchFamily="34" charset="-120"/>
+                <a:ea typeface="微軟正黑體" panose="020B0604030504040204" pitchFamily="34" charset="-120"/>
+              </a:rPr>
+              <a:t>「</a:t>
+            </a:r>
+            <a:r>
+              <a:rPr lang="zh-TW" altLang="en-US" dirty="0" smtClean="0">
+                <a:solidFill>
+                  <a:schemeClr val="accent2">
+                    <a:lumMod val="50000"/>
+                  </a:schemeClr>
+                </a:solidFill>
+                <a:latin typeface="微軟正黑體" panose="020B0604030504040204" pitchFamily="34" charset="-120"/>
+                <a:ea typeface="微軟正黑體" panose="020B0604030504040204" pitchFamily="34" charset="-120"/>
+              </a:rPr>
+              <a:t>意見回饋</a:t>
+            </a:r>
+            <a:r>
+              <a:rPr lang="zh-TW" altLang="en-US" dirty="0" smtClean="0">
+                <a:latin typeface="微軟正黑體" panose="020B0604030504040204" pitchFamily="34" charset="-120"/>
+                <a:ea typeface="微軟正黑體" panose="020B0604030504040204" pitchFamily="34" charset="-120"/>
+              </a:rPr>
+              <a:t>」頁面會將資料送出到</a:t>
             </a:r>
             <a:r>
               <a:rPr lang="en-US" altLang="zh-TW" dirty="0" smtClean="0">
                 <a:latin typeface="微軟正黑體" panose="020B0604030504040204" pitchFamily="34" charset="-120"/>
                 <a:ea typeface="微軟正黑體" panose="020B0604030504040204" pitchFamily="34" charset="-120"/>
               </a:rPr>
-              <a:t>:</a:t>
+              <a:t>google</a:t>
             </a:r>
             <a:r>
               <a:rPr lang="zh-TW" altLang="en-US" dirty="0" smtClean="0">
                 <a:latin typeface="微軟正黑體" panose="020B0604030504040204" pitchFamily="34" charset="-120"/>
                 <a:ea typeface="微軟正黑體" panose="020B0604030504040204" pitchFamily="34" charset="-120"/>
               </a:rPr>
-              <a:t>訂購、意見回饋、修圖</a:t>
+              <a:t>。</a:t>
             </a:r>
             <a:endParaRPr lang="en-US" altLang="zh-TW" dirty="0" smtClean="0">
               <a:latin typeface="微軟正黑體" panose="020B0604030504040204" pitchFamily="34" charset="-120"/>
@@ -4461,38 +4424,171 @@
             </a:endParaRPr>
           </a:p>
           <a:p>
-            <a:r>
-              <a:rPr lang="zh-TW" altLang="en-US" dirty="0" smtClean="0">
-                <a:latin typeface="微軟正黑體" panose="020B0604030504040204" pitchFamily="34" charset="-120"/>
-                <a:ea typeface="微軟正黑體" panose="020B0604030504040204" pitchFamily="34" charset="-120"/>
-              </a:rPr>
-              <a:t>郭家佑</a:t>
-            </a:r>
-            <a:r>
-              <a:rPr lang="en-US" altLang="zh-TW" dirty="0" smtClean="0">
-                <a:latin typeface="微軟正黑體" panose="020B0604030504040204" pitchFamily="34" charset="-120"/>
-                <a:ea typeface="微軟正黑體" panose="020B0604030504040204" pitchFamily="34" charset="-120"/>
-              </a:rPr>
-              <a:t>:</a:t>
-            </a:r>
-            <a:r>
-              <a:rPr lang="zh-TW" altLang="en-US" dirty="0" smtClean="0">
-                <a:latin typeface="微軟正黑體" panose="020B0604030504040204" pitchFamily="34" charset="-120"/>
-                <a:ea typeface="微軟正黑體" panose="020B0604030504040204" pitchFamily="34" charset="-120"/>
-              </a:rPr>
-              <a:t>主頁</a:t>
-            </a:r>
-            <a:endParaRPr lang="zh-TW" altLang="en-US" dirty="0">
+            <a:pPr marL="514350" indent="-514350">
+              <a:buFont typeface="+mj-lt"/>
+              <a:buAutoNum type="arabicPeriod"/>
+            </a:pPr>
+            <a:r>
+              <a:rPr lang="zh-TW" altLang="en-US" dirty="0">
+                <a:latin typeface="微軟正黑體" panose="020B0604030504040204" pitchFamily="34" charset="-120"/>
+                <a:ea typeface="微軟正黑體" panose="020B0604030504040204" pitchFamily="34" charset="-120"/>
+              </a:rPr>
+              <a:t>「</a:t>
+            </a:r>
+            <a:r>
+              <a:rPr lang="zh-TW" altLang="en-US" dirty="0">
+                <a:solidFill>
+                  <a:schemeClr val="accent2">
+                    <a:lumMod val="50000"/>
+                  </a:schemeClr>
+                </a:solidFill>
+                <a:latin typeface="微軟正黑體" panose="020B0604030504040204" pitchFamily="34" charset="-120"/>
+                <a:ea typeface="微軟正黑體" panose="020B0604030504040204" pitchFamily="34" charset="-120"/>
+              </a:rPr>
+              <a:t>訂購</a:t>
+            </a:r>
+            <a:r>
+              <a:rPr lang="zh-TW" altLang="en-US" dirty="0">
+                <a:latin typeface="微軟正黑體" panose="020B0604030504040204" pitchFamily="34" charset="-120"/>
+                <a:ea typeface="微軟正黑體" panose="020B0604030504040204" pitchFamily="34" charset="-120"/>
+              </a:rPr>
+              <a:t>」頁面按下</a:t>
+            </a:r>
+            <a:r>
+              <a:rPr lang="en-US" altLang="zh-TW" dirty="0">
+                <a:latin typeface="微軟正黑體" panose="020B0604030504040204" pitchFamily="34" charset="-120"/>
+                <a:ea typeface="微軟正黑體" panose="020B0604030504040204" pitchFamily="34" charset="-120"/>
+              </a:rPr>
+              <a:t>+</a:t>
+            </a:r>
+            <a:r>
+              <a:rPr lang="zh-TW" altLang="en-US" dirty="0">
+                <a:latin typeface="微軟正黑體" panose="020B0604030504040204" pitchFamily="34" charset="-120"/>
+                <a:ea typeface="微軟正黑體" panose="020B0604030504040204" pitchFamily="34" charset="-120"/>
+              </a:rPr>
+              <a:t>號可新增下拉選單。</a:t>
+            </a:r>
+            <a:endParaRPr lang="en-US" altLang="zh-TW" dirty="0">
               <a:latin typeface="微軟正黑體" panose="020B0604030504040204" pitchFamily="34" charset="-120"/>
               <a:ea typeface="微軟正黑體" panose="020B0604030504040204" pitchFamily="34" charset="-120"/>
             </a:endParaRPr>
           </a:p>
+          <a:p>
+            <a:pPr marL="514350" indent="-514350">
+              <a:buFont typeface="+mj-lt"/>
+              <a:buAutoNum type="arabicPeriod"/>
+            </a:pPr>
+            <a:r>
+              <a:rPr lang="zh-TW" altLang="en-US" dirty="0" smtClean="0">
+                <a:latin typeface="微軟正黑體" panose="020B0604030504040204" pitchFamily="34" charset="-120"/>
+                <a:ea typeface="微軟正黑體" panose="020B0604030504040204" pitchFamily="34" charset="-120"/>
+              </a:rPr>
+              <a:t>「</a:t>
+            </a:r>
+            <a:r>
+              <a:rPr lang="zh-TW" altLang="en-US" dirty="0">
+                <a:solidFill>
+                  <a:schemeClr val="accent2">
+                    <a:lumMod val="50000"/>
+                  </a:schemeClr>
+                </a:solidFill>
+                <a:latin typeface="微軟正黑體" panose="020B0604030504040204" pitchFamily="34" charset="-120"/>
+                <a:ea typeface="微軟正黑體" panose="020B0604030504040204" pitchFamily="34" charset="-120"/>
+              </a:rPr>
+              <a:t>主</a:t>
+            </a:r>
+            <a:r>
+              <a:rPr lang="zh-TW" altLang="en-US" dirty="0" smtClean="0">
+                <a:solidFill>
+                  <a:schemeClr val="accent2">
+                    <a:lumMod val="50000"/>
+                  </a:schemeClr>
+                </a:solidFill>
+                <a:latin typeface="微軟正黑體" panose="020B0604030504040204" pitchFamily="34" charset="-120"/>
+                <a:ea typeface="微軟正黑體" panose="020B0604030504040204" pitchFamily="34" charset="-120"/>
+              </a:rPr>
+              <a:t>頁</a:t>
+            </a:r>
+            <a:r>
+              <a:rPr lang="zh-TW" altLang="en-US" dirty="0" smtClean="0">
+                <a:latin typeface="微軟正黑體" panose="020B0604030504040204" pitchFamily="34" charset="-120"/>
+                <a:ea typeface="微軟正黑體" panose="020B0604030504040204" pitchFamily="34" charset="-120"/>
+              </a:rPr>
+              <a:t>」頁面會將</a:t>
+            </a:r>
+            <a:r>
+              <a:rPr lang="en-US" altLang="zh-TW" dirty="0" smtClean="0">
+                <a:latin typeface="微軟正黑體" panose="020B0604030504040204" pitchFamily="34" charset="-120"/>
+                <a:ea typeface="微軟正黑體" panose="020B0604030504040204" pitchFamily="34" charset="-120"/>
+              </a:rPr>
+              <a:t>google</a:t>
+            </a:r>
+            <a:r>
+              <a:rPr lang="zh-TW" altLang="en-US" dirty="0" smtClean="0">
+                <a:latin typeface="微軟正黑體" panose="020B0604030504040204" pitchFamily="34" charset="-120"/>
+                <a:ea typeface="微軟正黑體" panose="020B0604030504040204" pitchFamily="34" charset="-120"/>
+              </a:rPr>
+              <a:t>中的資料抓下來，顯示在主頁下方的評價區。</a:t>
+            </a:r>
+            <a:endParaRPr lang="en-US" altLang="zh-TW" dirty="0" smtClean="0">
+              <a:latin typeface="微軟正黑體" panose="020B0604030504040204" pitchFamily="34" charset="-120"/>
+              <a:ea typeface="微軟正黑體" panose="020B0604030504040204" pitchFamily="34" charset="-120"/>
+            </a:endParaRPr>
+          </a:p>
+          <a:p>
+            <a:pPr marL="514350" indent="-514350">
+              <a:buFont typeface="+mj-lt"/>
+              <a:buAutoNum type="arabicPeriod"/>
+            </a:pPr>
+            <a:r>
+              <a:rPr lang="zh-TW" altLang="en-US" dirty="0" smtClean="0">
+                <a:latin typeface="微軟正黑體" panose="020B0604030504040204" pitchFamily="34" charset="-120"/>
+                <a:ea typeface="微軟正黑體" panose="020B0604030504040204" pitchFamily="34" charset="-120"/>
+              </a:rPr>
+              <a:t>「</a:t>
+            </a:r>
+            <a:r>
+              <a:rPr lang="zh-TW" altLang="en-US" dirty="0">
+                <a:solidFill>
+                  <a:schemeClr val="accent2">
+                    <a:lumMod val="50000"/>
+                  </a:schemeClr>
+                </a:solidFill>
+                <a:latin typeface="微軟正黑體" panose="020B0604030504040204" pitchFamily="34" charset="-120"/>
+                <a:ea typeface="微軟正黑體" panose="020B0604030504040204" pitchFamily="34" charset="-120"/>
+              </a:rPr>
+              <a:t>主</a:t>
+            </a:r>
+            <a:r>
+              <a:rPr lang="zh-TW" altLang="en-US" dirty="0" smtClean="0">
+                <a:solidFill>
+                  <a:schemeClr val="accent2">
+                    <a:lumMod val="50000"/>
+                  </a:schemeClr>
+                </a:solidFill>
+                <a:latin typeface="微軟正黑體" panose="020B0604030504040204" pitchFamily="34" charset="-120"/>
+                <a:ea typeface="微軟正黑體" panose="020B0604030504040204" pitchFamily="34" charset="-120"/>
+              </a:rPr>
+              <a:t>頁</a:t>
+            </a:r>
+            <a:r>
+              <a:rPr lang="zh-TW" altLang="en-US" dirty="0" smtClean="0">
+                <a:latin typeface="微軟正黑體" panose="020B0604030504040204" pitchFamily="34" charset="-120"/>
+                <a:ea typeface="微軟正黑體" panose="020B0604030504040204" pitchFamily="34" charset="-120"/>
+              </a:rPr>
+              <a:t>」下方的評價區會根據評價數增加表格欄位。</a:t>
+            </a:r>
+            <a:endParaRPr lang="en-US" altLang="zh-TW" dirty="0" smtClean="0">
+              <a:latin typeface="微軟正黑體" panose="020B0604030504040204" pitchFamily="34" charset="-120"/>
+              <a:ea typeface="微軟正黑體" panose="020B0604030504040204" pitchFamily="34" charset="-120"/>
+            </a:endParaRPr>
+          </a:p>
         </p:txBody>
       </p:sp>
     </p:spTree>
     <p:extLst>
       <p:ext uri="{BB962C8B-B14F-4D97-AF65-F5344CB8AC3E}">
-        <p14:creationId xmlns:p14="http://schemas.microsoft.com/office/powerpoint/2010/main" val="737689713"/>
+        <p14:creationId xmlns:p14="http://schemas.microsoft.com/office/powerpoint/2010/main" val="2551211300"/>
       </p:ext>
     </p:extLst>
   </p:cSld>
@@ -4542,18 +4638,11 @@
           <a:lstStyle/>
           <a:p>
             <a:r>
-              <a:rPr lang="en-US" altLang="zh-TW" dirty="0" err="1" smtClean="0">
-                <a:latin typeface="微軟正黑體" panose="020B0604030504040204" pitchFamily="34" charset="-120"/>
-                <a:ea typeface="微軟正黑體" panose="020B0604030504040204" pitchFamily="34" charset="-120"/>
-              </a:rPr>
-              <a:t>Git</a:t>
-            </a:r>
-            <a:r>
-              <a:rPr lang="en-US" altLang="zh-TW" dirty="0" smtClean="0">
-                <a:latin typeface="微軟正黑體" panose="020B0604030504040204" pitchFamily="34" charset="-120"/>
-                <a:ea typeface="微軟正黑體" panose="020B0604030504040204" pitchFamily="34" charset="-120"/>
-              </a:rPr>
-              <a:t> flow</a:t>
+              <a:rPr lang="zh-TW" altLang="en-US" dirty="0" smtClean="0">
+                <a:latin typeface="微軟正黑體" panose="020B0604030504040204" pitchFamily="34" charset="-120"/>
+                <a:ea typeface="微軟正黑體" panose="020B0604030504040204" pitchFamily="34" charset="-120"/>
+              </a:rPr>
+              <a:t>分工</a:t>
             </a:r>
             <a:endParaRPr lang="zh-TW" altLang="en-US" dirty="0">
               <a:latin typeface="微軟正黑體" panose="020B0604030504040204" pitchFamily="34" charset="-120"/>
@@ -4577,38 +4666,92 @@
           <a:bodyPr/>
           <a:lstStyle/>
           <a:p>
-            <a:endParaRPr lang="zh-TW" altLang="en-US" dirty="0"/>
-          </a:p>
-        </p:txBody>
-      </p:sp>
-      <p:pic>
-        <p:nvPicPr>
-          <p:cNvPr id="5" name="圖片 4"/>
-          <p:cNvPicPr>
-            <a:picLocks noChangeAspect="1"/>
-          </p:cNvPicPr>
-          <p:nvPr/>
-        </p:nvPicPr>
-        <p:blipFill>
-          <a:blip r:embed="rId2"/>
-          <a:stretch>
-            <a:fillRect/>
-          </a:stretch>
-        </p:blipFill>
-        <p:spPr>
-          <a:xfrm>
-            <a:off x="5062888" y="-85337"/>
-            <a:ext cx="3171474" cy="6943338"/>
-          </a:xfrm>
-          <a:prstGeom prst="rect">
-            <a:avLst/>
-          </a:prstGeom>
-        </p:spPr>
-      </p:pic>
+            <a:r>
+              <a:rPr lang="zh-TW" altLang="en-US" dirty="0" smtClean="0">
+                <a:latin typeface="微軟正黑體" panose="020B0604030504040204" pitchFamily="34" charset="-120"/>
+                <a:ea typeface="微軟正黑體" panose="020B0604030504040204" pitchFamily="34" charset="-120"/>
+              </a:rPr>
+              <a:t>賴威錩</a:t>
+            </a:r>
+            <a:r>
+              <a:rPr lang="en-US" altLang="zh-TW" dirty="0" smtClean="0">
+                <a:latin typeface="微軟正黑體" panose="020B0604030504040204" pitchFamily="34" charset="-120"/>
+                <a:ea typeface="微軟正黑體" panose="020B0604030504040204" pitchFamily="34" charset="-120"/>
+              </a:rPr>
+              <a:t>:</a:t>
+            </a:r>
+            <a:r>
+              <a:rPr lang="zh-TW" altLang="en-US" dirty="0" smtClean="0">
+                <a:latin typeface="微軟正黑體" panose="020B0604030504040204" pitchFamily="34" charset="-120"/>
+                <a:ea typeface="微軟正黑體" panose="020B0604030504040204" pitchFamily="34" charset="-120"/>
+              </a:rPr>
+              <a:t>菜單、雲端資料管理、神</a:t>
+            </a:r>
+            <a:endParaRPr lang="en-US" altLang="zh-TW" dirty="0" smtClean="0">
+              <a:latin typeface="微軟正黑體" panose="020B0604030504040204" pitchFamily="34" charset="-120"/>
+              <a:ea typeface="微軟正黑體" panose="020B0604030504040204" pitchFamily="34" charset="-120"/>
+            </a:endParaRPr>
+          </a:p>
+          <a:p>
+            <a:r>
+              <a:rPr lang="zh-TW" altLang="en-US" dirty="0" smtClean="0">
+                <a:latin typeface="微軟正黑體" panose="020B0604030504040204" pitchFamily="34" charset="-120"/>
+                <a:ea typeface="微軟正黑體" panose="020B0604030504040204" pitchFamily="34" charset="-120"/>
+              </a:rPr>
+              <a:t>戴碩廷</a:t>
+            </a:r>
+            <a:r>
+              <a:rPr lang="en-US" altLang="zh-TW" dirty="0" smtClean="0">
+                <a:latin typeface="微軟正黑體" panose="020B0604030504040204" pitchFamily="34" charset="-120"/>
+                <a:ea typeface="微軟正黑體" panose="020B0604030504040204" pitchFamily="34" charset="-120"/>
+              </a:rPr>
+              <a:t>:</a:t>
+            </a:r>
+            <a:r>
+              <a:rPr lang="zh-TW" altLang="en-US" dirty="0" smtClean="0">
+                <a:latin typeface="微軟正黑體" panose="020B0604030504040204" pitchFamily="34" charset="-120"/>
+                <a:ea typeface="微軟正黑體" panose="020B0604030504040204" pitchFamily="34" charset="-120"/>
+              </a:rPr>
+              <a:t>訂購、意見回饋、修圖</a:t>
+            </a:r>
+            <a:endParaRPr lang="en-US" altLang="zh-TW" dirty="0" smtClean="0">
+              <a:latin typeface="微軟正黑體" panose="020B0604030504040204" pitchFamily="34" charset="-120"/>
+              <a:ea typeface="微軟正黑體" panose="020B0604030504040204" pitchFamily="34" charset="-120"/>
+            </a:endParaRPr>
+          </a:p>
+          <a:p>
+            <a:r>
+              <a:rPr lang="zh-TW" altLang="en-US" dirty="0" smtClean="0">
+                <a:latin typeface="微軟正黑體" panose="020B0604030504040204" pitchFamily="34" charset="-120"/>
+                <a:ea typeface="微軟正黑體" panose="020B0604030504040204" pitchFamily="34" charset="-120"/>
+              </a:rPr>
+              <a:t>郭家佑</a:t>
+            </a:r>
+            <a:r>
+              <a:rPr lang="en-US" altLang="zh-TW" dirty="0" smtClean="0">
+                <a:latin typeface="微軟正黑體" panose="020B0604030504040204" pitchFamily="34" charset="-120"/>
+                <a:ea typeface="微軟正黑體" panose="020B0604030504040204" pitchFamily="34" charset="-120"/>
+              </a:rPr>
+              <a:t>:</a:t>
+            </a:r>
+            <a:r>
+              <a:rPr lang="zh-TW" altLang="en-US" dirty="0" smtClean="0">
+                <a:latin typeface="微軟正黑體" panose="020B0604030504040204" pitchFamily="34" charset="-120"/>
+                <a:ea typeface="微軟正黑體" panose="020B0604030504040204" pitchFamily="34" charset="-120"/>
+              </a:rPr>
+              <a:t>主頁</a:t>
+            </a:r>
+            <a:endParaRPr lang="zh-TW" altLang="en-US" dirty="0">
+              <a:latin typeface="微軟正黑體" panose="020B0604030504040204" pitchFamily="34" charset="-120"/>
+              <a:ea typeface="微軟正黑體" panose="020B0604030504040204" pitchFamily="34" charset="-120"/>
+            </a:endParaRPr>
+          </a:p>
+        </p:txBody>
+      </p:sp>
     </p:spTree>
     <p:extLst>
       <p:ext uri="{BB962C8B-B14F-4D97-AF65-F5344CB8AC3E}">
-        <p14:creationId xmlns:p14="http://schemas.microsoft.com/office/powerpoint/2010/main" val="2785799782"/>
+        <p14:creationId xmlns:p14="http://schemas.microsoft.com/office/powerpoint/2010/main" val="737689713"/>
       </p:ext>
     </p:extLst>
   </p:cSld>
